--- a/Report - Hiring_Process_Analytics.pptx
+++ b/Report - Hiring_Process_Analytics.pptx
@@ -5,7 +5,7 @@
     <p:sldMasterId id="2147483650" r:id="rId1"/>
   </p:sldMasterIdLst>
   <p:notesMasterIdLst>
-    <p:notesMasterId r:id="rId35"/>
+    <p:notesMasterId r:id="rId38"/>
   </p:notesMasterIdLst>
   <p:sldIdLst>
     <p:sldId id="278" r:id="rId2"/>
@@ -16,31 +16,34 @@
     <p:sldId id="294" r:id="rId7"/>
     <p:sldId id="338" r:id="rId8"/>
     <p:sldId id="337" r:id="rId9"/>
-    <p:sldId id="357" r:id="rId10"/>
-    <p:sldId id="339" r:id="rId11"/>
+    <p:sldId id="339" r:id="rId10"/>
+    <p:sldId id="379" r:id="rId11"/>
     <p:sldId id="358" r:id="rId12"/>
     <p:sldId id="360" r:id="rId13"/>
-    <p:sldId id="361" r:id="rId14"/>
-    <p:sldId id="362" r:id="rId15"/>
-    <p:sldId id="364" r:id="rId16"/>
-    <p:sldId id="365" r:id="rId17"/>
-    <p:sldId id="366" r:id="rId18"/>
-    <p:sldId id="367" r:id="rId19"/>
-    <p:sldId id="368" r:id="rId20"/>
-    <p:sldId id="363" r:id="rId21"/>
-    <p:sldId id="369" r:id="rId22"/>
-    <p:sldId id="370" r:id="rId23"/>
-    <p:sldId id="371" r:id="rId24"/>
-    <p:sldId id="372" r:id="rId25"/>
-    <p:sldId id="373" r:id="rId26"/>
-    <p:sldId id="374" r:id="rId27"/>
-    <p:sldId id="375" r:id="rId28"/>
-    <p:sldId id="376" r:id="rId29"/>
-    <p:sldId id="377" r:id="rId30"/>
-    <p:sldId id="378" r:id="rId31"/>
-    <p:sldId id="332" r:id="rId32"/>
-    <p:sldId id="333" r:id="rId33"/>
-    <p:sldId id="293" r:id="rId34"/>
+    <p:sldId id="380" r:id="rId14"/>
+    <p:sldId id="381" r:id="rId15"/>
+    <p:sldId id="382" r:id="rId16"/>
+    <p:sldId id="361" r:id="rId17"/>
+    <p:sldId id="362" r:id="rId18"/>
+    <p:sldId id="364" r:id="rId19"/>
+    <p:sldId id="365" r:id="rId20"/>
+    <p:sldId id="366" r:id="rId21"/>
+    <p:sldId id="367" r:id="rId22"/>
+    <p:sldId id="368" r:id="rId23"/>
+    <p:sldId id="363" r:id="rId24"/>
+    <p:sldId id="369" r:id="rId25"/>
+    <p:sldId id="370" r:id="rId26"/>
+    <p:sldId id="371" r:id="rId27"/>
+    <p:sldId id="372" r:id="rId28"/>
+    <p:sldId id="373" r:id="rId29"/>
+    <p:sldId id="374" r:id="rId30"/>
+    <p:sldId id="375" r:id="rId31"/>
+    <p:sldId id="376" r:id="rId32"/>
+    <p:sldId id="377" r:id="rId33"/>
+    <p:sldId id="378" r:id="rId34"/>
+    <p:sldId id="332" r:id="rId35"/>
+    <p:sldId id="333" r:id="rId36"/>
+    <p:sldId id="293" r:id="rId37"/>
   </p:sldIdLst>
   <p:sldSz cx="12192000" cy="6858000"/>
   <p:notesSz cx="13716000" cy="24384000"/>
@@ -25357,6 +25360,187 @@
       </p:grpSpPr>
       <p:sp>
         <p:nvSpPr>
+          <p:cNvPr id="4" name="Footer Placeholder 3">
+            <a:extLst>
+              <a:ext uri="{FF2B5EF4-FFF2-40B4-BE49-F238E27FC236}">
+                <a16:creationId xmlns:a16="http://schemas.microsoft.com/office/drawing/2014/main" id="{7FF59E77-B5FF-F4A4-5B1E-716C41A605AA}"/>
+              </a:ext>
+            </a:extLst>
+          </p:cNvPr>
+          <p:cNvSpPr>
+            <a:spLocks noGrp="1"/>
+          </p:cNvSpPr>
+          <p:nvPr>
+            <p:ph type="ftr" sz="quarter" idx="11"/>
+          </p:nvPr>
+        </p:nvSpPr>
+        <p:spPr/>
+        <p:txBody>
+          <a:bodyPr/>
+          <a:lstStyle/>
+          <a:p>
+            <a:r>
+              <a:rPr lang="en-US"/>
+              <a:t>Presentation title</a:t>
+            </a:r>
+            <a:endParaRPr lang="en-US" dirty="0"/>
+          </a:p>
+        </p:txBody>
+      </p:sp>
+      <p:sp>
+        <p:nvSpPr>
+          <p:cNvPr id="5" name="Slide Number Placeholder 4">
+            <a:extLst>
+              <a:ext uri="{FF2B5EF4-FFF2-40B4-BE49-F238E27FC236}">
+                <a16:creationId xmlns:a16="http://schemas.microsoft.com/office/drawing/2014/main" id="{504A0791-2C64-05BC-2D67-586FDAA3B312}"/>
+              </a:ext>
+            </a:extLst>
+          </p:cNvPr>
+          <p:cNvSpPr>
+            <a:spLocks noGrp="1"/>
+          </p:cNvSpPr>
+          <p:nvPr>
+            <p:ph type="sldNum" sz="quarter" idx="12"/>
+          </p:nvPr>
+        </p:nvSpPr>
+        <p:spPr/>
+        <p:txBody>
+          <a:bodyPr/>
+          <a:lstStyle/>
+          <a:p>
+            <a:fld id="{48F63A3B-78C7-47BE-AE5E-E10140E04643}" type="slidenum">
+              <a:rPr lang="en-US" smtClean="0"/>
+              <a:t>10</a:t>
+            </a:fld>
+            <a:endParaRPr lang="en-US" dirty="0"/>
+          </a:p>
+        </p:txBody>
+      </p:sp>
+      <p:pic>
+        <p:nvPicPr>
+          <p:cNvPr id="7" name="Picture 6">
+            <a:extLst>
+              <a:ext uri="{FF2B5EF4-FFF2-40B4-BE49-F238E27FC236}">
+                <a16:creationId xmlns:a16="http://schemas.microsoft.com/office/drawing/2014/main" id="{ECA3FD4B-6FFF-BBC3-6B68-02F72B9E0B44}"/>
+              </a:ext>
+              <a:ext uri="{C183D7F6-B498-43B3-948B-1728B52AA6E4}">
+                <adec:decorative xmlns:adec="http://schemas.microsoft.com/office/drawing/2017/decorative" val="1"/>
+              </a:ext>
+            </a:extLst>
+          </p:cNvPr>
+          <p:cNvPicPr>
+            <a:picLocks noChangeAspect="1"/>
+          </p:cNvPicPr>
+          <p:nvPr/>
+        </p:nvPicPr>
+        <p:blipFill>
+          <a:blip r:embed="rId2"/>
+          <a:stretch>
+            <a:fillRect/>
+          </a:stretch>
+        </p:blipFill>
+        <p:spPr>
+          <a:xfrm>
+            <a:off x="1083077" y="854744"/>
+            <a:ext cx="9862291" cy="5924533"/>
+          </a:xfrm>
+          <a:prstGeom prst="rect">
+            <a:avLst/>
+          </a:prstGeom>
+          <a:solidFill>
+            <a:srgbClr val="002060"/>
+          </a:solidFill>
+          <a:ln>
+            <a:solidFill>
+              <a:srgbClr val="DF8C8C"/>
+            </a:solidFill>
+          </a:ln>
+        </p:spPr>
+      </p:pic>
+    </p:spTree>
+    <p:extLst>
+      <p:ext uri="{BB962C8B-B14F-4D97-AF65-F5344CB8AC3E}">
+        <p14:creationId xmlns:p14="http://schemas.microsoft.com/office/powerpoint/2010/main" val="855370195"/>
+      </p:ext>
+    </p:extLst>
+  </p:cSld>
+  <p:clrMapOvr>
+    <a:masterClrMapping/>
+  </p:clrMapOvr>
+</p:sld>
+</file>
+
+<file path=ppt/slides/slide11.xml><?xml version="1.0" encoding="utf-8"?>
+<p:sld xmlns:a="http://schemas.openxmlformats.org/drawingml/2006/main" xmlns:r="http://schemas.openxmlformats.org/officeDocument/2006/relationships" xmlns:p="http://schemas.openxmlformats.org/presentationml/2006/main">
+  <p:cSld>
+    <p:spTree>
+      <p:nvGrpSpPr>
+        <p:cNvPr id="1" name=""/>
+        <p:cNvGrpSpPr/>
+        <p:nvPr/>
+      </p:nvGrpSpPr>
+      <p:grpSpPr>
+        <a:xfrm>
+          <a:off x="0" y="0"/>
+          <a:ext cx="0" cy="0"/>
+          <a:chOff x="0" y="0"/>
+          <a:chExt cx="0" cy="0"/>
+        </a:xfrm>
+      </p:grpSpPr>
+      <p:sp>
+        <p:nvSpPr>
+          <p:cNvPr id="9" name="Rectangle: Rounded Corners 8">
+            <a:extLst>
+              <a:ext uri="{FF2B5EF4-FFF2-40B4-BE49-F238E27FC236}">
+                <a16:creationId xmlns:a16="http://schemas.microsoft.com/office/drawing/2014/main" id="{D380A986-279D-C545-4515-B15CD0B22D6C}"/>
+              </a:ext>
+            </a:extLst>
+          </p:cNvPr>
+          <p:cNvSpPr/>
+          <p:nvPr/>
+        </p:nvSpPr>
+        <p:spPr>
+          <a:xfrm>
+            <a:off x="595143" y="3765966"/>
+            <a:ext cx="11004540" cy="1166321"/>
+          </a:xfrm>
+          <a:prstGeom prst="roundRect">
+            <a:avLst/>
+          </a:prstGeom>
+          <a:effectLst>
+            <a:outerShdw blurRad="152400" dist="317500" dir="5400000" sx="90000" sy="-19000" rotWithShape="0">
+              <a:prstClr val="black">
+                <a:alpha val="15000"/>
+              </a:prstClr>
+            </a:outerShdw>
+          </a:effectLst>
+        </p:spPr>
+        <p:style>
+          <a:lnRef idx="2">
+            <a:schemeClr val="accent1">
+              <a:shade val="15000"/>
+            </a:schemeClr>
+          </a:lnRef>
+          <a:fillRef idx="1">
+            <a:schemeClr val="accent1"/>
+          </a:fillRef>
+          <a:effectRef idx="0">
+            <a:schemeClr val="accent1"/>
+          </a:effectRef>
+          <a:fontRef idx="minor">
+            <a:schemeClr val="lt1"/>
+          </a:fontRef>
+        </p:style>
+        <p:txBody>
+          <a:bodyPr numCol="2" rtlCol="0" anchor="ctr"/>
+          <a:lstStyle/>
+          <a:p>
+            <a:endParaRPr lang="en-IN" dirty="0"/>
+          </a:p>
+        </p:txBody>
+      </p:sp>
+      <p:sp>
+        <p:nvSpPr>
           <p:cNvPr id="7" name="Rectangle 6">
             <a:extLst>
               <a:ext uri="{FF2B5EF4-FFF2-40B4-BE49-F238E27FC236}">
@@ -25369,7 +25553,7 @@
         </p:nvSpPr>
         <p:spPr>
           <a:xfrm>
-            <a:off x="552723" y="728437"/>
+            <a:off x="552722" y="848269"/>
             <a:ext cx="11242113" cy="795564"/>
           </a:xfrm>
           <a:prstGeom prst="rect">
@@ -25422,8 +25606,8 @@
         </p:nvSpPr>
         <p:spPr>
           <a:xfrm>
-            <a:off x="552723" y="667779"/>
-            <a:ext cx="11380197" cy="922027"/>
+            <a:off x="628136" y="896953"/>
+            <a:ext cx="11380197" cy="789238"/>
           </a:xfrm>
         </p:spPr>
         <p:txBody>
@@ -25431,6 +25615,14 @@
           <a:lstStyle/>
           <a:p>
             <a:pPr algn="l"/>
+            <a:r>
+              <a:rPr lang="en-US" sz="2000" u="sng" dirty="0">
+                <a:solidFill>
+                  <a:srgbClr val="DF8C8C"/>
+                </a:solidFill>
+              </a:rPr>
+              <a:t>Average Salary </a:t>
+            </a:r>
             <a:r>
               <a:rPr kumimoji="0" lang="en-US" sz="2000" b="1" i="0" u="sng" strike="noStrike" kern="1200" cap="all" spc="0" normalizeH="0" baseline="0" noProof="0" dirty="0">
                 <a:ln>
@@ -25446,24 +25638,8 @@
                 <a:ea typeface="+mj-ea"/>
                 <a:cs typeface="+mj-cs"/>
               </a:rPr>
-              <a:t>Jobs Reviewed Over Time: </a:t>
-            </a:r>
-            <a:br>
-              <a:rPr kumimoji="0" lang="en-US" sz="2000" b="1" i="0" u="sng" strike="noStrike" kern="1200" cap="all" spc="0" normalizeH="0" baseline="0" noProof="0" dirty="0">
-                <a:ln>
-                  <a:noFill/>
-                </a:ln>
-                <a:solidFill>
-                  <a:srgbClr val="DF8C8C"/>
-                </a:solidFill>
-                <a:effectLst/>
-                <a:uLnTx/>
-                <a:uFillTx/>
-                <a:latin typeface="Arial Black"/>
-                <a:ea typeface="+mj-ea"/>
-                <a:cs typeface="+mj-cs"/>
-              </a:rPr>
-            </a:br>
+              <a:t>: </a:t>
+            </a:r>
             <a:r>
               <a:rPr lang="en-US" sz="1600" b="0" dirty="0">
                 <a:solidFill>
@@ -25474,47 +25650,8 @@
                 </a:solidFill>
                 <a:latin typeface="Arial Black"/>
               </a:rPr>
-              <a:t>Create</a:t>
-            </a:r>
-            <a:r>
-              <a:rPr kumimoji="0" lang="en-US" sz="1600" b="0" i="0" u="none" strike="noStrike" kern="1200" cap="all" spc="0" normalizeH="0" baseline="0" noProof="0" dirty="0">
-                <a:ln>
-                  <a:noFill/>
-                </a:ln>
-                <a:solidFill>
-                  <a:srgbClr val="000000">
-                    <a:lumMod val="85000"/>
-                    <a:lumOff val="15000"/>
-                  </a:srgbClr>
-                </a:solidFill>
-                <a:effectLst/>
-                <a:uLnTx/>
-                <a:uFillTx/>
-                <a:latin typeface="Arial Black"/>
-                <a:ea typeface="+mj-ea"/>
-                <a:cs typeface="+mj-cs"/>
-              </a:rPr>
-              <a:t> an SQL query to calculate the number of jobs reviewed per hour for each day in November 2020.</a:t>
-            </a:r>
-            <a:br>
-              <a:rPr kumimoji="0" lang="en-US" sz="1600" b="0" i="0" u="none" strike="noStrike" kern="1200" cap="all" spc="0" normalizeH="0" baseline="0" noProof="0" dirty="0">
-                <a:ln>
-                  <a:noFill/>
-                </a:ln>
-                <a:solidFill>
-                  <a:srgbClr val="000000">
-                    <a:lumMod val="85000"/>
-                    <a:lumOff val="15000"/>
-                  </a:srgbClr>
-                </a:solidFill>
-                <a:effectLst/>
-                <a:uLnTx/>
-                <a:uFillTx/>
-                <a:latin typeface="Arial Black"/>
-                <a:ea typeface="+mj-ea"/>
-                <a:cs typeface="+mj-cs"/>
-              </a:rPr>
-            </a:br>
+              <a:t>Adding all the salaries for a select group of employees and then dividing the sum by the number of employees in the group.</a:t>
+            </a:r>
             <a:endParaRPr lang="en-IN" sz="2000" dirty="0">
               <a:solidFill>
                 <a:srgbClr val="00B0F0"/>
@@ -25541,8 +25678,8 @@
         </p:nvSpPr>
         <p:spPr>
           <a:xfrm>
-            <a:off x="536448" y="1589806"/>
-            <a:ext cx="11119104" cy="1933347"/>
+            <a:off x="628136" y="1828847"/>
+            <a:ext cx="10929126" cy="1600153"/>
           </a:xfrm>
         </p:spPr>
         <p:txBody>
@@ -25550,8 +25687,8 @@
           <a:lstStyle/>
           <a:p>
             <a:r>
-              <a:rPr lang="en-US" dirty="0"/>
-              <a:t>Steps for finding the number of jobs reviewed : </a:t>
+              <a:rPr lang="en-US" sz="2000" dirty="0"/>
+              <a:t>Steps to find the average salary offered in this company:-: </a:t>
             </a:r>
           </a:p>
           <a:p>
@@ -25559,8 +25696,8 @@
               <a:buNone/>
             </a:pPr>
             <a:r>
-              <a:rPr lang="en-US" dirty="0"/>
-              <a:t>	Step 1) I have selected `operation &amp; metric analytics` database for accessing data.</a:t>
+              <a:rPr lang="en-US" sz="2000" dirty="0"/>
+              <a:t>	Step 1) I have removed outliers from the dataset. </a:t>
             </a:r>
           </a:p>
           <a:p>
@@ -25568,24 +25705,8 @@
               <a:buNone/>
             </a:pPr>
             <a:r>
-              <a:rPr lang="en-US" dirty="0"/>
-              <a:t>	Step 2) To calculate a number of jobs reviewed per hour we just have to calculate the total number of	             </a:t>
-            </a:r>
-            <a:r>
-              <a:rPr lang="en-US" dirty="0" err="1"/>
-              <a:t>job_id</a:t>
-            </a:r>
-            <a:r>
-              <a:rPr lang="en-US" dirty="0"/>
-              <a:t> from </a:t>
-            </a:r>
-            <a:r>
-              <a:rPr lang="en-US" dirty="0" err="1"/>
-              <a:t>job_data</a:t>
-            </a:r>
-            <a:r>
-              <a:rPr lang="en-US" dirty="0"/>
-              <a:t> and then divide it by 24*30.</a:t>
+              <a:rPr lang="en-US" sz="2000" dirty="0"/>
+              <a:t>                            ( i.e. Salaries below 500 and Salaries above 100000)</a:t>
             </a:r>
           </a:p>
           <a:p>
@@ -25593,8 +25714,8 @@
               <a:buNone/>
             </a:pPr>
             <a:r>
-              <a:rPr lang="en-US" dirty="0"/>
-              <a:t>	Step 3) Using SELECT and COUNT commands I have executed the following Query.</a:t>
+              <a:rPr lang="en-US" sz="2000" dirty="0"/>
+              <a:t>	Step 2) Then by using the “AVERAGE” formula of excel I have calculated the average salary.</a:t>
             </a:r>
           </a:p>
           <a:p>
@@ -25603,14 +25724,8 @@
             </a:pPr>
             <a:r>
               <a:rPr lang="en-US" dirty="0"/>
-              <a:t>	Step 4) It is giving an output of 0.0111 jobs.</a:t>
-            </a:r>
-          </a:p>
-          <a:p>
-            <a:pPr marL="0" indent="0">
-              <a:buNone/>
-            </a:pPr>
-            <a:endParaRPr lang="en-US" dirty="0"/>
+              <a:t>	</a:t>
+            </a:r>
           </a:p>
           <a:p>
             <a:pPr marL="0" indent="0">
@@ -25640,8 +25755,8 @@
         </p:nvSpPr>
         <p:spPr>
           <a:xfrm>
-            <a:off x="3806237" y="71720"/>
-            <a:ext cx="4655336" cy="550438"/>
+            <a:off x="4341702" y="126922"/>
+            <a:ext cx="3802238" cy="603673"/>
           </a:xfrm>
           <a:prstGeom prst="rect">
             <a:avLst/>
@@ -25705,7 +25820,7 @@
           <a:p>
             <a:fld id="{48F63A3B-78C7-47BE-AE5E-E10140E04643}" type="slidenum">
               <a:rPr lang="en-US" smtClean="0"/>
-              <a:t>10</a:t>
+              <a:t>11</a:t>
             </a:fld>
             <a:endParaRPr lang="en-US" dirty="0"/>
           </a:p>
@@ -25713,10 +25828,337 @@
       </p:sp>
       <p:sp>
         <p:nvSpPr>
-          <p:cNvPr id="9" name="Rectangle: Rounded Corners 8">
+          <p:cNvPr id="8" name="Footer Placeholder 3">
             <a:extLst>
               <a:ext uri="{FF2B5EF4-FFF2-40B4-BE49-F238E27FC236}">
-                <a16:creationId xmlns:a16="http://schemas.microsoft.com/office/drawing/2014/main" id="{2CF20CC9-103C-611F-3BEA-37C975AA9957}"/>
+                <a16:creationId xmlns:a16="http://schemas.microsoft.com/office/drawing/2014/main" id="{9F0327CF-462F-CD26-04EC-539F0F589D1E}"/>
+              </a:ext>
+            </a:extLst>
+          </p:cNvPr>
+          <p:cNvSpPr>
+            <a:spLocks noGrp="1"/>
+          </p:cNvSpPr>
+          <p:nvPr>
+            <p:ph type="ftr" sz="quarter" idx="11"/>
+          </p:nvPr>
+        </p:nvSpPr>
+        <p:spPr>
+          <a:xfrm>
+            <a:off x="4452324" y="293280"/>
+            <a:ext cx="4565431" cy="220521"/>
+          </a:xfrm>
+        </p:spPr>
+        <p:txBody>
+          <a:bodyPr/>
+          <a:lstStyle/>
+          <a:p>
+            <a:r>
+              <a:rPr lang="en-US" sz="3200" b="1" dirty="0">
+                <a:latin typeface="+mj-lt"/>
+              </a:rPr>
+              <a:t>Average Salary</a:t>
+            </a:r>
+          </a:p>
+        </p:txBody>
+      </p:sp>
+      <p:sp>
+        <p:nvSpPr>
+          <p:cNvPr id="4" name="TextBox 3">
+            <a:extLst>
+              <a:ext uri="{FF2B5EF4-FFF2-40B4-BE49-F238E27FC236}">
+                <a16:creationId xmlns:a16="http://schemas.microsoft.com/office/drawing/2014/main" id="{08058665-B0C7-C964-53F8-29674D98DF24}"/>
+              </a:ext>
+            </a:extLst>
+          </p:cNvPr>
+          <p:cNvSpPr txBox="1"/>
+          <p:nvPr/>
+        </p:nvSpPr>
+        <p:spPr>
+          <a:xfrm>
+            <a:off x="696012" y="3414819"/>
+            <a:ext cx="4630132" cy="400110"/>
+          </a:xfrm>
+          <a:prstGeom prst="rect">
+            <a:avLst/>
+          </a:prstGeom>
+          <a:noFill/>
+        </p:spPr>
+        <p:txBody>
+          <a:bodyPr wrap="square" rtlCol="0">
+            <a:spAutoFit/>
+          </a:bodyPr>
+          <a:lstStyle/>
+          <a:p>
+            <a:r>
+              <a:rPr lang="en-IN" sz="2000" b="1" u="sng" dirty="0">
+                <a:highlight>
+                  <a:srgbClr val="AAC4E9"/>
+                </a:highlight>
+              </a:rPr>
+              <a:t>Excel Formula :</a:t>
+            </a:r>
+          </a:p>
+        </p:txBody>
+      </p:sp>
+      <p:cxnSp>
+        <p:nvCxnSpPr>
+          <p:cNvPr id="11" name="Connector: Elbow 10">
+            <a:extLst>
+              <a:ext uri="{FF2B5EF4-FFF2-40B4-BE49-F238E27FC236}">
+                <a16:creationId xmlns:a16="http://schemas.microsoft.com/office/drawing/2014/main" id="{E9030336-349E-3F34-2142-DEA7E5410BD1}"/>
+              </a:ext>
+            </a:extLst>
+          </p:cNvPr>
+          <p:cNvCxnSpPr/>
+          <p:nvPr/>
+        </p:nvCxnSpPr>
+        <p:spPr>
+          <a:xfrm>
+            <a:off x="1743959" y="3756322"/>
+            <a:ext cx="914400" cy="914400"/>
+          </a:xfrm>
+          <a:prstGeom prst="bentConnector3">
+            <a:avLst/>
+          </a:prstGeom>
+        </p:spPr>
+        <p:style>
+          <a:lnRef idx="1">
+            <a:schemeClr val="accent1"/>
+          </a:lnRef>
+          <a:fillRef idx="0">
+            <a:schemeClr val="accent1"/>
+          </a:fillRef>
+          <a:effectRef idx="0">
+            <a:schemeClr val="accent1"/>
+          </a:effectRef>
+          <a:fontRef idx="minor">
+            <a:schemeClr val="tx1"/>
+          </a:fontRef>
+        </p:style>
+      </p:cxnSp>
+      <p:sp>
+        <p:nvSpPr>
+          <p:cNvPr id="12" name="TextBox 11">
+            <a:extLst>
+              <a:ext uri="{FF2B5EF4-FFF2-40B4-BE49-F238E27FC236}">
+                <a16:creationId xmlns:a16="http://schemas.microsoft.com/office/drawing/2014/main" id="{5CA46714-57DC-1B3D-18DC-AA5E43DA95DC}"/>
+              </a:ext>
+            </a:extLst>
+          </p:cNvPr>
+          <p:cNvSpPr txBox="1"/>
+          <p:nvPr/>
+        </p:nvSpPr>
+        <p:spPr>
+          <a:xfrm>
+            <a:off x="1743959" y="4089377"/>
+            <a:ext cx="8484124" cy="461665"/>
+          </a:xfrm>
+          <a:prstGeom prst="rect">
+            <a:avLst/>
+          </a:prstGeom>
+          <a:noFill/>
+        </p:spPr>
+        <p:txBody>
+          <a:bodyPr wrap="square" rtlCol="0">
+            <a:spAutoFit/>
+          </a:bodyPr>
+          <a:lstStyle/>
+          <a:p>
+            <a:r>
+              <a:rPr lang="en-IN" sz="2400" b="1" dirty="0"/>
+              <a:t>=AVERAGE(G2:G7164)</a:t>
+            </a:r>
+          </a:p>
+        </p:txBody>
+      </p:sp>
+      <p:sp>
+        <p:nvSpPr>
+          <p:cNvPr id="13" name="TextBox 12">
+            <a:extLst>
+              <a:ext uri="{FF2B5EF4-FFF2-40B4-BE49-F238E27FC236}">
+                <a16:creationId xmlns:a16="http://schemas.microsoft.com/office/drawing/2014/main" id="{F5197376-EDE3-BBF4-F88D-A726254433D5}"/>
+              </a:ext>
+            </a:extLst>
+          </p:cNvPr>
+          <p:cNvSpPr txBox="1"/>
+          <p:nvPr/>
+        </p:nvSpPr>
+        <p:spPr>
+          <a:xfrm>
+            <a:off x="696012" y="5254491"/>
+            <a:ext cx="5297661" cy="400110"/>
+          </a:xfrm>
+          <a:prstGeom prst="rect">
+            <a:avLst/>
+          </a:prstGeom>
+          <a:noFill/>
+        </p:spPr>
+        <p:txBody>
+          <a:bodyPr wrap="square" rtlCol="0">
+            <a:spAutoFit/>
+          </a:bodyPr>
+          <a:lstStyle/>
+          <a:p>
+            <a:pPr marL="0" indent="0">
+              <a:buNone/>
+            </a:pPr>
+            <a:r>
+              <a:rPr lang="en-US" sz="2000" b="1" u="sng" dirty="0">
+                <a:solidFill>
+                  <a:schemeClr val="tx1"/>
+                </a:solidFill>
+                <a:highlight>
+                  <a:srgbClr val="AAC4E9"/>
+                </a:highlight>
+              </a:rPr>
+              <a:t>Output/Result :</a:t>
+            </a:r>
+          </a:p>
+        </p:txBody>
+      </p:sp>
+      <p:graphicFrame>
+        <p:nvGraphicFramePr>
+          <p:cNvPr id="14" name="Table 14">
+            <a:extLst>
+              <a:ext uri="{FF2B5EF4-FFF2-40B4-BE49-F238E27FC236}">
+                <a16:creationId xmlns:a16="http://schemas.microsoft.com/office/drawing/2014/main" id="{32D26F5E-A010-C7A1-4692-2D9F392102F0}"/>
+              </a:ext>
+            </a:extLst>
+          </p:cNvPr>
+          <p:cNvGraphicFramePr>
+            <a:graphicFrameLocks noGrp="1"/>
+          </p:cNvGraphicFramePr>
+          <p:nvPr>
+            <p:extLst>
+              <p:ext uri="{D42A27DB-BD31-4B8C-83A1-F6EECF244321}">
+                <p14:modId xmlns:p14="http://schemas.microsoft.com/office/powerpoint/2010/main" val="1175731657"/>
+              </p:ext>
+            </p:extLst>
+          </p:nvPr>
+        </p:nvGraphicFramePr>
+        <p:xfrm>
+          <a:off x="2353003" y="5883453"/>
+          <a:ext cx="6664752" cy="434340"/>
+        </p:xfrm>
+        <a:graphic>
+          <a:graphicData uri="http://schemas.openxmlformats.org/drawingml/2006/table">
+            <a:tbl>
+              <a:tblPr firstRow="1" bandRow="1">
+                <a:tableStyleId>{5C22544A-7EE6-4342-B048-85BDC9FD1C3A}</a:tableStyleId>
+              </a:tblPr>
+              <a:tblGrid>
+                <a:gridCol w="3332376">
+                  <a:extLst>
+                    <a:ext uri="{9D8B030D-6E8A-4147-A177-3AD203B41FA5}">
+                      <a16:colId xmlns:a16="http://schemas.microsoft.com/office/drawing/2014/main" val="2436056302"/>
+                    </a:ext>
+                  </a:extLst>
+                </a:gridCol>
+                <a:gridCol w="3332376">
+                  <a:extLst>
+                    <a:ext uri="{9D8B030D-6E8A-4147-A177-3AD203B41FA5}">
+                      <a16:colId xmlns:a16="http://schemas.microsoft.com/office/drawing/2014/main" val="4076454765"/>
+                    </a:ext>
+                  </a:extLst>
+                </a:gridCol>
+              </a:tblGrid>
+              <a:tr h="370840">
+                <a:tc>
+                  <a:txBody>
+                    <a:bodyPr/>
+                    <a:lstStyle/>
+                    <a:p>
+                      <a:pPr algn="ctr" fontAlgn="b"/>
+                      <a:r>
+                        <a:rPr lang="en-IN" sz="2800" b="1" i="0" u="none" strike="noStrike" dirty="0" err="1">
+                          <a:solidFill>
+                            <a:srgbClr val="000000"/>
+                          </a:solidFill>
+                          <a:effectLst/>
+                          <a:latin typeface="Calibri" panose="020F0502020204030204" pitchFamily="34" charset="0"/>
+                        </a:rPr>
+                        <a:t>average_salary</a:t>
+                      </a:r>
+                      <a:r>
+                        <a:rPr lang="en-IN" sz="2800" b="1" i="0" u="none" strike="noStrike" dirty="0">
+                          <a:solidFill>
+                            <a:srgbClr val="000000"/>
+                          </a:solidFill>
+                          <a:effectLst/>
+                          <a:latin typeface="Calibri" panose="020F0502020204030204" pitchFamily="34" charset="0"/>
+                        </a:rPr>
+                        <a:t> =</a:t>
+                      </a:r>
+                    </a:p>
+                  </a:txBody>
+                  <a:tcPr marL="7620" marR="7620" marT="7620" marB="0" anchor="b"/>
+                </a:tc>
+                <a:tc>
+                  <a:txBody>
+                    <a:bodyPr/>
+                    <a:lstStyle/>
+                    <a:p>
+                      <a:pPr algn="ctr" fontAlgn="b"/>
+                      <a:r>
+                        <a:rPr lang="en-IN" sz="2800" b="1" i="0" u="none" strike="noStrike" dirty="0">
+                          <a:solidFill>
+                            <a:srgbClr val="000000"/>
+                          </a:solidFill>
+                          <a:effectLst/>
+                          <a:latin typeface="Calibri" panose="020F0502020204030204" pitchFamily="34" charset="0"/>
+                        </a:rPr>
+                        <a:t>49885.28117</a:t>
+                      </a:r>
+                    </a:p>
+                  </a:txBody>
+                  <a:tcPr marL="7620" marR="7620" marT="7620" marB="0" anchor="b"/>
+                </a:tc>
+                <a:extLst>
+                  <a:ext uri="{0D108BD9-81ED-4DB2-BD59-A6C34878D82A}">
+                    <a16:rowId xmlns:a16="http://schemas.microsoft.com/office/drawing/2014/main" val="3178897701"/>
+                  </a:ext>
+                </a:extLst>
+              </a:tr>
+            </a:tbl>
+          </a:graphicData>
+        </a:graphic>
+      </p:graphicFrame>
+    </p:spTree>
+    <p:extLst>
+      <p:ext uri="{BB962C8B-B14F-4D97-AF65-F5344CB8AC3E}">
+        <p14:creationId xmlns:p14="http://schemas.microsoft.com/office/powerpoint/2010/main" val="2842444470"/>
+      </p:ext>
+    </p:extLst>
+  </p:cSld>
+  <p:clrMapOvr>
+    <a:masterClrMapping/>
+  </p:clrMapOvr>
+</p:sld>
+</file>
+
+<file path=ppt/slides/slide12.xml><?xml version="1.0" encoding="utf-8"?>
+<p:sld xmlns:a="http://schemas.openxmlformats.org/drawingml/2006/main" xmlns:r="http://schemas.openxmlformats.org/officeDocument/2006/relationships" xmlns:p="http://schemas.openxmlformats.org/presentationml/2006/main">
+  <p:cSld>
+    <p:spTree>
+      <p:nvGrpSpPr>
+        <p:cNvPr id="1" name=""/>
+        <p:cNvGrpSpPr/>
+        <p:nvPr/>
+      </p:nvGrpSpPr>
+      <p:grpSpPr>
+        <a:xfrm>
+          <a:off x="0" y="0"/>
+          <a:ext cx="0" cy="0"/>
+          <a:chOff x="0" y="0"/>
+          <a:chExt cx="0" cy="0"/>
+        </a:xfrm>
+      </p:grpSpPr>
+      <p:sp>
+        <p:nvSpPr>
+          <p:cNvPr id="7" name="Rectangle 6">
+            <a:extLst>
+              <a:ext uri="{FF2B5EF4-FFF2-40B4-BE49-F238E27FC236}">
+                <a16:creationId xmlns:a16="http://schemas.microsoft.com/office/drawing/2014/main" id="{9188DFD6-2733-9425-D029-39399B4E550D}"/>
               </a:ext>
             </a:extLst>
           </p:cNvPr>
@@ -25725,8 +26167,3227 @@
         </p:nvSpPr>
         <p:spPr>
           <a:xfrm>
-            <a:off x="550228" y="3970783"/>
-            <a:ext cx="4925970" cy="2650538"/>
+            <a:off x="552723" y="728436"/>
+            <a:ext cx="11380197" cy="1267715"/>
+          </a:xfrm>
+          <a:prstGeom prst="rect">
+            <a:avLst/>
+          </a:prstGeom>
+          <a:solidFill>
+            <a:srgbClr val="AAC4E9"/>
+          </a:solidFill>
+        </p:spPr>
+        <p:style>
+          <a:lnRef idx="2">
+            <a:schemeClr val="accent1">
+              <a:shade val="15000"/>
+            </a:schemeClr>
+          </a:lnRef>
+          <a:fillRef idx="1">
+            <a:schemeClr val="accent1"/>
+          </a:fillRef>
+          <a:effectRef idx="0">
+            <a:schemeClr val="accent1"/>
+          </a:effectRef>
+          <a:fontRef idx="minor">
+            <a:schemeClr val="lt1"/>
+          </a:fontRef>
+        </p:style>
+        <p:txBody>
+          <a:bodyPr rtlCol="0" anchor="ctr"/>
+          <a:lstStyle/>
+          <a:p>
+            <a:pPr algn="ctr"/>
+            <a:endParaRPr lang="en-IN" dirty="0"/>
+          </a:p>
+        </p:txBody>
+      </p:sp>
+      <p:sp>
+        <p:nvSpPr>
+          <p:cNvPr id="2" name="Title 1">
+            <a:extLst>
+              <a:ext uri="{FF2B5EF4-FFF2-40B4-BE49-F238E27FC236}">
+                <a16:creationId xmlns:a16="http://schemas.microsoft.com/office/drawing/2014/main" id="{B4B3367A-E398-B7CE-074D-4A6E1F9F17E6}"/>
+              </a:ext>
+            </a:extLst>
+          </p:cNvPr>
+          <p:cNvSpPr>
+            <a:spLocks noGrp="1"/>
+          </p:cNvSpPr>
+          <p:nvPr>
+            <p:ph type="title"/>
+          </p:nvPr>
+        </p:nvSpPr>
+        <p:spPr>
+          <a:xfrm>
+            <a:off x="552724" y="783758"/>
+            <a:ext cx="11380196" cy="1328372"/>
+          </a:xfrm>
+        </p:spPr>
+        <p:txBody>
+          <a:bodyPr/>
+          <a:lstStyle/>
+          <a:p>
+            <a:pPr algn="l"/>
+            <a:r>
+              <a:rPr lang="en-US" sz="2000" u="sng" dirty="0">
+                <a:solidFill>
+                  <a:srgbClr val="DF8C8C"/>
+                </a:solidFill>
+              </a:rPr>
+              <a:t>Salary Distribution</a:t>
+            </a:r>
+            <a:r>
+              <a:rPr kumimoji="0" lang="en-US" sz="2000" b="1" i="0" u="sng" strike="noStrike" kern="1200" cap="all" spc="0" normalizeH="0" baseline="0" noProof="0" dirty="0">
+                <a:ln>
+                  <a:noFill/>
+                </a:ln>
+                <a:solidFill>
+                  <a:srgbClr val="DF8C8C"/>
+                </a:solidFill>
+                <a:effectLst/>
+                <a:uLnTx/>
+                <a:uFillTx/>
+                <a:latin typeface="Arial Black"/>
+                <a:ea typeface="+mj-ea"/>
+                <a:cs typeface="+mj-cs"/>
+              </a:rPr>
+              <a:t>: </a:t>
+            </a:r>
+            <a:r>
+              <a:rPr lang="en-US" sz="1600" b="0" dirty="0">
+                <a:solidFill>
+                  <a:srgbClr val="000000">
+                    <a:lumMod val="85000"/>
+                    <a:lumOff val="15000"/>
+                  </a:srgbClr>
+                </a:solidFill>
+                <a:latin typeface="Arial Black"/>
+              </a:rPr>
+              <a:t> Class intervals represent ranges of values, in this case, salary ranges. The class interval is the difference between the upper and lower limits of a class. Create class intervals for the salaries in the company. This will help you understand the salary distribution.</a:t>
+            </a:r>
+            <a:endParaRPr lang="en-IN" sz="2000" dirty="0">
+              <a:solidFill>
+                <a:srgbClr val="00B0F0"/>
+              </a:solidFill>
+            </a:endParaRPr>
+          </a:p>
+        </p:txBody>
+      </p:sp>
+      <p:sp>
+        <p:nvSpPr>
+          <p:cNvPr id="6" name="Rectangle 5">
+            <a:extLst>
+              <a:ext uri="{FF2B5EF4-FFF2-40B4-BE49-F238E27FC236}">
+                <a16:creationId xmlns:a16="http://schemas.microsoft.com/office/drawing/2014/main" id="{C1F076FB-8F7F-3119-0F15-4A9EFE7EE5F1}"/>
+              </a:ext>
+            </a:extLst>
+          </p:cNvPr>
+          <p:cNvSpPr/>
+          <p:nvPr/>
+        </p:nvSpPr>
+        <p:spPr>
+          <a:xfrm>
+            <a:off x="3930977" y="82189"/>
+            <a:ext cx="4345757" cy="493652"/>
+          </a:xfrm>
+          <a:prstGeom prst="rect">
+            <a:avLst/>
+          </a:prstGeom>
+          <a:solidFill>
+            <a:srgbClr val="F5CDCE"/>
+          </a:solidFill>
+          <a:scene3d>
+            <a:camera prst="orthographicFront"/>
+            <a:lightRig rig="threePt" dir="t"/>
+          </a:scene3d>
+          <a:sp3d>
+            <a:bevelT w="165100" prst="coolSlant"/>
+          </a:sp3d>
+        </p:spPr>
+        <p:style>
+          <a:lnRef idx="2">
+            <a:schemeClr val="accent1">
+              <a:shade val="15000"/>
+            </a:schemeClr>
+          </a:lnRef>
+          <a:fillRef idx="1">
+            <a:schemeClr val="accent1"/>
+          </a:fillRef>
+          <a:effectRef idx="0">
+            <a:schemeClr val="accent1"/>
+          </a:effectRef>
+          <a:fontRef idx="minor">
+            <a:schemeClr val="lt1"/>
+          </a:fontRef>
+        </p:style>
+        <p:txBody>
+          <a:bodyPr rtlCol="0" anchor="ctr"/>
+          <a:lstStyle/>
+          <a:p>
+            <a:pPr algn="ctr"/>
+            <a:endParaRPr lang="en-IN"/>
+          </a:p>
+        </p:txBody>
+      </p:sp>
+      <p:sp>
+        <p:nvSpPr>
+          <p:cNvPr id="5" name="Slide Number Placeholder 4">
+            <a:extLst>
+              <a:ext uri="{FF2B5EF4-FFF2-40B4-BE49-F238E27FC236}">
+                <a16:creationId xmlns:a16="http://schemas.microsoft.com/office/drawing/2014/main" id="{8F7B6822-5084-6171-ECBD-CA814C69D183}"/>
+              </a:ext>
+            </a:extLst>
+          </p:cNvPr>
+          <p:cNvSpPr>
+            <a:spLocks noGrp="1"/>
+          </p:cNvSpPr>
+          <p:nvPr>
+            <p:ph type="sldNum" sz="quarter" idx="12"/>
+          </p:nvPr>
+        </p:nvSpPr>
+        <p:spPr/>
+        <p:txBody>
+          <a:bodyPr/>
+          <a:lstStyle/>
+          <a:p>
+            <a:fld id="{48F63A3B-78C7-47BE-AE5E-E10140E04643}" type="slidenum">
+              <a:rPr lang="en-US" smtClean="0"/>
+              <a:t>12</a:t>
+            </a:fld>
+            <a:endParaRPr lang="en-US" dirty="0"/>
+          </a:p>
+        </p:txBody>
+      </p:sp>
+      <p:sp>
+        <p:nvSpPr>
+          <p:cNvPr id="8" name="Footer Placeholder 3">
+            <a:extLst>
+              <a:ext uri="{FF2B5EF4-FFF2-40B4-BE49-F238E27FC236}">
+                <a16:creationId xmlns:a16="http://schemas.microsoft.com/office/drawing/2014/main" id="{9F0327CF-462F-CD26-04EC-539F0F589D1E}"/>
+              </a:ext>
+            </a:extLst>
+          </p:cNvPr>
+          <p:cNvSpPr>
+            <a:spLocks noGrp="1"/>
+          </p:cNvSpPr>
+          <p:nvPr>
+            <p:ph type="ftr" sz="quarter" idx="11"/>
+          </p:nvPr>
+        </p:nvSpPr>
+        <p:spPr>
+          <a:xfrm>
+            <a:off x="4036453" y="208285"/>
+            <a:ext cx="4565431" cy="220521"/>
+          </a:xfrm>
+        </p:spPr>
+        <p:txBody>
+          <a:bodyPr/>
+          <a:lstStyle/>
+          <a:p>
+            <a:r>
+              <a:rPr lang="en-US" sz="3000" b="1" dirty="0">
+                <a:latin typeface="+mj-lt"/>
+              </a:rPr>
+              <a:t>Salary Distribution</a:t>
+            </a:r>
+          </a:p>
+        </p:txBody>
+      </p:sp>
+      <p:sp>
+        <p:nvSpPr>
+          <p:cNvPr id="3" name="Content Placeholder 2">
+            <a:extLst>
+              <a:ext uri="{FF2B5EF4-FFF2-40B4-BE49-F238E27FC236}">
+                <a16:creationId xmlns:a16="http://schemas.microsoft.com/office/drawing/2014/main" id="{09C141E6-7E74-3F44-20D7-9405B343F32B}"/>
+              </a:ext>
+            </a:extLst>
+          </p:cNvPr>
+          <p:cNvSpPr>
+            <a:spLocks noGrp="1"/>
+          </p:cNvSpPr>
+          <p:nvPr>
+            <p:ph sz="half" idx="1"/>
+          </p:nvPr>
+        </p:nvSpPr>
+        <p:spPr>
+          <a:xfrm>
+            <a:off x="631437" y="2529682"/>
+            <a:ext cx="10929126" cy="1600153"/>
+          </a:xfrm>
+        </p:spPr>
+        <p:txBody>
+          <a:bodyPr/>
+          <a:lstStyle/>
+          <a:p>
+            <a:r>
+              <a:rPr lang="en-US" sz="2000" dirty="0"/>
+              <a:t>Steps to find the salary distribution offered in this company:-: </a:t>
+            </a:r>
+          </a:p>
+          <a:p>
+            <a:pPr marL="0" indent="0">
+              <a:buNone/>
+            </a:pPr>
+            <a:r>
+              <a:rPr lang="en-US" sz="2000" dirty="0"/>
+              <a:t>	Step 1) I have selected “application id” and “offered salary” columns from the entire data.</a:t>
+            </a:r>
+          </a:p>
+          <a:p>
+            <a:pPr marL="0" indent="0">
+              <a:buNone/>
+            </a:pPr>
+            <a:r>
+              <a:rPr lang="en-US" sz="2000" dirty="0"/>
+              <a:t>	Step 2) Then by selecting those columns created pivot table.</a:t>
+            </a:r>
+          </a:p>
+          <a:p>
+            <a:pPr marL="0" indent="0">
+              <a:buNone/>
+            </a:pPr>
+            <a:r>
+              <a:rPr lang="en-US" sz="2000" dirty="0"/>
+              <a:t>	Step 3) Then grouped salaries by  stepping of 5000.</a:t>
+            </a:r>
+            <a:r>
+              <a:rPr lang="en-US" dirty="0"/>
+              <a:t>	</a:t>
+            </a:r>
+          </a:p>
+          <a:p>
+            <a:pPr marL="0" indent="0">
+              <a:buNone/>
+            </a:pPr>
+            <a:endParaRPr lang="en-US" dirty="0"/>
+          </a:p>
+          <a:p>
+            <a:pPr marL="0" indent="0">
+              <a:buNone/>
+            </a:pPr>
+            <a:endParaRPr lang="en-US" dirty="0"/>
+          </a:p>
+        </p:txBody>
+      </p:sp>
+    </p:spTree>
+    <p:extLst>
+      <p:ext uri="{BB962C8B-B14F-4D97-AF65-F5344CB8AC3E}">
+        <p14:creationId xmlns:p14="http://schemas.microsoft.com/office/powerpoint/2010/main" val="3558221578"/>
+      </p:ext>
+    </p:extLst>
+  </p:cSld>
+  <p:clrMapOvr>
+    <a:masterClrMapping/>
+  </p:clrMapOvr>
+</p:sld>
+</file>
+
+<file path=ppt/slides/slide13.xml><?xml version="1.0" encoding="utf-8"?>
+<p:sld xmlns:a="http://schemas.openxmlformats.org/drawingml/2006/main" xmlns:r="http://schemas.openxmlformats.org/officeDocument/2006/relationships" xmlns:p="http://schemas.openxmlformats.org/presentationml/2006/main">
+  <p:cSld>
+    <p:spTree>
+      <p:nvGrpSpPr>
+        <p:cNvPr id="1" name=""/>
+        <p:cNvGrpSpPr/>
+        <p:nvPr/>
+      </p:nvGrpSpPr>
+      <p:grpSpPr>
+        <a:xfrm>
+          <a:off x="0" y="0"/>
+          <a:ext cx="0" cy="0"/>
+          <a:chOff x="0" y="0"/>
+          <a:chExt cx="0" cy="0"/>
+        </a:xfrm>
+      </p:grpSpPr>
+      <p:sp>
+        <p:nvSpPr>
+          <p:cNvPr id="6" name="Rectangle 5">
+            <a:extLst>
+              <a:ext uri="{FF2B5EF4-FFF2-40B4-BE49-F238E27FC236}">
+                <a16:creationId xmlns:a16="http://schemas.microsoft.com/office/drawing/2014/main" id="{C1F076FB-8F7F-3119-0F15-4A9EFE7EE5F1}"/>
+              </a:ext>
+            </a:extLst>
+          </p:cNvPr>
+          <p:cNvSpPr/>
+          <p:nvPr/>
+        </p:nvSpPr>
+        <p:spPr>
+          <a:xfrm>
+            <a:off x="3930977" y="82189"/>
+            <a:ext cx="4345757" cy="493652"/>
+          </a:xfrm>
+          <a:prstGeom prst="rect">
+            <a:avLst/>
+          </a:prstGeom>
+          <a:solidFill>
+            <a:srgbClr val="F5CDCE"/>
+          </a:solidFill>
+          <a:scene3d>
+            <a:camera prst="orthographicFront"/>
+            <a:lightRig rig="threePt" dir="t"/>
+          </a:scene3d>
+          <a:sp3d>
+            <a:bevelT w="165100" prst="coolSlant"/>
+          </a:sp3d>
+        </p:spPr>
+        <p:style>
+          <a:lnRef idx="2">
+            <a:schemeClr val="accent1">
+              <a:shade val="15000"/>
+            </a:schemeClr>
+          </a:lnRef>
+          <a:fillRef idx="1">
+            <a:schemeClr val="accent1"/>
+          </a:fillRef>
+          <a:effectRef idx="0">
+            <a:schemeClr val="accent1"/>
+          </a:effectRef>
+          <a:fontRef idx="minor">
+            <a:schemeClr val="lt1"/>
+          </a:fontRef>
+        </p:style>
+        <p:txBody>
+          <a:bodyPr rtlCol="0" anchor="ctr"/>
+          <a:lstStyle/>
+          <a:p>
+            <a:pPr algn="ctr"/>
+            <a:endParaRPr lang="en-IN"/>
+          </a:p>
+        </p:txBody>
+      </p:sp>
+      <p:sp>
+        <p:nvSpPr>
+          <p:cNvPr id="5" name="Slide Number Placeholder 4">
+            <a:extLst>
+              <a:ext uri="{FF2B5EF4-FFF2-40B4-BE49-F238E27FC236}">
+                <a16:creationId xmlns:a16="http://schemas.microsoft.com/office/drawing/2014/main" id="{8F7B6822-5084-6171-ECBD-CA814C69D183}"/>
+              </a:ext>
+            </a:extLst>
+          </p:cNvPr>
+          <p:cNvSpPr>
+            <a:spLocks noGrp="1"/>
+          </p:cNvSpPr>
+          <p:nvPr>
+            <p:ph type="sldNum" sz="quarter" idx="12"/>
+          </p:nvPr>
+        </p:nvSpPr>
+        <p:spPr/>
+        <p:txBody>
+          <a:bodyPr/>
+          <a:lstStyle/>
+          <a:p>
+            <a:fld id="{48F63A3B-78C7-47BE-AE5E-E10140E04643}" type="slidenum">
+              <a:rPr lang="en-US" smtClean="0"/>
+              <a:t>13</a:t>
+            </a:fld>
+            <a:endParaRPr lang="en-US" dirty="0"/>
+          </a:p>
+        </p:txBody>
+      </p:sp>
+      <p:sp>
+        <p:nvSpPr>
+          <p:cNvPr id="8" name="Footer Placeholder 3">
+            <a:extLst>
+              <a:ext uri="{FF2B5EF4-FFF2-40B4-BE49-F238E27FC236}">
+                <a16:creationId xmlns:a16="http://schemas.microsoft.com/office/drawing/2014/main" id="{9F0327CF-462F-CD26-04EC-539F0F589D1E}"/>
+              </a:ext>
+            </a:extLst>
+          </p:cNvPr>
+          <p:cNvSpPr>
+            <a:spLocks noGrp="1"/>
+          </p:cNvSpPr>
+          <p:nvPr>
+            <p:ph type="ftr" sz="quarter" idx="11"/>
+          </p:nvPr>
+        </p:nvSpPr>
+        <p:spPr>
+          <a:xfrm>
+            <a:off x="4036453" y="208285"/>
+            <a:ext cx="4565431" cy="220521"/>
+          </a:xfrm>
+        </p:spPr>
+        <p:txBody>
+          <a:bodyPr/>
+          <a:lstStyle/>
+          <a:p>
+            <a:r>
+              <a:rPr lang="en-US" sz="3000" b="1" dirty="0">
+                <a:latin typeface="+mj-lt"/>
+              </a:rPr>
+              <a:t>Salary Distribution</a:t>
+            </a:r>
+          </a:p>
+        </p:txBody>
+      </p:sp>
+      <p:graphicFrame>
+        <p:nvGraphicFramePr>
+          <p:cNvPr id="11" name="Table 10">
+            <a:extLst>
+              <a:ext uri="{FF2B5EF4-FFF2-40B4-BE49-F238E27FC236}">
+                <a16:creationId xmlns:a16="http://schemas.microsoft.com/office/drawing/2014/main" id="{7CEB302A-CCAF-D3DF-3E2A-484375F11385}"/>
+              </a:ext>
+            </a:extLst>
+          </p:cNvPr>
+          <p:cNvGraphicFramePr>
+            <a:graphicFrameLocks noGrp="1"/>
+          </p:cNvGraphicFramePr>
+          <p:nvPr>
+            <p:extLst>
+              <p:ext uri="{D42A27DB-BD31-4B8C-83A1-F6EECF244321}">
+                <p14:modId xmlns:p14="http://schemas.microsoft.com/office/powerpoint/2010/main" val="1946165430"/>
+              </p:ext>
+            </p:extLst>
+          </p:nvPr>
+        </p:nvGraphicFramePr>
+        <p:xfrm>
+          <a:off x="3195685" y="963892"/>
+          <a:ext cx="5288439" cy="5729163"/>
+        </p:xfrm>
+        <a:graphic>
+          <a:graphicData uri="http://schemas.openxmlformats.org/drawingml/2006/table">
+            <a:tbl>
+              <a:tblPr>
+                <a:tableStyleId>{5C22544A-7EE6-4342-B048-85BDC9FD1C3A}</a:tableStyleId>
+              </a:tblPr>
+              <a:tblGrid>
+                <a:gridCol w="1986817">
+                  <a:extLst>
+                    <a:ext uri="{9D8B030D-6E8A-4147-A177-3AD203B41FA5}">
+                      <a16:colId xmlns:a16="http://schemas.microsoft.com/office/drawing/2014/main" val="1557965981"/>
+                    </a:ext>
+                  </a:extLst>
+                </a:gridCol>
+                <a:gridCol w="3301622">
+                  <a:extLst>
+                    <a:ext uri="{9D8B030D-6E8A-4147-A177-3AD203B41FA5}">
+                      <a16:colId xmlns:a16="http://schemas.microsoft.com/office/drawing/2014/main" val="2042452577"/>
+                    </a:ext>
+                  </a:extLst>
+                </a:gridCol>
+              </a:tblGrid>
+              <a:tr h="260843">
+                <a:tc>
+                  <a:txBody>
+                    <a:bodyPr/>
+                    <a:lstStyle/>
+                    <a:p>
+                      <a:pPr algn="ctr" fontAlgn="b"/>
+                      <a:r>
+                        <a:rPr lang="en-IN" sz="1600" b="1" u="none" strike="noStrike" dirty="0">
+                          <a:effectLst/>
+                        </a:rPr>
+                        <a:t>Row Labels</a:t>
+                      </a:r>
+                      <a:endParaRPr lang="en-IN" sz="1600" b="1" i="0" u="none" strike="noStrike" dirty="0">
+                        <a:solidFill>
+                          <a:srgbClr val="000000"/>
+                        </a:solidFill>
+                        <a:effectLst/>
+                        <a:latin typeface="Calibri" panose="020F0502020204030204" pitchFamily="34" charset="0"/>
+                      </a:endParaRPr>
+                    </a:p>
+                  </a:txBody>
+                  <a:tcPr marL="7620" marR="7620" marT="7620" marB="0" anchor="b">
+                    <a:gradFill>
+                      <a:gsLst>
+                        <a:gs pos="0">
+                          <a:schemeClr val="accent1">
+                            <a:lumMod val="5000"/>
+                            <a:lumOff val="95000"/>
+                          </a:schemeClr>
+                        </a:gs>
+                        <a:gs pos="74000">
+                          <a:schemeClr val="accent1">
+                            <a:lumMod val="45000"/>
+                            <a:lumOff val="55000"/>
+                          </a:schemeClr>
+                        </a:gs>
+                        <a:gs pos="83000">
+                          <a:schemeClr val="accent1">
+                            <a:lumMod val="45000"/>
+                            <a:lumOff val="55000"/>
+                          </a:schemeClr>
+                        </a:gs>
+                        <a:gs pos="100000">
+                          <a:schemeClr val="accent1">
+                            <a:lumMod val="30000"/>
+                            <a:lumOff val="70000"/>
+                          </a:schemeClr>
+                        </a:gs>
+                      </a:gsLst>
+                      <a:lin ang="5400000" scaled="1"/>
+                    </a:gradFill>
+                  </a:tcPr>
+                </a:tc>
+                <a:tc>
+                  <a:txBody>
+                    <a:bodyPr/>
+                    <a:lstStyle/>
+                    <a:p>
+                      <a:pPr algn="ctr" fontAlgn="b"/>
+                      <a:r>
+                        <a:rPr lang="en-IN" sz="1600" b="1" u="none" strike="noStrike" dirty="0">
+                          <a:effectLst/>
+                        </a:rPr>
+                        <a:t>Count of </a:t>
+                      </a:r>
+                      <a:r>
+                        <a:rPr lang="en-IN" sz="1600" b="1" u="none" strike="noStrike" dirty="0" err="1">
+                          <a:effectLst/>
+                        </a:rPr>
+                        <a:t>application_id</a:t>
+                      </a:r>
+                      <a:endParaRPr lang="en-IN" sz="1600" b="1" i="0" u="none" strike="noStrike" dirty="0">
+                        <a:solidFill>
+                          <a:srgbClr val="000000"/>
+                        </a:solidFill>
+                        <a:effectLst/>
+                        <a:latin typeface="Calibri" panose="020F0502020204030204" pitchFamily="34" charset="0"/>
+                      </a:endParaRPr>
+                    </a:p>
+                  </a:txBody>
+                  <a:tcPr marL="7620" marR="7620" marT="7620" marB="0" anchor="b">
+                    <a:gradFill>
+                      <a:gsLst>
+                        <a:gs pos="0">
+                          <a:schemeClr val="accent1">
+                            <a:lumMod val="5000"/>
+                            <a:lumOff val="95000"/>
+                          </a:schemeClr>
+                        </a:gs>
+                        <a:gs pos="74000">
+                          <a:schemeClr val="accent1">
+                            <a:lumMod val="45000"/>
+                            <a:lumOff val="55000"/>
+                          </a:schemeClr>
+                        </a:gs>
+                        <a:gs pos="83000">
+                          <a:schemeClr val="accent1">
+                            <a:lumMod val="45000"/>
+                            <a:lumOff val="55000"/>
+                          </a:schemeClr>
+                        </a:gs>
+                        <a:gs pos="100000">
+                          <a:schemeClr val="accent1">
+                            <a:lumMod val="30000"/>
+                            <a:lumOff val="70000"/>
+                          </a:schemeClr>
+                        </a:gs>
+                      </a:gsLst>
+                      <a:lin ang="5400000" scaled="1"/>
+                    </a:gradFill>
+                  </a:tcPr>
+                </a:tc>
+                <a:extLst>
+                  <a:ext uri="{0D108BD9-81ED-4DB2-BD59-A6C34878D82A}">
+                    <a16:rowId xmlns:a16="http://schemas.microsoft.com/office/drawing/2014/main" val="1208271369"/>
+                  </a:ext>
+                </a:extLst>
+              </a:tr>
+              <a:tr h="260843">
+                <a:tc>
+                  <a:txBody>
+                    <a:bodyPr/>
+                    <a:lstStyle/>
+                    <a:p>
+                      <a:pPr algn="ctr" fontAlgn="b"/>
+                      <a:r>
+                        <a:rPr lang="en-IN" sz="1600" u="none" strike="noStrike">
+                          <a:effectLst/>
+                        </a:rPr>
+                        <a:t>1-5000</a:t>
+                      </a:r>
+                      <a:endParaRPr lang="en-IN" sz="1600" b="0" i="0" u="none" strike="noStrike">
+                        <a:solidFill>
+                          <a:srgbClr val="000000"/>
+                        </a:solidFill>
+                        <a:effectLst/>
+                        <a:latin typeface="Calibri" panose="020F0502020204030204" pitchFamily="34" charset="0"/>
+                      </a:endParaRPr>
+                    </a:p>
+                  </a:txBody>
+                  <a:tcPr marL="7620" marR="7620" marT="7620" marB="0" anchor="b">
+                    <a:gradFill>
+                      <a:gsLst>
+                        <a:gs pos="0">
+                          <a:schemeClr val="accent1">
+                            <a:lumMod val="5000"/>
+                            <a:lumOff val="95000"/>
+                          </a:schemeClr>
+                        </a:gs>
+                        <a:gs pos="74000">
+                          <a:schemeClr val="accent1">
+                            <a:lumMod val="45000"/>
+                            <a:lumOff val="55000"/>
+                          </a:schemeClr>
+                        </a:gs>
+                        <a:gs pos="83000">
+                          <a:schemeClr val="accent1">
+                            <a:lumMod val="45000"/>
+                            <a:lumOff val="55000"/>
+                          </a:schemeClr>
+                        </a:gs>
+                        <a:gs pos="100000">
+                          <a:schemeClr val="accent1">
+                            <a:lumMod val="30000"/>
+                            <a:lumOff val="70000"/>
+                          </a:schemeClr>
+                        </a:gs>
+                      </a:gsLst>
+                      <a:lin ang="5400000" scaled="1"/>
+                    </a:gradFill>
+                  </a:tcPr>
+                </a:tc>
+                <a:tc>
+                  <a:txBody>
+                    <a:bodyPr/>
+                    <a:lstStyle/>
+                    <a:p>
+                      <a:pPr algn="ctr" fontAlgn="b"/>
+                      <a:r>
+                        <a:rPr lang="en-IN" sz="1600" u="none" strike="noStrike" dirty="0">
+                          <a:effectLst/>
+                        </a:rPr>
+                        <a:t>295</a:t>
+                      </a:r>
+                      <a:endParaRPr lang="en-IN" sz="1600" b="0" i="0" u="none" strike="noStrike" dirty="0">
+                        <a:solidFill>
+                          <a:srgbClr val="000000"/>
+                        </a:solidFill>
+                        <a:effectLst/>
+                        <a:latin typeface="Calibri" panose="020F0502020204030204" pitchFamily="34" charset="0"/>
+                      </a:endParaRPr>
+                    </a:p>
+                  </a:txBody>
+                  <a:tcPr marL="7620" marR="7620" marT="7620" marB="0" anchor="b">
+                    <a:gradFill>
+                      <a:gsLst>
+                        <a:gs pos="0">
+                          <a:schemeClr val="accent1">
+                            <a:lumMod val="5000"/>
+                            <a:lumOff val="95000"/>
+                          </a:schemeClr>
+                        </a:gs>
+                        <a:gs pos="74000">
+                          <a:schemeClr val="accent1">
+                            <a:lumMod val="45000"/>
+                            <a:lumOff val="55000"/>
+                          </a:schemeClr>
+                        </a:gs>
+                        <a:gs pos="83000">
+                          <a:schemeClr val="accent1">
+                            <a:lumMod val="45000"/>
+                            <a:lumOff val="55000"/>
+                          </a:schemeClr>
+                        </a:gs>
+                        <a:gs pos="100000">
+                          <a:schemeClr val="accent1">
+                            <a:lumMod val="30000"/>
+                            <a:lumOff val="70000"/>
+                          </a:schemeClr>
+                        </a:gs>
+                      </a:gsLst>
+                      <a:lin ang="5400000" scaled="1"/>
+                    </a:gradFill>
+                  </a:tcPr>
+                </a:tc>
+                <a:extLst>
+                  <a:ext uri="{0D108BD9-81ED-4DB2-BD59-A6C34878D82A}">
+                    <a16:rowId xmlns:a16="http://schemas.microsoft.com/office/drawing/2014/main" val="1451186210"/>
+                  </a:ext>
+                </a:extLst>
+              </a:tr>
+              <a:tr h="260843">
+                <a:tc>
+                  <a:txBody>
+                    <a:bodyPr/>
+                    <a:lstStyle/>
+                    <a:p>
+                      <a:pPr algn="ctr" fontAlgn="b"/>
+                      <a:r>
+                        <a:rPr lang="en-IN" sz="1600" u="none" strike="noStrike" dirty="0">
+                          <a:effectLst/>
+                        </a:rPr>
+                        <a:t>5001-10000</a:t>
+                      </a:r>
+                      <a:endParaRPr lang="en-IN" sz="1600" b="0" i="0" u="none" strike="noStrike" dirty="0">
+                        <a:solidFill>
+                          <a:srgbClr val="000000"/>
+                        </a:solidFill>
+                        <a:effectLst/>
+                        <a:latin typeface="Calibri" panose="020F0502020204030204" pitchFamily="34" charset="0"/>
+                      </a:endParaRPr>
+                    </a:p>
+                  </a:txBody>
+                  <a:tcPr marL="7620" marR="7620" marT="7620" marB="0" anchor="b">
+                    <a:gradFill>
+                      <a:gsLst>
+                        <a:gs pos="0">
+                          <a:schemeClr val="accent1">
+                            <a:lumMod val="5000"/>
+                            <a:lumOff val="95000"/>
+                          </a:schemeClr>
+                        </a:gs>
+                        <a:gs pos="74000">
+                          <a:schemeClr val="accent1">
+                            <a:lumMod val="45000"/>
+                            <a:lumOff val="55000"/>
+                          </a:schemeClr>
+                        </a:gs>
+                        <a:gs pos="83000">
+                          <a:schemeClr val="accent1">
+                            <a:lumMod val="45000"/>
+                            <a:lumOff val="55000"/>
+                          </a:schemeClr>
+                        </a:gs>
+                        <a:gs pos="100000">
+                          <a:schemeClr val="accent1">
+                            <a:lumMod val="30000"/>
+                            <a:lumOff val="70000"/>
+                          </a:schemeClr>
+                        </a:gs>
+                      </a:gsLst>
+                      <a:lin ang="5400000" scaled="1"/>
+                    </a:gradFill>
+                  </a:tcPr>
+                </a:tc>
+                <a:tc>
+                  <a:txBody>
+                    <a:bodyPr/>
+                    <a:lstStyle/>
+                    <a:p>
+                      <a:pPr algn="ctr" fontAlgn="b"/>
+                      <a:r>
+                        <a:rPr lang="en-IN" sz="1600" u="none" strike="noStrike">
+                          <a:effectLst/>
+                        </a:rPr>
+                        <a:t>382</a:t>
+                      </a:r>
+                      <a:endParaRPr lang="en-IN" sz="1600" b="0" i="0" u="none" strike="noStrike">
+                        <a:solidFill>
+                          <a:srgbClr val="000000"/>
+                        </a:solidFill>
+                        <a:effectLst/>
+                        <a:latin typeface="Calibri" panose="020F0502020204030204" pitchFamily="34" charset="0"/>
+                      </a:endParaRPr>
+                    </a:p>
+                  </a:txBody>
+                  <a:tcPr marL="7620" marR="7620" marT="7620" marB="0" anchor="b">
+                    <a:gradFill>
+                      <a:gsLst>
+                        <a:gs pos="0">
+                          <a:schemeClr val="accent1">
+                            <a:lumMod val="5000"/>
+                            <a:lumOff val="95000"/>
+                          </a:schemeClr>
+                        </a:gs>
+                        <a:gs pos="74000">
+                          <a:schemeClr val="accent1">
+                            <a:lumMod val="45000"/>
+                            <a:lumOff val="55000"/>
+                          </a:schemeClr>
+                        </a:gs>
+                        <a:gs pos="83000">
+                          <a:schemeClr val="accent1">
+                            <a:lumMod val="45000"/>
+                            <a:lumOff val="55000"/>
+                          </a:schemeClr>
+                        </a:gs>
+                        <a:gs pos="100000">
+                          <a:schemeClr val="accent1">
+                            <a:lumMod val="30000"/>
+                            <a:lumOff val="70000"/>
+                          </a:schemeClr>
+                        </a:gs>
+                      </a:gsLst>
+                      <a:lin ang="5400000" scaled="1"/>
+                    </a:gradFill>
+                  </a:tcPr>
+                </a:tc>
+                <a:extLst>
+                  <a:ext uri="{0D108BD9-81ED-4DB2-BD59-A6C34878D82A}">
+                    <a16:rowId xmlns:a16="http://schemas.microsoft.com/office/drawing/2014/main" val="2875075400"/>
+                  </a:ext>
+                </a:extLst>
+              </a:tr>
+              <a:tr h="260843">
+                <a:tc>
+                  <a:txBody>
+                    <a:bodyPr/>
+                    <a:lstStyle/>
+                    <a:p>
+                      <a:pPr algn="ctr" fontAlgn="b"/>
+                      <a:r>
+                        <a:rPr lang="en-IN" sz="1600" u="none" strike="noStrike" dirty="0">
+                          <a:effectLst/>
+                        </a:rPr>
+                        <a:t>10001-15000</a:t>
+                      </a:r>
+                      <a:endParaRPr lang="en-IN" sz="1600" b="0" i="0" u="none" strike="noStrike" dirty="0">
+                        <a:solidFill>
+                          <a:srgbClr val="000000"/>
+                        </a:solidFill>
+                        <a:effectLst/>
+                        <a:latin typeface="Calibri" panose="020F0502020204030204" pitchFamily="34" charset="0"/>
+                      </a:endParaRPr>
+                    </a:p>
+                  </a:txBody>
+                  <a:tcPr marL="7620" marR="7620" marT="7620" marB="0" anchor="b">
+                    <a:gradFill>
+                      <a:gsLst>
+                        <a:gs pos="0">
+                          <a:schemeClr val="accent1">
+                            <a:lumMod val="5000"/>
+                            <a:lumOff val="95000"/>
+                          </a:schemeClr>
+                        </a:gs>
+                        <a:gs pos="74000">
+                          <a:schemeClr val="accent1">
+                            <a:lumMod val="45000"/>
+                            <a:lumOff val="55000"/>
+                          </a:schemeClr>
+                        </a:gs>
+                        <a:gs pos="83000">
+                          <a:schemeClr val="accent1">
+                            <a:lumMod val="45000"/>
+                            <a:lumOff val="55000"/>
+                          </a:schemeClr>
+                        </a:gs>
+                        <a:gs pos="100000">
+                          <a:schemeClr val="accent1">
+                            <a:lumMod val="30000"/>
+                            <a:lumOff val="70000"/>
+                          </a:schemeClr>
+                        </a:gs>
+                      </a:gsLst>
+                      <a:lin ang="5400000" scaled="1"/>
+                    </a:gradFill>
+                  </a:tcPr>
+                </a:tc>
+                <a:tc>
+                  <a:txBody>
+                    <a:bodyPr/>
+                    <a:lstStyle/>
+                    <a:p>
+                      <a:pPr algn="ctr" fontAlgn="b"/>
+                      <a:r>
+                        <a:rPr lang="en-IN" sz="1600" u="none" strike="noStrike">
+                          <a:effectLst/>
+                        </a:rPr>
+                        <a:t>360</a:t>
+                      </a:r>
+                      <a:endParaRPr lang="en-IN" sz="1600" b="0" i="0" u="none" strike="noStrike">
+                        <a:solidFill>
+                          <a:srgbClr val="000000"/>
+                        </a:solidFill>
+                        <a:effectLst/>
+                        <a:latin typeface="Calibri" panose="020F0502020204030204" pitchFamily="34" charset="0"/>
+                      </a:endParaRPr>
+                    </a:p>
+                  </a:txBody>
+                  <a:tcPr marL="7620" marR="7620" marT="7620" marB="0" anchor="b">
+                    <a:gradFill>
+                      <a:gsLst>
+                        <a:gs pos="0">
+                          <a:schemeClr val="accent1">
+                            <a:lumMod val="5000"/>
+                            <a:lumOff val="95000"/>
+                          </a:schemeClr>
+                        </a:gs>
+                        <a:gs pos="74000">
+                          <a:schemeClr val="accent1">
+                            <a:lumMod val="45000"/>
+                            <a:lumOff val="55000"/>
+                          </a:schemeClr>
+                        </a:gs>
+                        <a:gs pos="83000">
+                          <a:schemeClr val="accent1">
+                            <a:lumMod val="45000"/>
+                            <a:lumOff val="55000"/>
+                          </a:schemeClr>
+                        </a:gs>
+                        <a:gs pos="100000">
+                          <a:schemeClr val="accent1">
+                            <a:lumMod val="30000"/>
+                            <a:lumOff val="70000"/>
+                          </a:schemeClr>
+                        </a:gs>
+                      </a:gsLst>
+                      <a:lin ang="5400000" scaled="1"/>
+                    </a:gradFill>
+                  </a:tcPr>
+                </a:tc>
+                <a:extLst>
+                  <a:ext uri="{0D108BD9-81ED-4DB2-BD59-A6C34878D82A}">
+                    <a16:rowId xmlns:a16="http://schemas.microsoft.com/office/drawing/2014/main" val="1338147197"/>
+                  </a:ext>
+                </a:extLst>
+              </a:tr>
+              <a:tr h="260843">
+                <a:tc>
+                  <a:txBody>
+                    <a:bodyPr/>
+                    <a:lstStyle/>
+                    <a:p>
+                      <a:pPr algn="ctr" fontAlgn="b"/>
+                      <a:r>
+                        <a:rPr lang="en-IN" sz="1600" u="none" strike="noStrike">
+                          <a:effectLst/>
+                        </a:rPr>
+                        <a:t>15001-20000</a:t>
+                      </a:r>
+                      <a:endParaRPr lang="en-IN" sz="1600" b="0" i="0" u="none" strike="noStrike">
+                        <a:solidFill>
+                          <a:srgbClr val="000000"/>
+                        </a:solidFill>
+                        <a:effectLst/>
+                        <a:latin typeface="Calibri" panose="020F0502020204030204" pitchFamily="34" charset="0"/>
+                      </a:endParaRPr>
+                    </a:p>
+                  </a:txBody>
+                  <a:tcPr marL="7620" marR="7620" marT="7620" marB="0" anchor="b">
+                    <a:gradFill>
+                      <a:gsLst>
+                        <a:gs pos="0">
+                          <a:schemeClr val="accent1">
+                            <a:lumMod val="5000"/>
+                            <a:lumOff val="95000"/>
+                          </a:schemeClr>
+                        </a:gs>
+                        <a:gs pos="74000">
+                          <a:schemeClr val="accent1">
+                            <a:lumMod val="45000"/>
+                            <a:lumOff val="55000"/>
+                          </a:schemeClr>
+                        </a:gs>
+                        <a:gs pos="83000">
+                          <a:schemeClr val="accent1">
+                            <a:lumMod val="45000"/>
+                            <a:lumOff val="55000"/>
+                          </a:schemeClr>
+                        </a:gs>
+                        <a:gs pos="100000">
+                          <a:schemeClr val="accent1">
+                            <a:lumMod val="30000"/>
+                            <a:lumOff val="70000"/>
+                          </a:schemeClr>
+                        </a:gs>
+                      </a:gsLst>
+                      <a:lin ang="5400000" scaled="1"/>
+                    </a:gradFill>
+                  </a:tcPr>
+                </a:tc>
+                <a:tc>
+                  <a:txBody>
+                    <a:bodyPr/>
+                    <a:lstStyle/>
+                    <a:p>
+                      <a:pPr algn="ctr" fontAlgn="b"/>
+                      <a:r>
+                        <a:rPr lang="en-IN" sz="1600" u="none" strike="noStrike" dirty="0">
+                          <a:effectLst/>
+                        </a:rPr>
+                        <a:t>372</a:t>
+                      </a:r>
+                      <a:endParaRPr lang="en-IN" sz="1600" b="0" i="0" u="none" strike="noStrike" dirty="0">
+                        <a:solidFill>
+                          <a:srgbClr val="000000"/>
+                        </a:solidFill>
+                        <a:effectLst/>
+                        <a:latin typeface="Calibri" panose="020F0502020204030204" pitchFamily="34" charset="0"/>
+                      </a:endParaRPr>
+                    </a:p>
+                  </a:txBody>
+                  <a:tcPr marL="7620" marR="7620" marT="7620" marB="0" anchor="b">
+                    <a:gradFill>
+                      <a:gsLst>
+                        <a:gs pos="0">
+                          <a:schemeClr val="accent1">
+                            <a:lumMod val="5000"/>
+                            <a:lumOff val="95000"/>
+                          </a:schemeClr>
+                        </a:gs>
+                        <a:gs pos="74000">
+                          <a:schemeClr val="accent1">
+                            <a:lumMod val="45000"/>
+                            <a:lumOff val="55000"/>
+                          </a:schemeClr>
+                        </a:gs>
+                        <a:gs pos="83000">
+                          <a:schemeClr val="accent1">
+                            <a:lumMod val="45000"/>
+                            <a:lumOff val="55000"/>
+                          </a:schemeClr>
+                        </a:gs>
+                        <a:gs pos="100000">
+                          <a:schemeClr val="accent1">
+                            <a:lumMod val="30000"/>
+                            <a:lumOff val="70000"/>
+                          </a:schemeClr>
+                        </a:gs>
+                      </a:gsLst>
+                      <a:lin ang="5400000" scaled="1"/>
+                    </a:gradFill>
+                  </a:tcPr>
+                </a:tc>
+                <a:extLst>
+                  <a:ext uri="{0D108BD9-81ED-4DB2-BD59-A6C34878D82A}">
+                    <a16:rowId xmlns:a16="http://schemas.microsoft.com/office/drawing/2014/main" val="45215944"/>
+                  </a:ext>
+                </a:extLst>
+              </a:tr>
+              <a:tr h="260843">
+                <a:tc>
+                  <a:txBody>
+                    <a:bodyPr/>
+                    <a:lstStyle/>
+                    <a:p>
+                      <a:pPr algn="ctr" fontAlgn="b"/>
+                      <a:r>
+                        <a:rPr lang="en-IN" sz="1600" u="none" strike="noStrike">
+                          <a:effectLst/>
+                        </a:rPr>
+                        <a:t>20001-25000</a:t>
+                      </a:r>
+                      <a:endParaRPr lang="en-IN" sz="1600" b="0" i="0" u="none" strike="noStrike">
+                        <a:solidFill>
+                          <a:srgbClr val="000000"/>
+                        </a:solidFill>
+                        <a:effectLst/>
+                        <a:latin typeface="Calibri" panose="020F0502020204030204" pitchFamily="34" charset="0"/>
+                      </a:endParaRPr>
+                    </a:p>
+                  </a:txBody>
+                  <a:tcPr marL="7620" marR="7620" marT="7620" marB="0" anchor="b">
+                    <a:gradFill>
+                      <a:gsLst>
+                        <a:gs pos="0">
+                          <a:schemeClr val="accent1">
+                            <a:lumMod val="5000"/>
+                            <a:lumOff val="95000"/>
+                          </a:schemeClr>
+                        </a:gs>
+                        <a:gs pos="74000">
+                          <a:schemeClr val="accent1">
+                            <a:lumMod val="45000"/>
+                            <a:lumOff val="55000"/>
+                          </a:schemeClr>
+                        </a:gs>
+                        <a:gs pos="83000">
+                          <a:schemeClr val="accent1">
+                            <a:lumMod val="45000"/>
+                            <a:lumOff val="55000"/>
+                          </a:schemeClr>
+                        </a:gs>
+                        <a:gs pos="100000">
+                          <a:schemeClr val="accent1">
+                            <a:lumMod val="30000"/>
+                            <a:lumOff val="70000"/>
+                          </a:schemeClr>
+                        </a:gs>
+                      </a:gsLst>
+                      <a:lin ang="5400000" scaled="1"/>
+                    </a:gradFill>
+                  </a:tcPr>
+                </a:tc>
+                <a:tc>
+                  <a:txBody>
+                    <a:bodyPr/>
+                    <a:lstStyle/>
+                    <a:p>
+                      <a:pPr algn="ctr" fontAlgn="b"/>
+                      <a:r>
+                        <a:rPr lang="en-IN" sz="1600" u="none" strike="noStrike">
+                          <a:effectLst/>
+                        </a:rPr>
+                        <a:t>348</a:t>
+                      </a:r>
+                      <a:endParaRPr lang="en-IN" sz="1600" b="0" i="0" u="none" strike="noStrike">
+                        <a:solidFill>
+                          <a:srgbClr val="000000"/>
+                        </a:solidFill>
+                        <a:effectLst/>
+                        <a:latin typeface="Calibri" panose="020F0502020204030204" pitchFamily="34" charset="0"/>
+                      </a:endParaRPr>
+                    </a:p>
+                  </a:txBody>
+                  <a:tcPr marL="7620" marR="7620" marT="7620" marB="0" anchor="b">
+                    <a:gradFill>
+                      <a:gsLst>
+                        <a:gs pos="0">
+                          <a:schemeClr val="accent1">
+                            <a:lumMod val="5000"/>
+                            <a:lumOff val="95000"/>
+                          </a:schemeClr>
+                        </a:gs>
+                        <a:gs pos="74000">
+                          <a:schemeClr val="accent1">
+                            <a:lumMod val="45000"/>
+                            <a:lumOff val="55000"/>
+                          </a:schemeClr>
+                        </a:gs>
+                        <a:gs pos="83000">
+                          <a:schemeClr val="accent1">
+                            <a:lumMod val="45000"/>
+                            <a:lumOff val="55000"/>
+                          </a:schemeClr>
+                        </a:gs>
+                        <a:gs pos="100000">
+                          <a:schemeClr val="accent1">
+                            <a:lumMod val="30000"/>
+                            <a:lumOff val="70000"/>
+                          </a:schemeClr>
+                        </a:gs>
+                      </a:gsLst>
+                      <a:lin ang="5400000" scaled="1"/>
+                    </a:gradFill>
+                  </a:tcPr>
+                </a:tc>
+                <a:extLst>
+                  <a:ext uri="{0D108BD9-81ED-4DB2-BD59-A6C34878D82A}">
+                    <a16:rowId xmlns:a16="http://schemas.microsoft.com/office/drawing/2014/main" val="1498041812"/>
+                  </a:ext>
+                </a:extLst>
+              </a:tr>
+              <a:tr h="260843">
+                <a:tc>
+                  <a:txBody>
+                    <a:bodyPr/>
+                    <a:lstStyle/>
+                    <a:p>
+                      <a:pPr algn="ctr" fontAlgn="b"/>
+                      <a:r>
+                        <a:rPr lang="en-IN" sz="1600" u="none" strike="noStrike">
+                          <a:effectLst/>
+                        </a:rPr>
+                        <a:t>25001-30000</a:t>
+                      </a:r>
+                      <a:endParaRPr lang="en-IN" sz="1600" b="0" i="0" u="none" strike="noStrike">
+                        <a:solidFill>
+                          <a:srgbClr val="000000"/>
+                        </a:solidFill>
+                        <a:effectLst/>
+                        <a:latin typeface="Calibri" panose="020F0502020204030204" pitchFamily="34" charset="0"/>
+                      </a:endParaRPr>
+                    </a:p>
+                  </a:txBody>
+                  <a:tcPr marL="7620" marR="7620" marT="7620" marB="0" anchor="b">
+                    <a:gradFill>
+                      <a:gsLst>
+                        <a:gs pos="0">
+                          <a:schemeClr val="accent1">
+                            <a:lumMod val="5000"/>
+                            <a:lumOff val="95000"/>
+                          </a:schemeClr>
+                        </a:gs>
+                        <a:gs pos="74000">
+                          <a:schemeClr val="accent1">
+                            <a:lumMod val="45000"/>
+                            <a:lumOff val="55000"/>
+                          </a:schemeClr>
+                        </a:gs>
+                        <a:gs pos="83000">
+                          <a:schemeClr val="accent1">
+                            <a:lumMod val="45000"/>
+                            <a:lumOff val="55000"/>
+                          </a:schemeClr>
+                        </a:gs>
+                        <a:gs pos="100000">
+                          <a:schemeClr val="accent1">
+                            <a:lumMod val="30000"/>
+                            <a:lumOff val="70000"/>
+                          </a:schemeClr>
+                        </a:gs>
+                      </a:gsLst>
+                      <a:lin ang="5400000" scaled="1"/>
+                    </a:gradFill>
+                  </a:tcPr>
+                </a:tc>
+                <a:tc>
+                  <a:txBody>
+                    <a:bodyPr/>
+                    <a:lstStyle/>
+                    <a:p>
+                      <a:pPr algn="ctr" fontAlgn="b"/>
+                      <a:r>
+                        <a:rPr lang="en-IN" sz="1600" u="none" strike="noStrike" dirty="0">
+                          <a:effectLst/>
+                        </a:rPr>
+                        <a:t>363</a:t>
+                      </a:r>
+                      <a:endParaRPr lang="en-IN" sz="1600" b="0" i="0" u="none" strike="noStrike" dirty="0">
+                        <a:solidFill>
+                          <a:srgbClr val="000000"/>
+                        </a:solidFill>
+                        <a:effectLst/>
+                        <a:latin typeface="Calibri" panose="020F0502020204030204" pitchFamily="34" charset="0"/>
+                      </a:endParaRPr>
+                    </a:p>
+                  </a:txBody>
+                  <a:tcPr marL="7620" marR="7620" marT="7620" marB="0" anchor="b">
+                    <a:gradFill>
+                      <a:gsLst>
+                        <a:gs pos="0">
+                          <a:schemeClr val="accent1">
+                            <a:lumMod val="5000"/>
+                            <a:lumOff val="95000"/>
+                          </a:schemeClr>
+                        </a:gs>
+                        <a:gs pos="74000">
+                          <a:schemeClr val="accent1">
+                            <a:lumMod val="45000"/>
+                            <a:lumOff val="55000"/>
+                          </a:schemeClr>
+                        </a:gs>
+                        <a:gs pos="83000">
+                          <a:schemeClr val="accent1">
+                            <a:lumMod val="45000"/>
+                            <a:lumOff val="55000"/>
+                          </a:schemeClr>
+                        </a:gs>
+                        <a:gs pos="100000">
+                          <a:schemeClr val="accent1">
+                            <a:lumMod val="30000"/>
+                            <a:lumOff val="70000"/>
+                          </a:schemeClr>
+                        </a:gs>
+                      </a:gsLst>
+                      <a:lin ang="5400000" scaled="1"/>
+                    </a:gradFill>
+                  </a:tcPr>
+                </a:tc>
+                <a:extLst>
+                  <a:ext uri="{0D108BD9-81ED-4DB2-BD59-A6C34878D82A}">
+                    <a16:rowId xmlns:a16="http://schemas.microsoft.com/office/drawing/2014/main" val="978483417"/>
+                  </a:ext>
+                </a:extLst>
+              </a:tr>
+              <a:tr h="260843">
+                <a:tc>
+                  <a:txBody>
+                    <a:bodyPr/>
+                    <a:lstStyle/>
+                    <a:p>
+                      <a:pPr algn="ctr" fontAlgn="b"/>
+                      <a:r>
+                        <a:rPr lang="en-IN" sz="1600" u="none" strike="noStrike">
+                          <a:effectLst/>
+                        </a:rPr>
+                        <a:t>30001-35000</a:t>
+                      </a:r>
+                      <a:endParaRPr lang="en-IN" sz="1600" b="0" i="0" u="none" strike="noStrike">
+                        <a:solidFill>
+                          <a:srgbClr val="000000"/>
+                        </a:solidFill>
+                        <a:effectLst/>
+                        <a:latin typeface="Calibri" panose="020F0502020204030204" pitchFamily="34" charset="0"/>
+                      </a:endParaRPr>
+                    </a:p>
+                  </a:txBody>
+                  <a:tcPr marL="7620" marR="7620" marT="7620" marB="0" anchor="b">
+                    <a:gradFill>
+                      <a:gsLst>
+                        <a:gs pos="0">
+                          <a:schemeClr val="accent1">
+                            <a:lumMod val="5000"/>
+                            <a:lumOff val="95000"/>
+                          </a:schemeClr>
+                        </a:gs>
+                        <a:gs pos="74000">
+                          <a:schemeClr val="accent1">
+                            <a:lumMod val="45000"/>
+                            <a:lumOff val="55000"/>
+                          </a:schemeClr>
+                        </a:gs>
+                        <a:gs pos="83000">
+                          <a:schemeClr val="accent1">
+                            <a:lumMod val="45000"/>
+                            <a:lumOff val="55000"/>
+                          </a:schemeClr>
+                        </a:gs>
+                        <a:gs pos="100000">
+                          <a:schemeClr val="accent1">
+                            <a:lumMod val="30000"/>
+                            <a:lumOff val="70000"/>
+                          </a:schemeClr>
+                        </a:gs>
+                      </a:gsLst>
+                      <a:lin ang="5400000" scaled="1"/>
+                    </a:gradFill>
+                  </a:tcPr>
+                </a:tc>
+                <a:tc>
+                  <a:txBody>
+                    <a:bodyPr/>
+                    <a:lstStyle/>
+                    <a:p>
+                      <a:pPr algn="ctr" fontAlgn="b"/>
+                      <a:r>
+                        <a:rPr lang="en-IN" sz="1600" u="none" strike="noStrike">
+                          <a:effectLst/>
+                        </a:rPr>
+                        <a:t>331</a:t>
+                      </a:r>
+                      <a:endParaRPr lang="en-IN" sz="1600" b="0" i="0" u="none" strike="noStrike">
+                        <a:solidFill>
+                          <a:srgbClr val="000000"/>
+                        </a:solidFill>
+                        <a:effectLst/>
+                        <a:latin typeface="Calibri" panose="020F0502020204030204" pitchFamily="34" charset="0"/>
+                      </a:endParaRPr>
+                    </a:p>
+                  </a:txBody>
+                  <a:tcPr marL="7620" marR="7620" marT="7620" marB="0" anchor="b">
+                    <a:gradFill>
+                      <a:gsLst>
+                        <a:gs pos="0">
+                          <a:schemeClr val="accent1">
+                            <a:lumMod val="5000"/>
+                            <a:lumOff val="95000"/>
+                          </a:schemeClr>
+                        </a:gs>
+                        <a:gs pos="74000">
+                          <a:schemeClr val="accent1">
+                            <a:lumMod val="45000"/>
+                            <a:lumOff val="55000"/>
+                          </a:schemeClr>
+                        </a:gs>
+                        <a:gs pos="83000">
+                          <a:schemeClr val="accent1">
+                            <a:lumMod val="45000"/>
+                            <a:lumOff val="55000"/>
+                          </a:schemeClr>
+                        </a:gs>
+                        <a:gs pos="100000">
+                          <a:schemeClr val="accent1">
+                            <a:lumMod val="30000"/>
+                            <a:lumOff val="70000"/>
+                          </a:schemeClr>
+                        </a:gs>
+                      </a:gsLst>
+                      <a:lin ang="5400000" scaled="1"/>
+                    </a:gradFill>
+                  </a:tcPr>
+                </a:tc>
+                <a:extLst>
+                  <a:ext uri="{0D108BD9-81ED-4DB2-BD59-A6C34878D82A}">
+                    <a16:rowId xmlns:a16="http://schemas.microsoft.com/office/drawing/2014/main" val="2881852350"/>
+                  </a:ext>
+                </a:extLst>
+              </a:tr>
+              <a:tr h="260843">
+                <a:tc>
+                  <a:txBody>
+                    <a:bodyPr/>
+                    <a:lstStyle/>
+                    <a:p>
+                      <a:pPr algn="ctr" fontAlgn="b"/>
+                      <a:r>
+                        <a:rPr lang="en-IN" sz="1600" u="none" strike="noStrike">
+                          <a:effectLst/>
+                        </a:rPr>
+                        <a:t>35001-40000</a:t>
+                      </a:r>
+                      <a:endParaRPr lang="en-IN" sz="1600" b="0" i="0" u="none" strike="noStrike">
+                        <a:solidFill>
+                          <a:srgbClr val="000000"/>
+                        </a:solidFill>
+                        <a:effectLst/>
+                        <a:latin typeface="Calibri" panose="020F0502020204030204" pitchFamily="34" charset="0"/>
+                      </a:endParaRPr>
+                    </a:p>
+                  </a:txBody>
+                  <a:tcPr marL="7620" marR="7620" marT="7620" marB="0" anchor="b">
+                    <a:gradFill>
+                      <a:gsLst>
+                        <a:gs pos="0">
+                          <a:schemeClr val="accent1">
+                            <a:lumMod val="5000"/>
+                            <a:lumOff val="95000"/>
+                          </a:schemeClr>
+                        </a:gs>
+                        <a:gs pos="74000">
+                          <a:schemeClr val="accent1">
+                            <a:lumMod val="45000"/>
+                            <a:lumOff val="55000"/>
+                          </a:schemeClr>
+                        </a:gs>
+                        <a:gs pos="83000">
+                          <a:schemeClr val="accent1">
+                            <a:lumMod val="45000"/>
+                            <a:lumOff val="55000"/>
+                          </a:schemeClr>
+                        </a:gs>
+                        <a:gs pos="100000">
+                          <a:schemeClr val="accent1">
+                            <a:lumMod val="30000"/>
+                            <a:lumOff val="70000"/>
+                          </a:schemeClr>
+                        </a:gs>
+                      </a:gsLst>
+                      <a:lin ang="5400000" scaled="1"/>
+                    </a:gradFill>
+                  </a:tcPr>
+                </a:tc>
+                <a:tc>
+                  <a:txBody>
+                    <a:bodyPr/>
+                    <a:lstStyle/>
+                    <a:p>
+                      <a:pPr algn="ctr" fontAlgn="b"/>
+                      <a:r>
+                        <a:rPr lang="en-IN" sz="1600" u="none" strike="noStrike" dirty="0">
+                          <a:effectLst/>
+                        </a:rPr>
+                        <a:t>379</a:t>
+                      </a:r>
+                      <a:endParaRPr lang="en-IN" sz="1600" b="0" i="0" u="none" strike="noStrike" dirty="0">
+                        <a:solidFill>
+                          <a:srgbClr val="000000"/>
+                        </a:solidFill>
+                        <a:effectLst/>
+                        <a:latin typeface="Calibri" panose="020F0502020204030204" pitchFamily="34" charset="0"/>
+                      </a:endParaRPr>
+                    </a:p>
+                  </a:txBody>
+                  <a:tcPr marL="7620" marR="7620" marT="7620" marB="0" anchor="b">
+                    <a:gradFill>
+                      <a:gsLst>
+                        <a:gs pos="0">
+                          <a:schemeClr val="accent1">
+                            <a:lumMod val="5000"/>
+                            <a:lumOff val="95000"/>
+                          </a:schemeClr>
+                        </a:gs>
+                        <a:gs pos="74000">
+                          <a:schemeClr val="accent1">
+                            <a:lumMod val="45000"/>
+                            <a:lumOff val="55000"/>
+                          </a:schemeClr>
+                        </a:gs>
+                        <a:gs pos="83000">
+                          <a:schemeClr val="accent1">
+                            <a:lumMod val="45000"/>
+                            <a:lumOff val="55000"/>
+                          </a:schemeClr>
+                        </a:gs>
+                        <a:gs pos="100000">
+                          <a:schemeClr val="accent1">
+                            <a:lumMod val="30000"/>
+                            <a:lumOff val="70000"/>
+                          </a:schemeClr>
+                        </a:gs>
+                      </a:gsLst>
+                      <a:lin ang="5400000" scaled="1"/>
+                    </a:gradFill>
+                  </a:tcPr>
+                </a:tc>
+                <a:extLst>
+                  <a:ext uri="{0D108BD9-81ED-4DB2-BD59-A6C34878D82A}">
+                    <a16:rowId xmlns:a16="http://schemas.microsoft.com/office/drawing/2014/main" val="1029357126"/>
+                  </a:ext>
+                </a:extLst>
+              </a:tr>
+              <a:tr h="260843">
+                <a:tc>
+                  <a:txBody>
+                    <a:bodyPr/>
+                    <a:lstStyle/>
+                    <a:p>
+                      <a:pPr algn="ctr" fontAlgn="b"/>
+                      <a:r>
+                        <a:rPr lang="en-IN" sz="1600" u="none" strike="noStrike">
+                          <a:effectLst/>
+                        </a:rPr>
+                        <a:t>40001-45000</a:t>
+                      </a:r>
+                      <a:endParaRPr lang="en-IN" sz="1600" b="0" i="0" u="none" strike="noStrike">
+                        <a:solidFill>
+                          <a:srgbClr val="000000"/>
+                        </a:solidFill>
+                        <a:effectLst/>
+                        <a:latin typeface="Calibri" panose="020F0502020204030204" pitchFamily="34" charset="0"/>
+                      </a:endParaRPr>
+                    </a:p>
+                  </a:txBody>
+                  <a:tcPr marL="7620" marR="7620" marT="7620" marB="0" anchor="b">
+                    <a:gradFill>
+                      <a:gsLst>
+                        <a:gs pos="0">
+                          <a:schemeClr val="accent1">
+                            <a:lumMod val="5000"/>
+                            <a:lumOff val="95000"/>
+                          </a:schemeClr>
+                        </a:gs>
+                        <a:gs pos="74000">
+                          <a:schemeClr val="accent1">
+                            <a:lumMod val="45000"/>
+                            <a:lumOff val="55000"/>
+                          </a:schemeClr>
+                        </a:gs>
+                        <a:gs pos="83000">
+                          <a:schemeClr val="accent1">
+                            <a:lumMod val="45000"/>
+                            <a:lumOff val="55000"/>
+                          </a:schemeClr>
+                        </a:gs>
+                        <a:gs pos="100000">
+                          <a:schemeClr val="accent1">
+                            <a:lumMod val="30000"/>
+                            <a:lumOff val="70000"/>
+                          </a:schemeClr>
+                        </a:gs>
+                      </a:gsLst>
+                      <a:lin ang="5400000" scaled="1"/>
+                    </a:gradFill>
+                  </a:tcPr>
+                </a:tc>
+                <a:tc>
+                  <a:txBody>
+                    <a:bodyPr/>
+                    <a:lstStyle/>
+                    <a:p>
+                      <a:pPr algn="ctr" fontAlgn="b"/>
+                      <a:r>
+                        <a:rPr lang="en-IN" sz="1600" u="none" strike="noStrike">
+                          <a:effectLst/>
+                        </a:rPr>
+                        <a:t>414</a:t>
+                      </a:r>
+                      <a:endParaRPr lang="en-IN" sz="1600" b="0" i="0" u="none" strike="noStrike">
+                        <a:solidFill>
+                          <a:srgbClr val="000000"/>
+                        </a:solidFill>
+                        <a:effectLst/>
+                        <a:latin typeface="Calibri" panose="020F0502020204030204" pitchFamily="34" charset="0"/>
+                      </a:endParaRPr>
+                    </a:p>
+                  </a:txBody>
+                  <a:tcPr marL="7620" marR="7620" marT="7620" marB="0" anchor="b">
+                    <a:gradFill>
+                      <a:gsLst>
+                        <a:gs pos="0">
+                          <a:schemeClr val="accent1">
+                            <a:lumMod val="5000"/>
+                            <a:lumOff val="95000"/>
+                          </a:schemeClr>
+                        </a:gs>
+                        <a:gs pos="74000">
+                          <a:schemeClr val="accent1">
+                            <a:lumMod val="45000"/>
+                            <a:lumOff val="55000"/>
+                          </a:schemeClr>
+                        </a:gs>
+                        <a:gs pos="83000">
+                          <a:schemeClr val="accent1">
+                            <a:lumMod val="45000"/>
+                            <a:lumOff val="55000"/>
+                          </a:schemeClr>
+                        </a:gs>
+                        <a:gs pos="100000">
+                          <a:schemeClr val="accent1">
+                            <a:lumMod val="30000"/>
+                            <a:lumOff val="70000"/>
+                          </a:schemeClr>
+                        </a:gs>
+                      </a:gsLst>
+                      <a:lin ang="5400000" scaled="1"/>
+                    </a:gradFill>
+                  </a:tcPr>
+                </a:tc>
+                <a:extLst>
+                  <a:ext uri="{0D108BD9-81ED-4DB2-BD59-A6C34878D82A}">
+                    <a16:rowId xmlns:a16="http://schemas.microsoft.com/office/drawing/2014/main" val="4293570550"/>
+                  </a:ext>
+                </a:extLst>
+              </a:tr>
+              <a:tr h="208116">
+                <a:tc>
+                  <a:txBody>
+                    <a:bodyPr/>
+                    <a:lstStyle/>
+                    <a:p>
+                      <a:pPr algn="ctr" fontAlgn="b"/>
+                      <a:r>
+                        <a:rPr lang="en-IN" sz="1600" u="none" strike="noStrike" dirty="0">
+                          <a:effectLst/>
+                        </a:rPr>
+                        <a:t>45001-50000</a:t>
+                      </a:r>
+                      <a:endParaRPr lang="en-IN" sz="1600" b="0" i="0" u="none" strike="noStrike" dirty="0">
+                        <a:solidFill>
+                          <a:srgbClr val="000000"/>
+                        </a:solidFill>
+                        <a:effectLst/>
+                        <a:latin typeface="Calibri" panose="020F0502020204030204" pitchFamily="34" charset="0"/>
+                      </a:endParaRPr>
+                    </a:p>
+                  </a:txBody>
+                  <a:tcPr marL="7620" marR="7620" marT="7620" marB="0" anchor="b">
+                    <a:gradFill>
+                      <a:gsLst>
+                        <a:gs pos="0">
+                          <a:schemeClr val="accent1">
+                            <a:lumMod val="5000"/>
+                            <a:lumOff val="95000"/>
+                          </a:schemeClr>
+                        </a:gs>
+                        <a:gs pos="74000">
+                          <a:schemeClr val="accent1">
+                            <a:lumMod val="45000"/>
+                            <a:lumOff val="55000"/>
+                          </a:schemeClr>
+                        </a:gs>
+                        <a:gs pos="83000">
+                          <a:schemeClr val="accent1">
+                            <a:lumMod val="45000"/>
+                            <a:lumOff val="55000"/>
+                          </a:schemeClr>
+                        </a:gs>
+                        <a:gs pos="100000">
+                          <a:schemeClr val="accent1">
+                            <a:lumMod val="30000"/>
+                            <a:lumOff val="70000"/>
+                          </a:schemeClr>
+                        </a:gs>
+                      </a:gsLst>
+                      <a:lin ang="5400000" scaled="1"/>
+                    </a:gradFill>
+                  </a:tcPr>
+                </a:tc>
+                <a:tc>
+                  <a:txBody>
+                    <a:bodyPr/>
+                    <a:lstStyle/>
+                    <a:p>
+                      <a:pPr algn="ctr" fontAlgn="b"/>
+                      <a:r>
+                        <a:rPr lang="en-IN" sz="1600" u="none" strike="noStrike">
+                          <a:effectLst/>
+                        </a:rPr>
+                        <a:t>367</a:t>
+                      </a:r>
+                      <a:endParaRPr lang="en-IN" sz="1600" b="0" i="0" u="none" strike="noStrike">
+                        <a:solidFill>
+                          <a:srgbClr val="000000"/>
+                        </a:solidFill>
+                        <a:effectLst/>
+                        <a:latin typeface="Calibri" panose="020F0502020204030204" pitchFamily="34" charset="0"/>
+                      </a:endParaRPr>
+                    </a:p>
+                  </a:txBody>
+                  <a:tcPr marL="7620" marR="7620" marT="7620" marB="0" anchor="b">
+                    <a:gradFill>
+                      <a:gsLst>
+                        <a:gs pos="0">
+                          <a:schemeClr val="accent1">
+                            <a:lumMod val="5000"/>
+                            <a:lumOff val="95000"/>
+                          </a:schemeClr>
+                        </a:gs>
+                        <a:gs pos="74000">
+                          <a:schemeClr val="accent1">
+                            <a:lumMod val="45000"/>
+                            <a:lumOff val="55000"/>
+                          </a:schemeClr>
+                        </a:gs>
+                        <a:gs pos="83000">
+                          <a:schemeClr val="accent1">
+                            <a:lumMod val="45000"/>
+                            <a:lumOff val="55000"/>
+                          </a:schemeClr>
+                        </a:gs>
+                        <a:gs pos="100000">
+                          <a:schemeClr val="accent1">
+                            <a:lumMod val="30000"/>
+                            <a:lumOff val="70000"/>
+                          </a:schemeClr>
+                        </a:gs>
+                      </a:gsLst>
+                      <a:lin ang="5400000" scaled="1"/>
+                    </a:gradFill>
+                  </a:tcPr>
+                </a:tc>
+                <a:extLst>
+                  <a:ext uri="{0D108BD9-81ED-4DB2-BD59-A6C34878D82A}">
+                    <a16:rowId xmlns:a16="http://schemas.microsoft.com/office/drawing/2014/main" val="2246883070"/>
+                  </a:ext>
+                </a:extLst>
+              </a:tr>
+              <a:tr h="260843">
+                <a:tc>
+                  <a:txBody>
+                    <a:bodyPr/>
+                    <a:lstStyle/>
+                    <a:p>
+                      <a:pPr algn="ctr" fontAlgn="b"/>
+                      <a:r>
+                        <a:rPr lang="en-IN" sz="1600" u="none" strike="noStrike" dirty="0">
+                          <a:effectLst/>
+                        </a:rPr>
+                        <a:t>50001-55000</a:t>
+                      </a:r>
+                      <a:endParaRPr lang="en-IN" sz="1600" b="0" i="0" u="none" strike="noStrike" dirty="0">
+                        <a:solidFill>
+                          <a:srgbClr val="000000"/>
+                        </a:solidFill>
+                        <a:effectLst/>
+                        <a:latin typeface="Calibri" panose="020F0502020204030204" pitchFamily="34" charset="0"/>
+                      </a:endParaRPr>
+                    </a:p>
+                  </a:txBody>
+                  <a:tcPr marL="7620" marR="7620" marT="7620" marB="0" anchor="b">
+                    <a:gradFill>
+                      <a:gsLst>
+                        <a:gs pos="0">
+                          <a:schemeClr val="accent1">
+                            <a:lumMod val="5000"/>
+                            <a:lumOff val="95000"/>
+                          </a:schemeClr>
+                        </a:gs>
+                        <a:gs pos="74000">
+                          <a:schemeClr val="accent1">
+                            <a:lumMod val="45000"/>
+                            <a:lumOff val="55000"/>
+                          </a:schemeClr>
+                        </a:gs>
+                        <a:gs pos="83000">
+                          <a:schemeClr val="accent1">
+                            <a:lumMod val="45000"/>
+                            <a:lumOff val="55000"/>
+                          </a:schemeClr>
+                        </a:gs>
+                        <a:gs pos="100000">
+                          <a:schemeClr val="accent1">
+                            <a:lumMod val="30000"/>
+                            <a:lumOff val="70000"/>
+                          </a:schemeClr>
+                        </a:gs>
+                      </a:gsLst>
+                      <a:lin ang="5400000" scaled="1"/>
+                    </a:gradFill>
+                  </a:tcPr>
+                </a:tc>
+                <a:tc>
+                  <a:txBody>
+                    <a:bodyPr/>
+                    <a:lstStyle/>
+                    <a:p>
+                      <a:pPr algn="ctr" fontAlgn="b"/>
+                      <a:r>
+                        <a:rPr lang="en-IN" sz="1600" u="none" strike="noStrike">
+                          <a:effectLst/>
+                        </a:rPr>
+                        <a:t>388</a:t>
+                      </a:r>
+                      <a:endParaRPr lang="en-IN" sz="1600" b="0" i="0" u="none" strike="noStrike">
+                        <a:solidFill>
+                          <a:srgbClr val="000000"/>
+                        </a:solidFill>
+                        <a:effectLst/>
+                        <a:latin typeface="Calibri" panose="020F0502020204030204" pitchFamily="34" charset="0"/>
+                      </a:endParaRPr>
+                    </a:p>
+                  </a:txBody>
+                  <a:tcPr marL="7620" marR="7620" marT="7620" marB="0" anchor="b">
+                    <a:gradFill>
+                      <a:gsLst>
+                        <a:gs pos="0">
+                          <a:schemeClr val="accent1">
+                            <a:lumMod val="5000"/>
+                            <a:lumOff val="95000"/>
+                          </a:schemeClr>
+                        </a:gs>
+                        <a:gs pos="74000">
+                          <a:schemeClr val="accent1">
+                            <a:lumMod val="45000"/>
+                            <a:lumOff val="55000"/>
+                          </a:schemeClr>
+                        </a:gs>
+                        <a:gs pos="83000">
+                          <a:schemeClr val="accent1">
+                            <a:lumMod val="45000"/>
+                            <a:lumOff val="55000"/>
+                          </a:schemeClr>
+                        </a:gs>
+                        <a:gs pos="100000">
+                          <a:schemeClr val="accent1">
+                            <a:lumMod val="30000"/>
+                            <a:lumOff val="70000"/>
+                          </a:schemeClr>
+                        </a:gs>
+                      </a:gsLst>
+                      <a:lin ang="5400000" scaled="1"/>
+                    </a:gradFill>
+                  </a:tcPr>
+                </a:tc>
+                <a:extLst>
+                  <a:ext uri="{0D108BD9-81ED-4DB2-BD59-A6C34878D82A}">
+                    <a16:rowId xmlns:a16="http://schemas.microsoft.com/office/drawing/2014/main" val="1910155422"/>
+                  </a:ext>
+                </a:extLst>
+              </a:tr>
+              <a:tr h="260843">
+                <a:tc>
+                  <a:txBody>
+                    <a:bodyPr/>
+                    <a:lstStyle/>
+                    <a:p>
+                      <a:pPr algn="ctr" fontAlgn="b"/>
+                      <a:r>
+                        <a:rPr lang="en-IN" sz="1600" u="none" strike="noStrike">
+                          <a:effectLst/>
+                        </a:rPr>
+                        <a:t>55001-60000</a:t>
+                      </a:r>
+                      <a:endParaRPr lang="en-IN" sz="1600" b="0" i="0" u="none" strike="noStrike">
+                        <a:solidFill>
+                          <a:srgbClr val="000000"/>
+                        </a:solidFill>
+                        <a:effectLst/>
+                        <a:latin typeface="Calibri" panose="020F0502020204030204" pitchFamily="34" charset="0"/>
+                      </a:endParaRPr>
+                    </a:p>
+                  </a:txBody>
+                  <a:tcPr marL="7620" marR="7620" marT="7620" marB="0" anchor="b">
+                    <a:gradFill>
+                      <a:gsLst>
+                        <a:gs pos="0">
+                          <a:schemeClr val="accent1">
+                            <a:lumMod val="5000"/>
+                            <a:lumOff val="95000"/>
+                          </a:schemeClr>
+                        </a:gs>
+                        <a:gs pos="74000">
+                          <a:schemeClr val="accent1">
+                            <a:lumMod val="45000"/>
+                            <a:lumOff val="55000"/>
+                          </a:schemeClr>
+                        </a:gs>
+                        <a:gs pos="83000">
+                          <a:schemeClr val="accent1">
+                            <a:lumMod val="45000"/>
+                            <a:lumOff val="55000"/>
+                          </a:schemeClr>
+                        </a:gs>
+                        <a:gs pos="100000">
+                          <a:schemeClr val="accent1">
+                            <a:lumMod val="30000"/>
+                            <a:lumOff val="70000"/>
+                          </a:schemeClr>
+                        </a:gs>
+                      </a:gsLst>
+                      <a:lin ang="5400000" scaled="1"/>
+                    </a:gradFill>
+                  </a:tcPr>
+                </a:tc>
+                <a:tc>
+                  <a:txBody>
+                    <a:bodyPr/>
+                    <a:lstStyle/>
+                    <a:p>
+                      <a:pPr algn="ctr" fontAlgn="b"/>
+                      <a:r>
+                        <a:rPr lang="en-IN" sz="1600" u="none" strike="noStrike">
+                          <a:effectLst/>
+                        </a:rPr>
+                        <a:t>362</a:t>
+                      </a:r>
+                      <a:endParaRPr lang="en-IN" sz="1600" b="0" i="0" u="none" strike="noStrike">
+                        <a:solidFill>
+                          <a:srgbClr val="000000"/>
+                        </a:solidFill>
+                        <a:effectLst/>
+                        <a:latin typeface="Calibri" panose="020F0502020204030204" pitchFamily="34" charset="0"/>
+                      </a:endParaRPr>
+                    </a:p>
+                  </a:txBody>
+                  <a:tcPr marL="7620" marR="7620" marT="7620" marB="0" anchor="b">
+                    <a:gradFill>
+                      <a:gsLst>
+                        <a:gs pos="0">
+                          <a:schemeClr val="accent1">
+                            <a:lumMod val="5000"/>
+                            <a:lumOff val="95000"/>
+                          </a:schemeClr>
+                        </a:gs>
+                        <a:gs pos="74000">
+                          <a:schemeClr val="accent1">
+                            <a:lumMod val="45000"/>
+                            <a:lumOff val="55000"/>
+                          </a:schemeClr>
+                        </a:gs>
+                        <a:gs pos="83000">
+                          <a:schemeClr val="accent1">
+                            <a:lumMod val="45000"/>
+                            <a:lumOff val="55000"/>
+                          </a:schemeClr>
+                        </a:gs>
+                        <a:gs pos="100000">
+                          <a:schemeClr val="accent1">
+                            <a:lumMod val="30000"/>
+                            <a:lumOff val="70000"/>
+                          </a:schemeClr>
+                        </a:gs>
+                      </a:gsLst>
+                      <a:lin ang="5400000" scaled="1"/>
+                    </a:gradFill>
+                  </a:tcPr>
+                </a:tc>
+                <a:extLst>
+                  <a:ext uri="{0D108BD9-81ED-4DB2-BD59-A6C34878D82A}">
+                    <a16:rowId xmlns:a16="http://schemas.microsoft.com/office/drawing/2014/main" val="3499781304"/>
+                  </a:ext>
+                </a:extLst>
+              </a:tr>
+              <a:tr h="260843">
+                <a:tc>
+                  <a:txBody>
+                    <a:bodyPr/>
+                    <a:lstStyle/>
+                    <a:p>
+                      <a:pPr algn="ctr" fontAlgn="b"/>
+                      <a:r>
+                        <a:rPr lang="en-IN" sz="1600" u="none" strike="noStrike">
+                          <a:effectLst/>
+                        </a:rPr>
+                        <a:t>60001-65000</a:t>
+                      </a:r>
+                      <a:endParaRPr lang="en-IN" sz="1600" b="0" i="0" u="none" strike="noStrike">
+                        <a:solidFill>
+                          <a:srgbClr val="000000"/>
+                        </a:solidFill>
+                        <a:effectLst/>
+                        <a:latin typeface="Calibri" panose="020F0502020204030204" pitchFamily="34" charset="0"/>
+                      </a:endParaRPr>
+                    </a:p>
+                  </a:txBody>
+                  <a:tcPr marL="7620" marR="7620" marT="7620" marB="0" anchor="b">
+                    <a:gradFill>
+                      <a:gsLst>
+                        <a:gs pos="0">
+                          <a:schemeClr val="accent1">
+                            <a:lumMod val="5000"/>
+                            <a:lumOff val="95000"/>
+                          </a:schemeClr>
+                        </a:gs>
+                        <a:gs pos="74000">
+                          <a:schemeClr val="accent1">
+                            <a:lumMod val="45000"/>
+                            <a:lumOff val="55000"/>
+                          </a:schemeClr>
+                        </a:gs>
+                        <a:gs pos="83000">
+                          <a:schemeClr val="accent1">
+                            <a:lumMod val="45000"/>
+                            <a:lumOff val="55000"/>
+                          </a:schemeClr>
+                        </a:gs>
+                        <a:gs pos="100000">
+                          <a:schemeClr val="accent1">
+                            <a:lumMod val="30000"/>
+                            <a:lumOff val="70000"/>
+                          </a:schemeClr>
+                        </a:gs>
+                      </a:gsLst>
+                      <a:lin ang="5400000" scaled="1"/>
+                    </a:gradFill>
+                  </a:tcPr>
+                </a:tc>
+                <a:tc>
+                  <a:txBody>
+                    <a:bodyPr/>
+                    <a:lstStyle/>
+                    <a:p>
+                      <a:pPr algn="ctr" fontAlgn="b"/>
+                      <a:r>
+                        <a:rPr lang="en-IN" sz="1600" u="none" strike="noStrike">
+                          <a:effectLst/>
+                        </a:rPr>
+                        <a:t>340</a:t>
+                      </a:r>
+                      <a:endParaRPr lang="en-IN" sz="1600" b="0" i="0" u="none" strike="noStrike">
+                        <a:solidFill>
+                          <a:srgbClr val="000000"/>
+                        </a:solidFill>
+                        <a:effectLst/>
+                        <a:latin typeface="Calibri" panose="020F0502020204030204" pitchFamily="34" charset="0"/>
+                      </a:endParaRPr>
+                    </a:p>
+                  </a:txBody>
+                  <a:tcPr marL="7620" marR="7620" marT="7620" marB="0" anchor="b">
+                    <a:gradFill>
+                      <a:gsLst>
+                        <a:gs pos="0">
+                          <a:schemeClr val="accent1">
+                            <a:lumMod val="5000"/>
+                            <a:lumOff val="95000"/>
+                          </a:schemeClr>
+                        </a:gs>
+                        <a:gs pos="74000">
+                          <a:schemeClr val="accent1">
+                            <a:lumMod val="45000"/>
+                            <a:lumOff val="55000"/>
+                          </a:schemeClr>
+                        </a:gs>
+                        <a:gs pos="83000">
+                          <a:schemeClr val="accent1">
+                            <a:lumMod val="45000"/>
+                            <a:lumOff val="55000"/>
+                          </a:schemeClr>
+                        </a:gs>
+                        <a:gs pos="100000">
+                          <a:schemeClr val="accent1">
+                            <a:lumMod val="30000"/>
+                            <a:lumOff val="70000"/>
+                          </a:schemeClr>
+                        </a:gs>
+                      </a:gsLst>
+                      <a:lin ang="5400000" scaled="1"/>
+                    </a:gradFill>
+                  </a:tcPr>
+                </a:tc>
+                <a:extLst>
+                  <a:ext uri="{0D108BD9-81ED-4DB2-BD59-A6C34878D82A}">
+                    <a16:rowId xmlns:a16="http://schemas.microsoft.com/office/drawing/2014/main" val="2665188464"/>
+                  </a:ext>
+                </a:extLst>
+              </a:tr>
+              <a:tr h="260843">
+                <a:tc>
+                  <a:txBody>
+                    <a:bodyPr/>
+                    <a:lstStyle/>
+                    <a:p>
+                      <a:pPr algn="ctr" fontAlgn="b"/>
+                      <a:r>
+                        <a:rPr lang="en-IN" sz="1600" u="none" strike="noStrike">
+                          <a:effectLst/>
+                        </a:rPr>
+                        <a:t>65001-70000</a:t>
+                      </a:r>
+                      <a:endParaRPr lang="en-IN" sz="1600" b="0" i="0" u="none" strike="noStrike">
+                        <a:solidFill>
+                          <a:srgbClr val="000000"/>
+                        </a:solidFill>
+                        <a:effectLst/>
+                        <a:latin typeface="Calibri" panose="020F0502020204030204" pitchFamily="34" charset="0"/>
+                      </a:endParaRPr>
+                    </a:p>
+                  </a:txBody>
+                  <a:tcPr marL="7620" marR="7620" marT="7620" marB="0" anchor="b">
+                    <a:gradFill>
+                      <a:gsLst>
+                        <a:gs pos="0">
+                          <a:schemeClr val="accent1">
+                            <a:lumMod val="5000"/>
+                            <a:lumOff val="95000"/>
+                          </a:schemeClr>
+                        </a:gs>
+                        <a:gs pos="74000">
+                          <a:schemeClr val="accent1">
+                            <a:lumMod val="45000"/>
+                            <a:lumOff val="55000"/>
+                          </a:schemeClr>
+                        </a:gs>
+                        <a:gs pos="83000">
+                          <a:schemeClr val="accent1">
+                            <a:lumMod val="45000"/>
+                            <a:lumOff val="55000"/>
+                          </a:schemeClr>
+                        </a:gs>
+                        <a:gs pos="100000">
+                          <a:schemeClr val="accent1">
+                            <a:lumMod val="30000"/>
+                            <a:lumOff val="70000"/>
+                          </a:schemeClr>
+                        </a:gs>
+                      </a:gsLst>
+                      <a:lin ang="5400000" scaled="1"/>
+                    </a:gradFill>
+                  </a:tcPr>
+                </a:tc>
+                <a:tc>
+                  <a:txBody>
+                    <a:bodyPr/>
+                    <a:lstStyle/>
+                    <a:p>
+                      <a:pPr algn="ctr" fontAlgn="b"/>
+                      <a:r>
+                        <a:rPr lang="en-IN" sz="1600" u="none" strike="noStrike">
+                          <a:effectLst/>
+                        </a:rPr>
+                        <a:t>358</a:t>
+                      </a:r>
+                      <a:endParaRPr lang="en-IN" sz="1600" b="0" i="0" u="none" strike="noStrike">
+                        <a:solidFill>
+                          <a:srgbClr val="000000"/>
+                        </a:solidFill>
+                        <a:effectLst/>
+                        <a:latin typeface="Calibri" panose="020F0502020204030204" pitchFamily="34" charset="0"/>
+                      </a:endParaRPr>
+                    </a:p>
+                  </a:txBody>
+                  <a:tcPr marL="7620" marR="7620" marT="7620" marB="0" anchor="b">
+                    <a:gradFill>
+                      <a:gsLst>
+                        <a:gs pos="0">
+                          <a:schemeClr val="accent1">
+                            <a:lumMod val="5000"/>
+                            <a:lumOff val="95000"/>
+                          </a:schemeClr>
+                        </a:gs>
+                        <a:gs pos="74000">
+                          <a:schemeClr val="accent1">
+                            <a:lumMod val="45000"/>
+                            <a:lumOff val="55000"/>
+                          </a:schemeClr>
+                        </a:gs>
+                        <a:gs pos="83000">
+                          <a:schemeClr val="accent1">
+                            <a:lumMod val="45000"/>
+                            <a:lumOff val="55000"/>
+                          </a:schemeClr>
+                        </a:gs>
+                        <a:gs pos="100000">
+                          <a:schemeClr val="accent1">
+                            <a:lumMod val="30000"/>
+                            <a:lumOff val="70000"/>
+                          </a:schemeClr>
+                        </a:gs>
+                      </a:gsLst>
+                      <a:lin ang="5400000" scaled="1"/>
+                    </a:gradFill>
+                  </a:tcPr>
+                </a:tc>
+                <a:extLst>
+                  <a:ext uri="{0D108BD9-81ED-4DB2-BD59-A6C34878D82A}">
+                    <a16:rowId xmlns:a16="http://schemas.microsoft.com/office/drawing/2014/main" val="3843961775"/>
+                  </a:ext>
+                </a:extLst>
+              </a:tr>
+              <a:tr h="260843">
+                <a:tc>
+                  <a:txBody>
+                    <a:bodyPr/>
+                    <a:lstStyle/>
+                    <a:p>
+                      <a:pPr algn="ctr" fontAlgn="b"/>
+                      <a:r>
+                        <a:rPr lang="en-IN" sz="1600" u="none" strike="noStrike">
+                          <a:effectLst/>
+                        </a:rPr>
+                        <a:t>70001-75000</a:t>
+                      </a:r>
+                      <a:endParaRPr lang="en-IN" sz="1600" b="0" i="0" u="none" strike="noStrike">
+                        <a:solidFill>
+                          <a:srgbClr val="000000"/>
+                        </a:solidFill>
+                        <a:effectLst/>
+                        <a:latin typeface="Calibri" panose="020F0502020204030204" pitchFamily="34" charset="0"/>
+                      </a:endParaRPr>
+                    </a:p>
+                  </a:txBody>
+                  <a:tcPr marL="7620" marR="7620" marT="7620" marB="0" anchor="b">
+                    <a:gradFill>
+                      <a:gsLst>
+                        <a:gs pos="0">
+                          <a:schemeClr val="accent1">
+                            <a:lumMod val="5000"/>
+                            <a:lumOff val="95000"/>
+                          </a:schemeClr>
+                        </a:gs>
+                        <a:gs pos="74000">
+                          <a:schemeClr val="accent1">
+                            <a:lumMod val="45000"/>
+                            <a:lumOff val="55000"/>
+                          </a:schemeClr>
+                        </a:gs>
+                        <a:gs pos="83000">
+                          <a:schemeClr val="accent1">
+                            <a:lumMod val="45000"/>
+                            <a:lumOff val="55000"/>
+                          </a:schemeClr>
+                        </a:gs>
+                        <a:gs pos="100000">
+                          <a:schemeClr val="accent1">
+                            <a:lumMod val="30000"/>
+                            <a:lumOff val="70000"/>
+                          </a:schemeClr>
+                        </a:gs>
+                      </a:gsLst>
+                      <a:lin ang="5400000" scaled="1"/>
+                    </a:gradFill>
+                  </a:tcPr>
+                </a:tc>
+                <a:tc>
+                  <a:txBody>
+                    <a:bodyPr/>
+                    <a:lstStyle/>
+                    <a:p>
+                      <a:pPr algn="ctr" fontAlgn="b"/>
+                      <a:r>
+                        <a:rPr lang="en-IN" sz="1600" u="none" strike="noStrike">
+                          <a:effectLst/>
+                        </a:rPr>
+                        <a:t>348</a:t>
+                      </a:r>
+                      <a:endParaRPr lang="en-IN" sz="1600" b="0" i="0" u="none" strike="noStrike">
+                        <a:solidFill>
+                          <a:srgbClr val="000000"/>
+                        </a:solidFill>
+                        <a:effectLst/>
+                        <a:latin typeface="Calibri" panose="020F0502020204030204" pitchFamily="34" charset="0"/>
+                      </a:endParaRPr>
+                    </a:p>
+                  </a:txBody>
+                  <a:tcPr marL="7620" marR="7620" marT="7620" marB="0" anchor="b">
+                    <a:gradFill>
+                      <a:gsLst>
+                        <a:gs pos="0">
+                          <a:schemeClr val="accent1">
+                            <a:lumMod val="5000"/>
+                            <a:lumOff val="95000"/>
+                          </a:schemeClr>
+                        </a:gs>
+                        <a:gs pos="74000">
+                          <a:schemeClr val="accent1">
+                            <a:lumMod val="45000"/>
+                            <a:lumOff val="55000"/>
+                          </a:schemeClr>
+                        </a:gs>
+                        <a:gs pos="83000">
+                          <a:schemeClr val="accent1">
+                            <a:lumMod val="45000"/>
+                            <a:lumOff val="55000"/>
+                          </a:schemeClr>
+                        </a:gs>
+                        <a:gs pos="100000">
+                          <a:schemeClr val="accent1">
+                            <a:lumMod val="30000"/>
+                            <a:lumOff val="70000"/>
+                          </a:schemeClr>
+                        </a:gs>
+                      </a:gsLst>
+                      <a:lin ang="5400000" scaled="1"/>
+                    </a:gradFill>
+                  </a:tcPr>
+                </a:tc>
+                <a:extLst>
+                  <a:ext uri="{0D108BD9-81ED-4DB2-BD59-A6C34878D82A}">
+                    <a16:rowId xmlns:a16="http://schemas.microsoft.com/office/drawing/2014/main" val="1821776606"/>
+                  </a:ext>
+                </a:extLst>
+              </a:tr>
+              <a:tr h="260843">
+                <a:tc>
+                  <a:txBody>
+                    <a:bodyPr/>
+                    <a:lstStyle/>
+                    <a:p>
+                      <a:pPr algn="ctr" fontAlgn="b"/>
+                      <a:r>
+                        <a:rPr lang="en-IN" sz="1600" u="none" strike="noStrike">
+                          <a:effectLst/>
+                        </a:rPr>
+                        <a:t>75001-80000</a:t>
+                      </a:r>
+                      <a:endParaRPr lang="en-IN" sz="1600" b="0" i="0" u="none" strike="noStrike">
+                        <a:solidFill>
+                          <a:srgbClr val="000000"/>
+                        </a:solidFill>
+                        <a:effectLst/>
+                        <a:latin typeface="Calibri" panose="020F0502020204030204" pitchFamily="34" charset="0"/>
+                      </a:endParaRPr>
+                    </a:p>
+                  </a:txBody>
+                  <a:tcPr marL="7620" marR="7620" marT="7620" marB="0" anchor="b">
+                    <a:gradFill>
+                      <a:gsLst>
+                        <a:gs pos="0">
+                          <a:schemeClr val="accent1">
+                            <a:lumMod val="5000"/>
+                            <a:lumOff val="95000"/>
+                          </a:schemeClr>
+                        </a:gs>
+                        <a:gs pos="74000">
+                          <a:schemeClr val="accent1">
+                            <a:lumMod val="45000"/>
+                            <a:lumOff val="55000"/>
+                          </a:schemeClr>
+                        </a:gs>
+                        <a:gs pos="83000">
+                          <a:schemeClr val="accent1">
+                            <a:lumMod val="45000"/>
+                            <a:lumOff val="55000"/>
+                          </a:schemeClr>
+                        </a:gs>
+                        <a:gs pos="100000">
+                          <a:schemeClr val="accent1">
+                            <a:lumMod val="30000"/>
+                            <a:lumOff val="70000"/>
+                          </a:schemeClr>
+                        </a:gs>
+                      </a:gsLst>
+                      <a:lin ang="5400000" scaled="1"/>
+                    </a:gradFill>
+                  </a:tcPr>
+                </a:tc>
+                <a:tc>
+                  <a:txBody>
+                    <a:bodyPr/>
+                    <a:lstStyle/>
+                    <a:p>
+                      <a:pPr algn="ctr" fontAlgn="b"/>
+                      <a:r>
+                        <a:rPr lang="en-IN" sz="1600" u="none" strike="noStrike">
+                          <a:effectLst/>
+                        </a:rPr>
+                        <a:t>386</a:t>
+                      </a:r>
+                      <a:endParaRPr lang="en-IN" sz="1600" b="0" i="0" u="none" strike="noStrike">
+                        <a:solidFill>
+                          <a:srgbClr val="000000"/>
+                        </a:solidFill>
+                        <a:effectLst/>
+                        <a:latin typeface="Calibri" panose="020F0502020204030204" pitchFamily="34" charset="0"/>
+                      </a:endParaRPr>
+                    </a:p>
+                  </a:txBody>
+                  <a:tcPr marL="7620" marR="7620" marT="7620" marB="0" anchor="b">
+                    <a:gradFill>
+                      <a:gsLst>
+                        <a:gs pos="0">
+                          <a:schemeClr val="accent1">
+                            <a:lumMod val="5000"/>
+                            <a:lumOff val="95000"/>
+                          </a:schemeClr>
+                        </a:gs>
+                        <a:gs pos="74000">
+                          <a:schemeClr val="accent1">
+                            <a:lumMod val="45000"/>
+                            <a:lumOff val="55000"/>
+                          </a:schemeClr>
+                        </a:gs>
+                        <a:gs pos="83000">
+                          <a:schemeClr val="accent1">
+                            <a:lumMod val="45000"/>
+                            <a:lumOff val="55000"/>
+                          </a:schemeClr>
+                        </a:gs>
+                        <a:gs pos="100000">
+                          <a:schemeClr val="accent1">
+                            <a:lumMod val="30000"/>
+                            <a:lumOff val="70000"/>
+                          </a:schemeClr>
+                        </a:gs>
+                      </a:gsLst>
+                      <a:lin ang="5400000" scaled="1"/>
+                    </a:gradFill>
+                  </a:tcPr>
+                </a:tc>
+                <a:extLst>
+                  <a:ext uri="{0D108BD9-81ED-4DB2-BD59-A6C34878D82A}">
+                    <a16:rowId xmlns:a16="http://schemas.microsoft.com/office/drawing/2014/main" val="3292825211"/>
+                  </a:ext>
+                </a:extLst>
+              </a:tr>
+              <a:tr h="260843">
+                <a:tc>
+                  <a:txBody>
+                    <a:bodyPr/>
+                    <a:lstStyle/>
+                    <a:p>
+                      <a:pPr algn="ctr" fontAlgn="b"/>
+                      <a:r>
+                        <a:rPr lang="en-IN" sz="1600" u="none" strike="noStrike">
+                          <a:effectLst/>
+                        </a:rPr>
+                        <a:t>80001-85000</a:t>
+                      </a:r>
+                      <a:endParaRPr lang="en-IN" sz="1600" b="0" i="0" u="none" strike="noStrike">
+                        <a:solidFill>
+                          <a:srgbClr val="000000"/>
+                        </a:solidFill>
+                        <a:effectLst/>
+                        <a:latin typeface="Calibri" panose="020F0502020204030204" pitchFamily="34" charset="0"/>
+                      </a:endParaRPr>
+                    </a:p>
+                  </a:txBody>
+                  <a:tcPr marL="7620" marR="7620" marT="7620" marB="0" anchor="b">
+                    <a:gradFill>
+                      <a:gsLst>
+                        <a:gs pos="0">
+                          <a:schemeClr val="accent1">
+                            <a:lumMod val="5000"/>
+                            <a:lumOff val="95000"/>
+                          </a:schemeClr>
+                        </a:gs>
+                        <a:gs pos="74000">
+                          <a:schemeClr val="accent1">
+                            <a:lumMod val="45000"/>
+                            <a:lumOff val="55000"/>
+                          </a:schemeClr>
+                        </a:gs>
+                        <a:gs pos="83000">
+                          <a:schemeClr val="accent1">
+                            <a:lumMod val="45000"/>
+                            <a:lumOff val="55000"/>
+                          </a:schemeClr>
+                        </a:gs>
+                        <a:gs pos="100000">
+                          <a:schemeClr val="accent1">
+                            <a:lumMod val="30000"/>
+                            <a:lumOff val="70000"/>
+                          </a:schemeClr>
+                        </a:gs>
+                      </a:gsLst>
+                      <a:lin ang="5400000" scaled="1"/>
+                    </a:gradFill>
+                  </a:tcPr>
+                </a:tc>
+                <a:tc>
+                  <a:txBody>
+                    <a:bodyPr/>
+                    <a:lstStyle/>
+                    <a:p>
+                      <a:pPr algn="ctr" fontAlgn="b"/>
+                      <a:r>
+                        <a:rPr lang="en-IN" sz="1600" u="none" strike="noStrike">
+                          <a:effectLst/>
+                        </a:rPr>
+                        <a:t>356</a:t>
+                      </a:r>
+                      <a:endParaRPr lang="en-IN" sz="1600" b="0" i="0" u="none" strike="noStrike">
+                        <a:solidFill>
+                          <a:srgbClr val="000000"/>
+                        </a:solidFill>
+                        <a:effectLst/>
+                        <a:latin typeface="Calibri" panose="020F0502020204030204" pitchFamily="34" charset="0"/>
+                      </a:endParaRPr>
+                    </a:p>
+                  </a:txBody>
+                  <a:tcPr marL="7620" marR="7620" marT="7620" marB="0" anchor="b">
+                    <a:gradFill>
+                      <a:gsLst>
+                        <a:gs pos="0">
+                          <a:schemeClr val="accent1">
+                            <a:lumMod val="5000"/>
+                            <a:lumOff val="95000"/>
+                          </a:schemeClr>
+                        </a:gs>
+                        <a:gs pos="74000">
+                          <a:schemeClr val="accent1">
+                            <a:lumMod val="45000"/>
+                            <a:lumOff val="55000"/>
+                          </a:schemeClr>
+                        </a:gs>
+                        <a:gs pos="83000">
+                          <a:schemeClr val="accent1">
+                            <a:lumMod val="45000"/>
+                            <a:lumOff val="55000"/>
+                          </a:schemeClr>
+                        </a:gs>
+                        <a:gs pos="100000">
+                          <a:schemeClr val="accent1">
+                            <a:lumMod val="30000"/>
+                            <a:lumOff val="70000"/>
+                          </a:schemeClr>
+                        </a:gs>
+                      </a:gsLst>
+                      <a:lin ang="5400000" scaled="1"/>
+                    </a:gradFill>
+                  </a:tcPr>
+                </a:tc>
+                <a:extLst>
+                  <a:ext uri="{0D108BD9-81ED-4DB2-BD59-A6C34878D82A}">
+                    <a16:rowId xmlns:a16="http://schemas.microsoft.com/office/drawing/2014/main" val="4227369940"/>
+                  </a:ext>
+                </a:extLst>
+              </a:tr>
+              <a:tr h="260843">
+                <a:tc>
+                  <a:txBody>
+                    <a:bodyPr/>
+                    <a:lstStyle/>
+                    <a:p>
+                      <a:pPr algn="ctr" fontAlgn="b"/>
+                      <a:r>
+                        <a:rPr lang="en-IN" sz="1600" u="none" strike="noStrike">
+                          <a:effectLst/>
+                        </a:rPr>
+                        <a:t>85001-90000</a:t>
+                      </a:r>
+                      <a:endParaRPr lang="en-IN" sz="1600" b="0" i="0" u="none" strike="noStrike">
+                        <a:solidFill>
+                          <a:srgbClr val="000000"/>
+                        </a:solidFill>
+                        <a:effectLst/>
+                        <a:latin typeface="Calibri" panose="020F0502020204030204" pitchFamily="34" charset="0"/>
+                      </a:endParaRPr>
+                    </a:p>
+                  </a:txBody>
+                  <a:tcPr marL="7620" marR="7620" marT="7620" marB="0" anchor="b">
+                    <a:gradFill>
+                      <a:gsLst>
+                        <a:gs pos="0">
+                          <a:schemeClr val="accent1">
+                            <a:lumMod val="5000"/>
+                            <a:lumOff val="95000"/>
+                          </a:schemeClr>
+                        </a:gs>
+                        <a:gs pos="74000">
+                          <a:schemeClr val="accent1">
+                            <a:lumMod val="45000"/>
+                            <a:lumOff val="55000"/>
+                          </a:schemeClr>
+                        </a:gs>
+                        <a:gs pos="83000">
+                          <a:schemeClr val="accent1">
+                            <a:lumMod val="45000"/>
+                            <a:lumOff val="55000"/>
+                          </a:schemeClr>
+                        </a:gs>
+                        <a:gs pos="100000">
+                          <a:schemeClr val="accent1">
+                            <a:lumMod val="30000"/>
+                            <a:lumOff val="70000"/>
+                          </a:schemeClr>
+                        </a:gs>
+                      </a:gsLst>
+                      <a:lin ang="5400000" scaled="1"/>
+                    </a:gradFill>
+                  </a:tcPr>
+                </a:tc>
+                <a:tc>
+                  <a:txBody>
+                    <a:bodyPr/>
+                    <a:lstStyle/>
+                    <a:p>
+                      <a:pPr algn="ctr" fontAlgn="b"/>
+                      <a:r>
+                        <a:rPr lang="en-IN" sz="1600" u="none" strike="noStrike">
+                          <a:effectLst/>
+                        </a:rPr>
+                        <a:t>355</a:t>
+                      </a:r>
+                      <a:endParaRPr lang="en-IN" sz="1600" b="0" i="0" u="none" strike="noStrike">
+                        <a:solidFill>
+                          <a:srgbClr val="000000"/>
+                        </a:solidFill>
+                        <a:effectLst/>
+                        <a:latin typeface="Calibri" panose="020F0502020204030204" pitchFamily="34" charset="0"/>
+                      </a:endParaRPr>
+                    </a:p>
+                  </a:txBody>
+                  <a:tcPr marL="7620" marR="7620" marT="7620" marB="0" anchor="b">
+                    <a:gradFill>
+                      <a:gsLst>
+                        <a:gs pos="0">
+                          <a:schemeClr val="accent1">
+                            <a:lumMod val="5000"/>
+                            <a:lumOff val="95000"/>
+                          </a:schemeClr>
+                        </a:gs>
+                        <a:gs pos="74000">
+                          <a:schemeClr val="accent1">
+                            <a:lumMod val="45000"/>
+                            <a:lumOff val="55000"/>
+                          </a:schemeClr>
+                        </a:gs>
+                        <a:gs pos="83000">
+                          <a:schemeClr val="accent1">
+                            <a:lumMod val="45000"/>
+                            <a:lumOff val="55000"/>
+                          </a:schemeClr>
+                        </a:gs>
+                        <a:gs pos="100000">
+                          <a:schemeClr val="accent1">
+                            <a:lumMod val="30000"/>
+                            <a:lumOff val="70000"/>
+                          </a:schemeClr>
+                        </a:gs>
+                      </a:gsLst>
+                      <a:lin ang="5400000" scaled="1"/>
+                    </a:gradFill>
+                  </a:tcPr>
+                </a:tc>
+                <a:extLst>
+                  <a:ext uri="{0D108BD9-81ED-4DB2-BD59-A6C34878D82A}">
+                    <a16:rowId xmlns:a16="http://schemas.microsoft.com/office/drawing/2014/main" val="1049345416"/>
+                  </a:ext>
+                </a:extLst>
+              </a:tr>
+              <a:tr h="260843">
+                <a:tc>
+                  <a:txBody>
+                    <a:bodyPr/>
+                    <a:lstStyle/>
+                    <a:p>
+                      <a:pPr algn="ctr" fontAlgn="b"/>
+                      <a:r>
+                        <a:rPr lang="en-IN" sz="1600" u="none" strike="noStrike">
+                          <a:effectLst/>
+                        </a:rPr>
+                        <a:t>90001-95000</a:t>
+                      </a:r>
+                      <a:endParaRPr lang="en-IN" sz="1600" b="0" i="0" u="none" strike="noStrike">
+                        <a:solidFill>
+                          <a:srgbClr val="000000"/>
+                        </a:solidFill>
+                        <a:effectLst/>
+                        <a:latin typeface="Calibri" panose="020F0502020204030204" pitchFamily="34" charset="0"/>
+                      </a:endParaRPr>
+                    </a:p>
+                  </a:txBody>
+                  <a:tcPr marL="7620" marR="7620" marT="7620" marB="0" anchor="b">
+                    <a:gradFill>
+                      <a:gsLst>
+                        <a:gs pos="0">
+                          <a:schemeClr val="accent1">
+                            <a:lumMod val="5000"/>
+                            <a:lumOff val="95000"/>
+                          </a:schemeClr>
+                        </a:gs>
+                        <a:gs pos="74000">
+                          <a:schemeClr val="accent1">
+                            <a:lumMod val="45000"/>
+                            <a:lumOff val="55000"/>
+                          </a:schemeClr>
+                        </a:gs>
+                        <a:gs pos="83000">
+                          <a:schemeClr val="accent1">
+                            <a:lumMod val="45000"/>
+                            <a:lumOff val="55000"/>
+                          </a:schemeClr>
+                        </a:gs>
+                        <a:gs pos="100000">
+                          <a:schemeClr val="accent1">
+                            <a:lumMod val="30000"/>
+                            <a:lumOff val="70000"/>
+                          </a:schemeClr>
+                        </a:gs>
+                      </a:gsLst>
+                      <a:lin ang="5400000" scaled="1"/>
+                    </a:gradFill>
+                  </a:tcPr>
+                </a:tc>
+                <a:tc>
+                  <a:txBody>
+                    <a:bodyPr/>
+                    <a:lstStyle/>
+                    <a:p>
+                      <a:pPr algn="ctr" fontAlgn="b"/>
+                      <a:r>
+                        <a:rPr lang="en-IN" sz="1600" u="none" strike="noStrike">
+                          <a:effectLst/>
+                        </a:rPr>
+                        <a:t>325</a:t>
+                      </a:r>
+                      <a:endParaRPr lang="en-IN" sz="1600" b="0" i="0" u="none" strike="noStrike">
+                        <a:solidFill>
+                          <a:srgbClr val="000000"/>
+                        </a:solidFill>
+                        <a:effectLst/>
+                        <a:latin typeface="Calibri" panose="020F0502020204030204" pitchFamily="34" charset="0"/>
+                      </a:endParaRPr>
+                    </a:p>
+                  </a:txBody>
+                  <a:tcPr marL="7620" marR="7620" marT="7620" marB="0" anchor="b">
+                    <a:gradFill>
+                      <a:gsLst>
+                        <a:gs pos="0">
+                          <a:schemeClr val="accent1">
+                            <a:lumMod val="5000"/>
+                            <a:lumOff val="95000"/>
+                          </a:schemeClr>
+                        </a:gs>
+                        <a:gs pos="74000">
+                          <a:schemeClr val="accent1">
+                            <a:lumMod val="45000"/>
+                            <a:lumOff val="55000"/>
+                          </a:schemeClr>
+                        </a:gs>
+                        <a:gs pos="83000">
+                          <a:schemeClr val="accent1">
+                            <a:lumMod val="45000"/>
+                            <a:lumOff val="55000"/>
+                          </a:schemeClr>
+                        </a:gs>
+                        <a:gs pos="100000">
+                          <a:schemeClr val="accent1">
+                            <a:lumMod val="30000"/>
+                            <a:lumOff val="70000"/>
+                          </a:schemeClr>
+                        </a:gs>
+                      </a:gsLst>
+                      <a:lin ang="5400000" scaled="1"/>
+                    </a:gradFill>
+                  </a:tcPr>
+                </a:tc>
+                <a:extLst>
+                  <a:ext uri="{0D108BD9-81ED-4DB2-BD59-A6C34878D82A}">
+                    <a16:rowId xmlns:a16="http://schemas.microsoft.com/office/drawing/2014/main" val="1167183444"/>
+                  </a:ext>
+                </a:extLst>
+              </a:tr>
+              <a:tr h="260843">
+                <a:tc>
+                  <a:txBody>
+                    <a:bodyPr/>
+                    <a:lstStyle/>
+                    <a:p>
+                      <a:pPr algn="ctr" fontAlgn="b"/>
+                      <a:r>
+                        <a:rPr lang="en-IN" sz="1600" u="none" strike="noStrike">
+                          <a:effectLst/>
+                        </a:rPr>
+                        <a:t>95001-100000</a:t>
+                      </a:r>
+                      <a:endParaRPr lang="en-IN" sz="1600" b="0" i="0" u="none" strike="noStrike">
+                        <a:solidFill>
+                          <a:srgbClr val="000000"/>
+                        </a:solidFill>
+                        <a:effectLst/>
+                        <a:latin typeface="Calibri" panose="020F0502020204030204" pitchFamily="34" charset="0"/>
+                      </a:endParaRPr>
+                    </a:p>
+                  </a:txBody>
+                  <a:tcPr marL="7620" marR="7620" marT="7620" marB="0" anchor="b">
+                    <a:gradFill>
+                      <a:gsLst>
+                        <a:gs pos="0">
+                          <a:schemeClr val="accent1">
+                            <a:lumMod val="5000"/>
+                            <a:lumOff val="95000"/>
+                          </a:schemeClr>
+                        </a:gs>
+                        <a:gs pos="74000">
+                          <a:schemeClr val="accent1">
+                            <a:lumMod val="45000"/>
+                            <a:lumOff val="55000"/>
+                          </a:schemeClr>
+                        </a:gs>
+                        <a:gs pos="83000">
+                          <a:schemeClr val="accent1">
+                            <a:lumMod val="45000"/>
+                            <a:lumOff val="55000"/>
+                          </a:schemeClr>
+                        </a:gs>
+                        <a:gs pos="100000">
+                          <a:schemeClr val="accent1">
+                            <a:lumMod val="30000"/>
+                            <a:lumOff val="70000"/>
+                          </a:schemeClr>
+                        </a:gs>
+                      </a:gsLst>
+                      <a:lin ang="5400000" scaled="1"/>
+                    </a:gradFill>
+                  </a:tcPr>
+                </a:tc>
+                <a:tc>
+                  <a:txBody>
+                    <a:bodyPr/>
+                    <a:lstStyle/>
+                    <a:p>
+                      <a:pPr algn="ctr" fontAlgn="b"/>
+                      <a:r>
+                        <a:rPr lang="en-IN" sz="1600" u="none" strike="noStrike">
+                          <a:effectLst/>
+                        </a:rPr>
+                        <a:t>334</a:t>
+                      </a:r>
+                      <a:endParaRPr lang="en-IN" sz="1600" b="0" i="0" u="none" strike="noStrike">
+                        <a:solidFill>
+                          <a:srgbClr val="000000"/>
+                        </a:solidFill>
+                        <a:effectLst/>
+                        <a:latin typeface="Calibri" panose="020F0502020204030204" pitchFamily="34" charset="0"/>
+                      </a:endParaRPr>
+                    </a:p>
+                  </a:txBody>
+                  <a:tcPr marL="7620" marR="7620" marT="7620" marB="0" anchor="b">
+                    <a:gradFill>
+                      <a:gsLst>
+                        <a:gs pos="0">
+                          <a:schemeClr val="accent1">
+                            <a:lumMod val="5000"/>
+                            <a:lumOff val="95000"/>
+                          </a:schemeClr>
+                        </a:gs>
+                        <a:gs pos="74000">
+                          <a:schemeClr val="accent1">
+                            <a:lumMod val="45000"/>
+                            <a:lumOff val="55000"/>
+                          </a:schemeClr>
+                        </a:gs>
+                        <a:gs pos="83000">
+                          <a:schemeClr val="accent1">
+                            <a:lumMod val="45000"/>
+                            <a:lumOff val="55000"/>
+                          </a:schemeClr>
+                        </a:gs>
+                        <a:gs pos="100000">
+                          <a:schemeClr val="accent1">
+                            <a:lumMod val="30000"/>
+                            <a:lumOff val="70000"/>
+                          </a:schemeClr>
+                        </a:gs>
+                      </a:gsLst>
+                      <a:lin ang="5400000" scaled="1"/>
+                    </a:gradFill>
+                  </a:tcPr>
+                </a:tc>
+                <a:extLst>
+                  <a:ext uri="{0D108BD9-81ED-4DB2-BD59-A6C34878D82A}">
+                    <a16:rowId xmlns:a16="http://schemas.microsoft.com/office/drawing/2014/main" val="199465328"/>
+                  </a:ext>
+                </a:extLst>
+              </a:tr>
+              <a:tr h="260843">
+                <a:tc>
+                  <a:txBody>
+                    <a:bodyPr/>
+                    <a:lstStyle/>
+                    <a:p>
+                      <a:pPr algn="ctr" fontAlgn="b"/>
+                      <a:r>
+                        <a:rPr lang="en-IN" sz="1600" b="1" u="none" strike="noStrike" dirty="0">
+                          <a:effectLst/>
+                        </a:rPr>
+                        <a:t>Grand Total</a:t>
+                      </a:r>
+                      <a:endParaRPr lang="en-IN" sz="1600" b="1" i="0" u="none" strike="noStrike" dirty="0">
+                        <a:solidFill>
+                          <a:srgbClr val="000000"/>
+                        </a:solidFill>
+                        <a:effectLst/>
+                        <a:latin typeface="Calibri" panose="020F0502020204030204" pitchFamily="34" charset="0"/>
+                      </a:endParaRPr>
+                    </a:p>
+                  </a:txBody>
+                  <a:tcPr marL="7620" marR="7620" marT="7620" marB="0" anchor="b">
+                    <a:gradFill>
+                      <a:gsLst>
+                        <a:gs pos="0">
+                          <a:schemeClr val="accent1">
+                            <a:lumMod val="5000"/>
+                            <a:lumOff val="95000"/>
+                          </a:schemeClr>
+                        </a:gs>
+                        <a:gs pos="74000">
+                          <a:schemeClr val="accent1">
+                            <a:lumMod val="45000"/>
+                            <a:lumOff val="55000"/>
+                          </a:schemeClr>
+                        </a:gs>
+                        <a:gs pos="83000">
+                          <a:schemeClr val="accent1">
+                            <a:lumMod val="45000"/>
+                            <a:lumOff val="55000"/>
+                          </a:schemeClr>
+                        </a:gs>
+                        <a:gs pos="100000">
+                          <a:schemeClr val="accent1">
+                            <a:lumMod val="30000"/>
+                            <a:lumOff val="70000"/>
+                          </a:schemeClr>
+                        </a:gs>
+                      </a:gsLst>
+                      <a:lin ang="5400000" scaled="1"/>
+                    </a:gradFill>
+                  </a:tcPr>
+                </a:tc>
+                <a:tc>
+                  <a:txBody>
+                    <a:bodyPr/>
+                    <a:lstStyle/>
+                    <a:p>
+                      <a:pPr algn="ctr" fontAlgn="b"/>
+                      <a:r>
+                        <a:rPr lang="en-IN" sz="1600" b="1" u="none" strike="noStrike" dirty="0">
+                          <a:effectLst/>
+                        </a:rPr>
+                        <a:t>7163</a:t>
+                      </a:r>
+                      <a:endParaRPr lang="en-IN" sz="1600" b="1" i="0" u="none" strike="noStrike" dirty="0">
+                        <a:solidFill>
+                          <a:srgbClr val="000000"/>
+                        </a:solidFill>
+                        <a:effectLst/>
+                        <a:latin typeface="Calibri" panose="020F0502020204030204" pitchFamily="34" charset="0"/>
+                      </a:endParaRPr>
+                    </a:p>
+                  </a:txBody>
+                  <a:tcPr marL="7620" marR="7620" marT="7620" marB="0" anchor="b">
+                    <a:gradFill>
+                      <a:gsLst>
+                        <a:gs pos="0">
+                          <a:schemeClr val="accent1">
+                            <a:lumMod val="5000"/>
+                            <a:lumOff val="95000"/>
+                          </a:schemeClr>
+                        </a:gs>
+                        <a:gs pos="74000">
+                          <a:schemeClr val="accent1">
+                            <a:lumMod val="45000"/>
+                            <a:lumOff val="55000"/>
+                          </a:schemeClr>
+                        </a:gs>
+                        <a:gs pos="83000">
+                          <a:schemeClr val="accent1">
+                            <a:lumMod val="45000"/>
+                            <a:lumOff val="55000"/>
+                          </a:schemeClr>
+                        </a:gs>
+                        <a:gs pos="100000">
+                          <a:schemeClr val="accent1">
+                            <a:lumMod val="30000"/>
+                            <a:lumOff val="70000"/>
+                          </a:schemeClr>
+                        </a:gs>
+                      </a:gsLst>
+                      <a:lin ang="5400000" scaled="1"/>
+                    </a:gradFill>
+                  </a:tcPr>
+                </a:tc>
+                <a:extLst>
+                  <a:ext uri="{0D108BD9-81ED-4DB2-BD59-A6C34878D82A}">
+                    <a16:rowId xmlns:a16="http://schemas.microsoft.com/office/drawing/2014/main" val="4123732028"/>
+                  </a:ext>
+                </a:extLst>
+              </a:tr>
+            </a:tbl>
+          </a:graphicData>
+        </a:graphic>
+      </p:graphicFrame>
+    </p:spTree>
+    <p:extLst>
+      <p:ext uri="{BB962C8B-B14F-4D97-AF65-F5344CB8AC3E}">
+        <p14:creationId xmlns:p14="http://schemas.microsoft.com/office/powerpoint/2010/main" val="2620203032"/>
+      </p:ext>
+    </p:extLst>
+  </p:cSld>
+  <p:clrMapOvr>
+    <a:masterClrMapping/>
+  </p:clrMapOvr>
+</p:sld>
+</file>
+
+<file path=ppt/slides/slide14.xml><?xml version="1.0" encoding="utf-8"?>
+<p:sld xmlns:a="http://schemas.openxmlformats.org/drawingml/2006/main" xmlns:r="http://schemas.openxmlformats.org/officeDocument/2006/relationships" xmlns:p="http://schemas.openxmlformats.org/presentationml/2006/main">
+  <p:cSld>
+    <p:spTree>
+      <p:nvGrpSpPr>
+        <p:cNvPr id="1" name=""/>
+        <p:cNvGrpSpPr/>
+        <p:nvPr/>
+      </p:nvGrpSpPr>
+      <p:grpSpPr>
+        <a:xfrm>
+          <a:off x="0" y="0"/>
+          <a:ext cx="0" cy="0"/>
+          <a:chOff x="0" y="0"/>
+          <a:chExt cx="0" cy="0"/>
+        </a:xfrm>
+      </p:grpSpPr>
+      <p:sp>
+        <p:nvSpPr>
+          <p:cNvPr id="6" name="Rectangle 5">
+            <a:extLst>
+              <a:ext uri="{FF2B5EF4-FFF2-40B4-BE49-F238E27FC236}">
+                <a16:creationId xmlns:a16="http://schemas.microsoft.com/office/drawing/2014/main" id="{C1F076FB-8F7F-3119-0F15-4A9EFE7EE5F1}"/>
+              </a:ext>
+            </a:extLst>
+          </p:cNvPr>
+          <p:cNvSpPr/>
+          <p:nvPr/>
+        </p:nvSpPr>
+        <p:spPr>
+          <a:xfrm>
+            <a:off x="3930977" y="82189"/>
+            <a:ext cx="4345757" cy="493652"/>
+          </a:xfrm>
+          <a:prstGeom prst="rect">
+            <a:avLst/>
+          </a:prstGeom>
+          <a:solidFill>
+            <a:srgbClr val="F5CDCE"/>
+          </a:solidFill>
+          <a:scene3d>
+            <a:camera prst="orthographicFront"/>
+            <a:lightRig rig="threePt" dir="t"/>
+          </a:scene3d>
+          <a:sp3d>
+            <a:bevelT w="165100" prst="coolSlant"/>
+          </a:sp3d>
+        </p:spPr>
+        <p:style>
+          <a:lnRef idx="2">
+            <a:schemeClr val="accent1">
+              <a:shade val="15000"/>
+            </a:schemeClr>
+          </a:lnRef>
+          <a:fillRef idx="1">
+            <a:schemeClr val="accent1"/>
+          </a:fillRef>
+          <a:effectRef idx="0">
+            <a:schemeClr val="accent1"/>
+          </a:effectRef>
+          <a:fontRef idx="minor">
+            <a:schemeClr val="lt1"/>
+          </a:fontRef>
+        </p:style>
+        <p:txBody>
+          <a:bodyPr rtlCol="0" anchor="ctr"/>
+          <a:lstStyle/>
+          <a:p>
+            <a:pPr algn="ctr"/>
+            <a:endParaRPr lang="en-IN"/>
+          </a:p>
+        </p:txBody>
+      </p:sp>
+      <p:sp>
+        <p:nvSpPr>
+          <p:cNvPr id="5" name="Slide Number Placeholder 4">
+            <a:extLst>
+              <a:ext uri="{FF2B5EF4-FFF2-40B4-BE49-F238E27FC236}">
+                <a16:creationId xmlns:a16="http://schemas.microsoft.com/office/drawing/2014/main" id="{8F7B6822-5084-6171-ECBD-CA814C69D183}"/>
+              </a:ext>
+            </a:extLst>
+          </p:cNvPr>
+          <p:cNvSpPr>
+            <a:spLocks noGrp="1"/>
+          </p:cNvSpPr>
+          <p:nvPr>
+            <p:ph type="sldNum" sz="quarter" idx="12"/>
+          </p:nvPr>
+        </p:nvSpPr>
+        <p:spPr/>
+        <p:txBody>
+          <a:bodyPr/>
+          <a:lstStyle/>
+          <a:p>
+            <a:fld id="{48F63A3B-78C7-47BE-AE5E-E10140E04643}" type="slidenum">
+              <a:rPr lang="en-US" smtClean="0"/>
+              <a:t>14</a:t>
+            </a:fld>
+            <a:endParaRPr lang="en-US" dirty="0"/>
+          </a:p>
+        </p:txBody>
+      </p:sp>
+      <p:sp>
+        <p:nvSpPr>
+          <p:cNvPr id="8" name="Footer Placeholder 3">
+            <a:extLst>
+              <a:ext uri="{FF2B5EF4-FFF2-40B4-BE49-F238E27FC236}">
+                <a16:creationId xmlns:a16="http://schemas.microsoft.com/office/drawing/2014/main" id="{9F0327CF-462F-CD26-04EC-539F0F589D1E}"/>
+              </a:ext>
+            </a:extLst>
+          </p:cNvPr>
+          <p:cNvSpPr>
+            <a:spLocks noGrp="1"/>
+          </p:cNvSpPr>
+          <p:nvPr>
+            <p:ph type="ftr" sz="quarter" idx="11"/>
+          </p:nvPr>
+        </p:nvSpPr>
+        <p:spPr>
+          <a:xfrm>
+            <a:off x="4036453" y="208285"/>
+            <a:ext cx="4565431" cy="220521"/>
+          </a:xfrm>
+        </p:spPr>
+        <p:txBody>
+          <a:bodyPr/>
+          <a:lstStyle/>
+          <a:p>
+            <a:r>
+              <a:rPr lang="en-US" sz="3000" b="1" dirty="0">
+                <a:latin typeface="+mj-lt"/>
+              </a:rPr>
+              <a:t>Salary Distribution</a:t>
+            </a:r>
+          </a:p>
+        </p:txBody>
+      </p:sp>
+      <p:pic>
+        <p:nvPicPr>
+          <p:cNvPr id="3" name="Picture 2" descr="A graph with numbers and a number&#10;&#10;Description automatically generated">
+            <a:extLst>
+              <a:ext uri="{FF2B5EF4-FFF2-40B4-BE49-F238E27FC236}">
+                <a16:creationId xmlns:a16="http://schemas.microsoft.com/office/drawing/2014/main" id="{A75C2081-99D6-5D03-C340-260F34CF1640}"/>
+              </a:ext>
+            </a:extLst>
+          </p:cNvPr>
+          <p:cNvPicPr>
+            <a:picLocks noChangeAspect="1"/>
+          </p:cNvPicPr>
+          <p:nvPr/>
+        </p:nvPicPr>
+        <p:blipFill>
+          <a:blip r:embed="rId2"/>
+          <a:stretch>
+            <a:fillRect/>
+          </a:stretch>
+        </p:blipFill>
+        <p:spPr>
+          <a:xfrm>
+            <a:off x="604948" y="1288165"/>
+            <a:ext cx="10997814" cy="4408362"/>
+          </a:xfrm>
+          <a:prstGeom prst="rect">
+            <a:avLst/>
+          </a:prstGeom>
+        </p:spPr>
+      </p:pic>
+    </p:spTree>
+    <p:extLst>
+      <p:ext uri="{BB962C8B-B14F-4D97-AF65-F5344CB8AC3E}">
+        <p14:creationId xmlns:p14="http://schemas.microsoft.com/office/powerpoint/2010/main" val="3639654801"/>
+      </p:ext>
+    </p:extLst>
+  </p:cSld>
+  <p:clrMapOvr>
+    <a:masterClrMapping/>
+  </p:clrMapOvr>
+</p:sld>
+</file>
+
+<file path=ppt/slides/slide15.xml><?xml version="1.0" encoding="utf-8"?>
+<p:sld xmlns:a="http://schemas.openxmlformats.org/drawingml/2006/main" xmlns:r="http://schemas.openxmlformats.org/officeDocument/2006/relationships" xmlns:p="http://schemas.openxmlformats.org/presentationml/2006/main">
+  <p:cSld>
+    <p:spTree>
+      <p:nvGrpSpPr>
+        <p:cNvPr id="1" name=""/>
+        <p:cNvGrpSpPr/>
+        <p:nvPr/>
+      </p:nvGrpSpPr>
+      <p:grpSpPr>
+        <a:xfrm>
+          <a:off x="0" y="0"/>
+          <a:ext cx="0" cy="0"/>
+          <a:chOff x="0" y="0"/>
+          <a:chExt cx="0" cy="0"/>
+        </a:xfrm>
+      </p:grpSpPr>
+      <p:sp>
+        <p:nvSpPr>
+          <p:cNvPr id="9" name="Rectangle: Rounded Corners 8">
+            <a:extLst>
+              <a:ext uri="{FF2B5EF4-FFF2-40B4-BE49-F238E27FC236}">
+                <a16:creationId xmlns:a16="http://schemas.microsoft.com/office/drawing/2014/main" id="{D380A986-279D-C545-4515-B15CD0B22D6C}"/>
+              </a:ext>
+            </a:extLst>
+          </p:cNvPr>
+          <p:cNvSpPr/>
+          <p:nvPr/>
+        </p:nvSpPr>
+        <p:spPr>
+          <a:xfrm>
+            <a:off x="595143" y="3765966"/>
+            <a:ext cx="11004540" cy="1166321"/>
           </a:xfrm>
           <a:prstGeom prst="roundRect">
             <a:avLst/>
@@ -25756,176 +29417,302 @@
           </a:fontRef>
         </p:style>
         <p:txBody>
-          <a:bodyPr rtlCol="0" anchor="ctr"/>
+          <a:bodyPr numCol="2" rtlCol="0" anchor="ctr"/>
           <a:lstStyle/>
           <a:p>
-            <a:pPr algn="just"/>
-            <a:endParaRPr lang="en-IN" dirty="0">
-              <a:solidFill>
-                <a:srgbClr val="202C8F"/>
-              </a:solidFill>
-            </a:endParaRPr>
+            <a:endParaRPr lang="en-IN" dirty="0"/>
           </a:p>
         </p:txBody>
       </p:sp>
       <p:sp>
         <p:nvSpPr>
-          <p:cNvPr id="10" name="TextBox 9">
+          <p:cNvPr id="7" name="Rectangle 6">
             <a:extLst>
               <a:ext uri="{FF2B5EF4-FFF2-40B4-BE49-F238E27FC236}">
-                <a16:creationId xmlns:a16="http://schemas.microsoft.com/office/drawing/2014/main" id="{42E07593-0F8D-90BE-5E8E-3609076B7CCC}"/>
+                <a16:creationId xmlns:a16="http://schemas.microsoft.com/office/drawing/2014/main" id="{9188DFD6-2733-9425-D029-39399B4E550D}"/>
               </a:ext>
             </a:extLst>
           </p:cNvPr>
-          <p:cNvSpPr txBox="1"/>
+          <p:cNvSpPr/>
           <p:nvPr/>
         </p:nvSpPr>
         <p:spPr>
           <a:xfrm>
-            <a:off x="612153" y="3961048"/>
-            <a:ext cx="4492101" cy="369332"/>
+            <a:off x="552722" y="848269"/>
+            <a:ext cx="11242113" cy="795564"/>
           </a:xfrm>
           <a:prstGeom prst="rect">
             <a:avLst/>
           </a:prstGeom>
-          <a:noFill/>
+          <a:solidFill>
+            <a:srgbClr val="AAC4E9"/>
+          </a:solidFill>
         </p:spPr>
+        <p:style>
+          <a:lnRef idx="2">
+            <a:schemeClr val="accent1">
+              <a:shade val="15000"/>
+            </a:schemeClr>
+          </a:lnRef>
+          <a:fillRef idx="1">
+            <a:schemeClr val="accent1"/>
+          </a:fillRef>
+          <a:effectRef idx="0">
+            <a:schemeClr val="accent1"/>
+          </a:effectRef>
+          <a:fontRef idx="minor">
+            <a:schemeClr val="lt1"/>
+          </a:fontRef>
+        </p:style>
         <p:txBody>
-          <a:bodyPr wrap="square" rtlCol="0">
-            <a:spAutoFit/>
-          </a:bodyPr>
+          <a:bodyPr rtlCol="0" anchor="ctr"/>
           <a:lstStyle/>
           <a:p>
-            <a:r>
-              <a:rPr lang="en-US" b="1" u="sng" dirty="0">
-                <a:highlight>
-                  <a:srgbClr val="AAC4E9"/>
-                </a:highlight>
-              </a:rPr>
-              <a:t>Query/Program</a:t>
-            </a:r>
-            <a:r>
-              <a:rPr lang="en-IN" b="1" u="sng" dirty="0">
-                <a:highlight>
-                  <a:srgbClr val="AAC4E9"/>
-                </a:highlight>
-              </a:rPr>
-              <a:t> :</a:t>
-            </a:r>
+            <a:pPr algn="ctr"/>
+            <a:endParaRPr lang="en-IN" dirty="0"/>
           </a:p>
         </p:txBody>
       </p:sp>
       <p:sp>
         <p:nvSpPr>
-          <p:cNvPr id="12" name="TextBox 11">
+          <p:cNvPr id="2" name="Title 1">
             <a:extLst>
               <a:ext uri="{FF2B5EF4-FFF2-40B4-BE49-F238E27FC236}">
-                <a16:creationId xmlns:a16="http://schemas.microsoft.com/office/drawing/2014/main" id="{DF1172C6-2773-1215-C236-E0CB7113BEBE}"/>
+                <a16:creationId xmlns:a16="http://schemas.microsoft.com/office/drawing/2014/main" id="{B4B3367A-E398-B7CE-074D-4A6E1F9F17E6}"/>
               </a:ext>
             </a:extLst>
           </p:cNvPr>
-          <p:cNvSpPr txBox="1"/>
+          <p:cNvSpPr>
+            <a:spLocks noGrp="1"/>
+          </p:cNvSpPr>
+          <p:nvPr>
+            <p:ph type="title"/>
+          </p:nvPr>
+        </p:nvSpPr>
+        <p:spPr>
+          <a:xfrm>
+            <a:off x="628136" y="804450"/>
+            <a:ext cx="11380197" cy="789238"/>
+          </a:xfrm>
+        </p:spPr>
+        <p:txBody>
+          <a:bodyPr/>
+          <a:lstStyle/>
+          <a:p>
+            <a:pPr algn="l"/>
+            <a:r>
+              <a:rPr lang="en-US" sz="2000" u="sng" dirty="0">
+                <a:solidFill>
+                  <a:srgbClr val="DF8C8C"/>
+                </a:solidFill>
+              </a:rPr>
+              <a:t>Departmental Analysis</a:t>
+            </a:r>
+            <a:r>
+              <a:rPr kumimoji="0" lang="en-US" sz="2000" b="1" i="0" u="sng" strike="noStrike" kern="1200" cap="all" spc="0" normalizeH="0" baseline="0" noProof="0" dirty="0">
+                <a:ln>
+                  <a:noFill/>
+                </a:ln>
+                <a:solidFill>
+                  <a:srgbClr val="DF8C8C"/>
+                </a:solidFill>
+                <a:effectLst/>
+                <a:uLnTx/>
+                <a:uFillTx/>
+                <a:latin typeface="Arial Black"/>
+                <a:ea typeface="+mj-ea"/>
+                <a:cs typeface="+mj-cs"/>
+              </a:rPr>
+              <a:t>: </a:t>
+            </a:r>
+            <a:r>
+              <a:rPr lang="en-US" sz="1600" b="0" dirty="0">
+                <a:solidFill>
+                  <a:srgbClr val="000000">
+                    <a:lumMod val="85000"/>
+                    <a:lumOff val="15000"/>
+                  </a:srgbClr>
+                </a:solidFill>
+                <a:latin typeface="Arial Black"/>
+              </a:rPr>
+              <a:t>Visualizing data through charts and plots is a crucial part of data analysis. Use a pie chart, bar graph, or any other suitable visualization to show the proportion of people working in different departments.</a:t>
+            </a:r>
+            <a:endParaRPr lang="en-IN" sz="2000" dirty="0">
+              <a:solidFill>
+                <a:srgbClr val="00B0F0"/>
+              </a:solidFill>
+            </a:endParaRPr>
+          </a:p>
+        </p:txBody>
+      </p:sp>
+      <p:sp>
+        <p:nvSpPr>
+          <p:cNvPr id="3" name="Content Placeholder 2">
+            <a:extLst>
+              <a:ext uri="{FF2B5EF4-FFF2-40B4-BE49-F238E27FC236}">
+                <a16:creationId xmlns:a16="http://schemas.microsoft.com/office/drawing/2014/main" id="{14040B9D-6C90-E727-B66B-09BC523F9813}"/>
+              </a:ext>
+            </a:extLst>
+          </p:cNvPr>
+          <p:cNvSpPr>
+            <a:spLocks noGrp="1"/>
+          </p:cNvSpPr>
+          <p:nvPr>
+            <p:ph sz="half" idx="1"/>
+          </p:nvPr>
+        </p:nvSpPr>
+        <p:spPr>
+          <a:xfrm>
+            <a:off x="628136" y="1828847"/>
+            <a:ext cx="10929126" cy="1600153"/>
+          </a:xfrm>
+        </p:spPr>
+        <p:txBody>
+          <a:bodyPr/>
+          <a:lstStyle/>
+          <a:p>
+            <a:r>
+              <a:rPr lang="en-US" sz="2000" dirty="0"/>
+              <a:t>Steps to perform departmental analysis: </a:t>
+            </a:r>
+          </a:p>
+          <a:p>
+            <a:pPr marL="0" indent="0">
+              <a:buNone/>
+            </a:pPr>
+            <a:r>
+              <a:rPr lang="en-US" sz="2000" dirty="0"/>
+              <a:t>	Step 1) I have selected “application id” and “Department” columns from the entire data.</a:t>
+            </a:r>
+          </a:p>
+          <a:p>
+            <a:pPr marL="0" indent="0">
+              <a:buNone/>
+            </a:pPr>
+            <a:r>
+              <a:rPr lang="en-US" sz="2000" dirty="0"/>
+              <a:t>	Step 2) Then by selecting those columns created pivot table.</a:t>
+            </a:r>
+          </a:p>
+          <a:p>
+            <a:pPr marL="0" indent="0">
+              <a:buNone/>
+            </a:pPr>
+            <a:r>
+              <a:rPr lang="en-US" sz="2000" dirty="0"/>
+              <a:t>	Step 3) Then grouped salaries by  stepping of 5000.	</a:t>
+            </a:r>
+          </a:p>
+          <a:p>
+            <a:pPr marL="0" indent="0">
+              <a:buNone/>
+            </a:pPr>
+            <a:r>
+              <a:rPr lang="en-US" dirty="0"/>
+              <a:t>	</a:t>
+            </a:r>
+          </a:p>
+          <a:p>
+            <a:pPr marL="0" indent="0">
+              <a:buNone/>
+            </a:pPr>
+            <a:endParaRPr lang="en-US" dirty="0"/>
+          </a:p>
+          <a:p>
+            <a:pPr marL="0" indent="0">
+              <a:buNone/>
+            </a:pPr>
+            <a:endParaRPr lang="en-US" dirty="0"/>
+          </a:p>
+        </p:txBody>
+      </p:sp>
+      <p:sp>
+        <p:nvSpPr>
+          <p:cNvPr id="6" name="Rectangle 5">
+            <a:extLst>
+              <a:ext uri="{FF2B5EF4-FFF2-40B4-BE49-F238E27FC236}">
+                <a16:creationId xmlns:a16="http://schemas.microsoft.com/office/drawing/2014/main" id="{C1F076FB-8F7F-3119-0F15-4A9EFE7EE5F1}"/>
+              </a:ext>
+            </a:extLst>
+          </p:cNvPr>
+          <p:cNvSpPr/>
           <p:nvPr/>
         </p:nvSpPr>
         <p:spPr>
           <a:xfrm>
-            <a:off x="767162" y="4690298"/>
-            <a:ext cx="4492101" cy="1477328"/>
+            <a:off x="3452116" y="155363"/>
+            <a:ext cx="5443321" cy="603673"/>
           </a:xfrm>
           <a:prstGeom prst="rect">
             <a:avLst/>
           </a:prstGeom>
-          <a:noFill/>
+          <a:solidFill>
+            <a:srgbClr val="F5CDCE"/>
+          </a:solidFill>
+          <a:scene3d>
+            <a:camera prst="orthographicFront"/>
+            <a:lightRig rig="threePt" dir="t"/>
+          </a:scene3d>
+          <a:sp3d>
+            <a:bevelT w="165100" prst="coolSlant"/>
+          </a:sp3d>
+        </p:spPr>
+        <p:style>
+          <a:lnRef idx="2">
+            <a:schemeClr val="accent1">
+              <a:shade val="15000"/>
+            </a:schemeClr>
+          </a:lnRef>
+          <a:fillRef idx="1">
+            <a:schemeClr val="accent1"/>
+          </a:fillRef>
+          <a:effectRef idx="0">
+            <a:schemeClr val="accent1"/>
+          </a:effectRef>
+          <a:fontRef idx="minor">
+            <a:schemeClr val="lt1"/>
+          </a:fontRef>
+        </p:style>
+        <p:txBody>
+          <a:bodyPr rtlCol="0" anchor="ctr"/>
+          <a:lstStyle/>
+          <a:p>
+            <a:pPr algn="ctr"/>
+            <a:endParaRPr lang="en-IN"/>
+          </a:p>
+        </p:txBody>
+      </p:sp>
+      <p:sp>
+        <p:nvSpPr>
+          <p:cNvPr id="5" name="Slide Number Placeholder 4">
+            <a:extLst>
+              <a:ext uri="{FF2B5EF4-FFF2-40B4-BE49-F238E27FC236}">
+                <a16:creationId xmlns:a16="http://schemas.microsoft.com/office/drawing/2014/main" id="{8F7B6822-5084-6171-ECBD-CA814C69D183}"/>
+              </a:ext>
+            </a:extLst>
+          </p:cNvPr>
+          <p:cNvSpPr>
+            <a:spLocks noGrp="1"/>
+          </p:cNvSpPr>
+          <p:nvPr>
+            <p:ph type="sldNum" sz="quarter" idx="12"/>
+          </p:nvPr>
+        </p:nvSpPr>
+        <p:spPr>
+          <a:xfrm>
+            <a:off x="11020781" y="316990"/>
+            <a:ext cx="987552" cy="274320"/>
+          </a:xfrm>
         </p:spPr>
         <p:txBody>
-          <a:bodyPr wrap="square" numCol="1" rtlCol="0">
-            <a:spAutoFit/>
-          </a:bodyPr>
+          <a:bodyPr/>
           <a:lstStyle/>
           <a:p>
-            <a:r>
-              <a:rPr lang="en-US" dirty="0">
-                <a:solidFill>
-                  <a:srgbClr val="202C8F"/>
-                </a:solidFill>
-              </a:rPr>
-              <a:t>SELECT </a:t>
-            </a:r>
-          </a:p>
-          <a:p>
-            <a:r>
-              <a:rPr lang="en-US" dirty="0">
-                <a:solidFill>
-                  <a:srgbClr val="202C8F"/>
-                </a:solidFill>
-              </a:rPr>
-              <a:t>    COUNT(</a:t>
-            </a:r>
-            <a:r>
-              <a:rPr lang="en-US" dirty="0" err="1">
-                <a:solidFill>
-                  <a:srgbClr val="202C8F"/>
-                </a:solidFill>
-              </a:rPr>
-              <a:t>job_id</a:t>
-            </a:r>
-            <a:r>
-              <a:rPr lang="en-US" dirty="0">
-                <a:solidFill>
-                  <a:srgbClr val="202C8F"/>
-                </a:solidFill>
-              </a:rPr>
-              <a:t>) / (24 * 30) AS </a:t>
-            </a:r>
-            <a:r>
-              <a:rPr lang="en-US" dirty="0" err="1">
-                <a:solidFill>
-                  <a:srgbClr val="202C8F"/>
-                </a:solidFill>
-              </a:rPr>
-              <a:t>No_of_jobs_reviewed</a:t>
-            </a:r>
-            <a:endParaRPr lang="en-US" dirty="0">
-              <a:solidFill>
-                <a:srgbClr val="202C8F"/>
-              </a:solidFill>
-            </a:endParaRPr>
-          </a:p>
-          <a:p>
-            <a:r>
-              <a:rPr lang="en-US" dirty="0">
-                <a:solidFill>
-                  <a:srgbClr val="202C8F"/>
-                </a:solidFill>
-              </a:rPr>
-              <a:t>FROM</a:t>
-            </a:r>
-          </a:p>
-          <a:p>
-            <a:r>
-              <a:rPr lang="en-US" dirty="0">
-                <a:solidFill>
-                  <a:srgbClr val="202C8F"/>
-                </a:solidFill>
-              </a:rPr>
-              <a:t>    </a:t>
-            </a:r>
-            <a:r>
-              <a:rPr lang="en-US" dirty="0" err="1">
-                <a:solidFill>
-                  <a:srgbClr val="202C8F"/>
-                </a:solidFill>
-              </a:rPr>
-              <a:t>job_data</a:t>
-            </a:r>
-            <a:r>
-              <a:rPr lang="en-US" dirty="0">
-                <a:solidFill>
-                  <a:srgbClr val="202C8F"/>
-                </a:solidFill>
-              </a:rPr>
-              <a:t>;</a:t>
-            </a:r>
+            <a:fld id="{48F63A3B-78C7-47BE-AE5E-E10140E04643}" type="slidenum">
+              <a:rPr lang="en-US" smtClean="0"/>
+              <a:t>15</a:t>
+            </a:fld>
+            <a:endParaRPr lang="en-US" dirty="0"/>
           </a:p>
         </p:txBody>
       </p:sp>
@@ -25947,8 +29734,8 @@
         </p:nvSpPr>
         <p:spPr>
           <a:xfrm>
-            <a:off x="3896142" y="236679"/>
-            <a:ext cx="4565431" cy="220521"/>
+            <a:off x="3507428" y="294130"/>
+            <a:ext cx="5332699" cy="326137"/>
           </a:xfrm>
         </p:spPr>
         <p:txBody>
@@ -25959,209 +29746,154 @@
               <a:rPr lang="en-US" sz="3200" b="1" dirty="0">
                 <a:latin typeface="+mj-lt"/>
               </a:rPr>
-              <a:t>Job Data Analytics</a:t>
+              <a:t>Departmental Analysis</a:t>
             </a:r>
           </a:p>
         </p:txBody>
       </p:sp>
       <p:sp>
         <p:nvSpPr>
-          <p:cNvPr id="11" name="Content Placeholder 2">
+          <p:cNvPr id="4" name="TextBox 3">
             <a:extLst>
               <a:ext uri="{FF2B5EF4-FFF2-40B4-BE49-F238E27FC236}">
-                <a16:creationId xmlns:a16="http://schemas.microsoft.com/office/drawing/2014/main" id="{9A7F18C8-B538-C611-48DC-704C562B0028}"/>
+                <a16:creationId xmlns:a16="http://schemas.microsoft.com/office/drawing/2014/main" id="{08058665-B0C7-C964-53F8-29674D98DF24}"/>
               </a:ext>
             </a:extLst>
           </p:cNvPr>
-          <p:cNvSpPr txBox="1">
-            <a:spLocks/>
-          </p:cNvSpPr>
+          <p:cNvSpPr txBox="1"/>
           <p:nvPr/>
         </p:nvSpPr>
         <p:spPr>
           <a:xfrm>
-            <a:off x="7087747" y="4202223"/>
-            <a:ext cx="11119104" cy="1714173"/>
+            <a:off x="696012" y="3414819"/>
+            <a:ext cx="4630132" cy="400110"/>
           </a:xfrm>
           <a:prstGeom prst="rect">
             <a:avLst/>
           </a:prstGeom>
+          <a:noFill/>
         </p:spPr>
         <p:txBody>
-          <a:bodyPr vert="horz" lIns="91440" tIns="45720" rIns="91440" bIns="45720" rtlCol="0">
-            <a:noAutofit/>
+          <a:bodyPr wrap="square" rtlCol="0">
+            <a:spAutoFit/>
           </a:bodyPr>
-          <a:lstStyle>
-            <a:lvl1pPr marL="347472" indent="-347472" algn="l" defTabSz="914400" rtl="0" eaLnBrk="1" latinLnBrk="0" hangingPunct="1">
-              <a:lnSpc>
-                <a:spcPct val="100000"/>
-              </a:lnSpc>
-              <a:spcBef>
-                <a:spcPts val="360"/>
-              </a:spcBef>
-              <a:buFont typeface="Arial" panose="020B0604020202020204" pitchFamily="34" charset="0"/>
-              <a:buChar char="•"/>
-              <a:defRPr sz="1800" kern="1200">
-                <a:solidFill>
-                  <a:schemeClr val="accent6"/>
-                </a:solidFill>
-                <a:latin typeface="+mn-lt"/>
-                <a:ea typeface="+mn-ea"/>
-                <a:cs typeface="+mn-cs"/>
-              </a:defRPr>
-            </a:lvl1pPr>
-            <a:lvl2pPr marL="685800" indent="-347472" algn="l" defTabSz="914400" rtl="0" eaLnBrk="1" latinLnBrk="0" hangingPunct="1">
-              <a:lnSpc>
-                <a:spcPct val="100000"/>
-              </a:lnSpc>
-              <a:spcBef>
-                <a:spcPts val="360"/>
-              </a:spcBef>
-              <a:buFont typeface="Arial" panose="020B0604020202020204" pitchFamily="34" charset="0"/>
-              <a:buChar char="•"/>
-              <a:defRPr sz="1600" kern="1200">
-                <a:solidFill>
-                  <a:schemeClr val="accent6"/>
-                </a:solidFill>
-                <a:latin typeface="+mn-lt"/>
-                <a:ea typeface="+mn-ea"/>
-                <a:cs typeface="+mn-cs"/>
-              </a:defRPr>
-            </a:lvl2pPr>
-            <a:lvl3pPr marL="1143000" indent="-347472" algn="l" defTabSz="914400" rtl="0" eaLnBrk="1" latinLnBrk="0" hangingPunct="1">
-              <a:lnSpc>
-                <a:spcPct val="100000"/>
-              </a:lnSpc>
-              <a:spcBef>
-                <a:spcPts val="360"/>
-              </a:spcBef>
-              <a:buFont typeface="Arial" panose="020B0604020202020204" pitchFamily="34" charset="0"/>
-              <a:buChar char="•"/>
-              <a:defRPr sz="1400" kern="1200">
-                <a:solidFill>
-                  <a:schemeClr val="accent6"/>
-                </a:solidFill>
-                <a:latin typeface="+mn-lt"/>
-                <a:ea typeface="+mn-ea"/>
-                <a:cs typeface="+mn-cs"/>
-              </a:defRPr>
-            </a:lvl3pPr>
-            <a:lvl4pPr marL="1600200" indent="-347472" algn="l" defTabSz="914400" rtl="0" eaLnBrk="1" latinLnBrk="0" hangingPunct="1">
-              <a:lnSpc>
-                <a:spcPct val="100000"/>
-              </a:lnSpc>
-              <a:spcBef>
-                <a:spcPts val="360"/>
-              </a:spcBef>
-              <a:buFont typeface="Arial" panose="020B0604020202020204" pitchFamily="34" charset="0"/>
-              <a:buChar char="•"/>
-              <a:defRPr sz="1200" kern="1200">
-                <a:solidFill>
-                  <a:schemeClr val="accent6"/>
-                </a:solidFill>
-                <a:latin typeface="+mn-lt"/>
-                <a:ea typeface="+mn-ea"/>
-                <a:cs typeface="+mn-cs"/>
-              </a:defRPr>
-            </a:lvl4pPr>
-            <a:lvl5pPr marL="2057400" indent="-347472" algn="l" defTabSz="914400" rtl="0" eaLnBrk="1" latinLnBrk="0" hangingPunct="1">
-              <a:lnSpc>
-                <a:spcPct val="100000"/>
-              </a:lnSpc>
-              <a:spcBef>
-                <a:spcPts val="360"/>
-              </a:spcBef>
-              <a:buFont typeface="Arial" panose="020B0604020202020204" pitchFamily="34" charset="0"/>
-              <a:buChar char="•"/>
-              <a:defRPr sz="1200" kern="1200">
-                <a:solidFill>
-                  <a:schemeClr val="accent6"/>
-                </a:solidFill>
-                <a:latin typeface="+mn-lt"/>
-                <a:ea typeface="+mn-ea"/>
-                <a:cs typeface="+mn-cs"/>
-              </a:defRPr>
-            </a:lvl5pPr>
-            <a:lvl6pPr marL="2514600" indent="-228600" algn="l" defTabSz="914400" rtl="0" eaLnBrk="1" latinLnBrk="0" hangingPunct="1">
-              <a:lnSpc>
-                <a:spcPct val="90000"/>
-              </a:lnSpc>
-              <a:spcBef>
-                <a:spcPts val="500"/>
-              </a:spcBef>
-              <a:buFont typeface="Arial" panose="020B0604020202020204" pitchFamily="34" charset="0"/>
-              <a:buChar char="•"/>
-              <a:defRPr sz="1800" kern="1200">
-                <a:solidFill>
-                  <a:schemeClr val="tx1"/>
-                </a:solidFill>
-                <a:latin typeface="+mn-lt"/>
-                <a:ea typeface="+mn-ea"/>
-                <a:cs typeface="+mn-cs"/>
-              </a:defRPr>
-            </a:lvl6pPr>
-            <a:lvl7pPr marL="2971800" indent="-228600" algn="l" defTabSz="914400" rtl="0" eaLnBrk="1" latinLnBrk="0" hangingPunct="1">
-              <a:lnSpc>
-                <a:spcPct val="90000"/>
-              </a:lnSpc>
-              <a:spcBef>
-                <a:spcPts val="500"/>
-              </a:spcBef>
-              <a:buFont typeface="Arial" panose="020B0604020202020204" pitchFamily="34" charset="0"/>
-              <a:buChar char="•"/>
-              <a:defRPr sz="1800" kern="1200">
-                <a:solidFill>
-                  <a:schemeClr val="tx1"/>
-                </a:solidFill>
-                <a:latin typeface="+mn-lt"/>
-                <a:ea typeface="+mn-ea"/>
-                <a:cs typeface="+mn-cs"/>
-              </a:defRPr>
-            </a:lvl7pPr>
-            <a:lvl8pPr marL="3429000" indent="-228600" algn="l" defTabSz="914400" rtl="0" eaLnBrk="1" latinLnBrk="0" hangingPunct="1">
-              <a:lnSpc>
-                <a:spcPct val="90000"/>
-              </a:lnSpc>
-              <a:spcBef>
-                <a:spcPts val="500"/>
-              </a:spcBef>
-              <a:buFont typeface="Arial" panose="020B0604020202020204" pitchFamily="34" charset="0"/>
-              <a:buChar char="•"/>
-              <a:defRPr sz="1800" kern="1200">
-                <a:solidFill>
-                  <a:schemeClr val="tx1"/>
-                </a:solidFill>
-                <a:latin typeface="+mn-lt"/>
-                <a:ea typeface="+mn-ea"/>
-                <a:cs typeface="+mn-cs"/>
-              </a:defRPr>
-            </a:lvl8pPr>
-            <a:lvl9pPr marL="3886200" indent="-228600" algn="l" defTabSz="914400" rtl="0" eaLnBrk="1" latinLnBrk="0" hangingPunct="1">
-              <a:lnSpc>
-                <a:spcPct val="90000"/>
-              </a:lnSpc>
-              <a:spcBef>
-                <a:spcPts val="500"/>
-              </a:spcBef>
-              <a:buFont typeface="Arial" panose="020B0604020202020204" pitchFamily="34" charset="0"/>
-              <a:buChar char="•"/>
-              <a:defRPr sz="1800" kern="1200">
-                <a:solidFill>
-                  <a:schemeClr val="tx1"/>
-                </a:solidFill>
-                <a:latin typeface="+mn-lt"/>
-                <a:ea typeface="+mn-ea"/>
-                <a:cs typeface="+mn-cs"/>
-              </a:defRPr>
-            </a:lvl9pPr>
-          </a:lstStyle>
+          <a:lstStyle/>
+          <a:p>
+            <a:r>
+              <a:rPr lang="en-IN" sz="2000" b="1" u="sng" dirty="0">
+                <a:highlight>
+                  <a:srgbClr val="AAC4E9"/>
+                </a:highlight>
+              </a:rPr>
+              <a:t>Excel Formula :</a:t>
+            </a:r>
+          </a:p>
+        </p:txBody>
+      </p:sp>
+      <p:cxnSp>
+        <p:nvCxnSpPr>
+          <p:cNvPr id="11" name="Connector: Elbow 10">
+            <a:extLst>
+              <a:ext uri="{FF2B5EF4-FFF2-40B4-BE49-F238E27FC236}">
+                <a16:creationId xmlns:a16="http://schemas.microsoft.com/office/drawing/2014/main" id="{E9030336-349E-3F34-2142-DEA7E5410BD1}"/>
+              </a:ext>
+            </a:extLst>
+          </p:cNvPr>
+          <p:cNvCxnSpPr/>
+          <p:nvPr/>
+        </p:nvCxnSpPr>
+        <p:spPr>
+          <a:xfrm>
+            <a:off x="1743959" y="3756322"/>
+            <a:ext cx="914400" cy="914400"/>
+          </a:xfrm>
+          <a:prstGeom prst="bentConnector3">
+            <a:avLst/>
+          </a:prstGeom>
+        </p:spPr>
+        <p:style>
+          <a:lnRef idx="1">
+            <a:schemeClr val="accent1"/>
+          </a:lnRef>
+          <a:fillRef idx="0">
+            <a:schemeClr val="accent1"/>
+          </a:fillRef>
+          <a:effectRef idx="0">
+            <a:schemeClr val="accent1"/>
+          </a:effectRef>
+          <a:fontRef idx="minor">
+            <a:schemeClr val="tx1"/>
+          </a:fontRef>
+        </p:style>
+      </p:cxnSp>
+      <p:sp>
+        <p:nvSpPr>
+          <p:cNvPr id="12" name="TextBox 11">
+            <a:extLst>
+              <a:ext uri="{FF2B5EF4-FFF2-40B4-BE49-F238E27FC236}">
+                <a16:creationId xmlns:a16="http://schemas.microsoft.com/office/drawing/2014/main" id="{5CA46714-57DC-1B3D-18DC-AA5E43DA95DC}"/>
+              </a:ext>
+            </a:extLst>
+          </p:cNvPr>
+          <p:cNvSpPr txBox="1"/>
+          <p:nvPr/>
+        </p:nvSpPr>
+        <p:spPr>
+          <a:xfrm>
+            <a:off x="1743959" y="4089377"/>
+            <a:ext cx="8484124" cy="461665"/>
+          </a:xfrm>
+          <a:prstGeom prst="rect">
+            <a:avLst/>
+          </a:prstGeom>
+          <a:noFill/>
+        </p:spPr>
+        <p:txBody>
+          <a:bodyPr wrap="square" rtlCol="0">
+            <a:spAutoFit/>
+          </a:bodyPr>
+          <a:lstStyle/>
+          <a:p>
+            <a:r>
+              <a:rPr lang="en-IN" sz="2400" b="1" dirty="0"/>
+              <a:t>=AVERAGE(G2:G7164)</a:t>
+            </a:r>
+          </a:p>
+        </p:txBody>
+      </p:sp>
+      <p:sp>
+        <p:nvSpPr>
+          <p:cNvPr id="13" name="TextBox 12">
+            <a:extLst>
+              <a:ext uri="{FF2B5EF4-FFF2-40B4-BE49-F238E27FC236}">
+                <a16:creationId xmlns:a16="http://schemas.microsoft.com/office/drawing/2014/main" id="{F5197376-EDE3-BBF4-F88D-A726254433D5}"/>
+              </a:ext>
+            </a:extLst>
+          </p:cNvPr>
+          <p:cNvSpPr txBox="1"/>
+          <p:nvPr/>
+        </p:nvSpPr>
+        <p:spPr>
+          <a:xfrm>
+            <a:off x="696012" y="5254491"/>
+            <a:ext cx="5297661" cy="400110"/>
+          </a:xfrm>
+          <a:prstGeom prst="rect">
+            <a:avLst/>
+          </a:prstGeom>
+          <a:noFill/>
+        </p:spPr>
+        <p:txBody>
+          <a:bodyPr wrap="square" rtlCol="0">
+            <a:spAutoFit/>
+          </a:bodyPr>
+          <a:lstStyle/>
           <a:p>
             <a:pPr marL="0" indent="0">
-              <a:buFont typeface="Arial" panose="020B0604020202020204" pitchFamily="34" charset="0"/>
               <a:buNone/>
             </a:pPr>
             <a:r>
-              <a:rPr lang="en-US" sz="2200" b="1" u="sng" dirty="0">
+              <a:rPr lang="en-US" sz="2000" b="1" u="sng" dirty="0">
                 <a:solidFill>
                   <a:schemeClr val="tx1"/>
                 </a:solidFill>
@@ -26169,41 +29901,28 @@
                   <a:srgbClr val="AAC4E9"/>
                 </a:highlight>
               </a:rPr>
-              <a:t>Output/Result Table :</a:t>
-            </a:r>
-          </a:p>
-          <a:p>
-            <a:pPr marL="0" indent="0">
-              <a:buFont typeface="Arial" panose="020B0604020202020204" pitchFamily="34" charset="0"/>
-              <a:buNone/>
-            </a:pPr>
-            <a:endParaRPr lang="en-US" dirty="0"/>
+              <a:t>Output/Result :</a:t>
+            </a:r>
           </a:p>
         </p:txBody>
       </p:sp>
       <p:graphicFrame>
         <p:nvGraphicFramePr>
-          <p:cNvPr id="13" name="Table 13">
+          <p:cNvPr id="14" name="Table 14">
             <a:extLst>
               <a:ext uri="{FF2B5EF4-FFF2-40B4-BE49-F238E27FC236}">
-                <a16:creationId xmlns:a16="http://schemas.microsoft.com/office/drawing/2014/main" id="{FAD57E59-0114-92B8-37C2-3D6334A4156B}"/>
+                <a16:creationId xmlns:a16="http://schemas.microsoft.com/office/drawing/2014/main" id="{32D26F5E-A010-C7A1-4692-2D9F392102F0}"/>
               </a:ext>
             </a:extLst>
           </p:cNvPr>
           <p:cNvGraphicFramePr>
             <a:graphicFrameLocks noGrp="1"/>
           </p:cNvGraphicFramePr>
-          <p:nvPr>
-            <p:extLst>
-              <p:ext uri="{D42A27DB-BD31-4B8C-83A1-F6EECF244321}">
-                <p14:modId xmlns:p14="http://schemas.microsoft.com/office/powerpoint/2010/main" val="2829486687"/>
-              </p:ext>
-            </p:extLst>
-          </p:nvPr>
+          <p:nvPr/>
         </p:nvGraphicFramePr>
         <p:xfrm>
-          <a:off x="6242821" y="4892651"/>
-          <a:ext cx="4571343" cy="1280160"/>
+          <a:off x="2353003" y="5883453"/>
+          <a:ext cx="6664752" cy="434340"/>
         </p:xfrm>
         <a:graphic>
           <a:graphicData uri="http://schemas.openxmlformats.org/drawingml/2006/table">
@@ -26212,10 +29931,17 @@
                 <a:tableStyleId>{5C22544A-7EE6-4342-B048-85BDC9FD1C3A}</a:tableStyleId>
               </a:tblPr>
               <a:tblGrid>
-                <a:gridCol w="4571343">
+                <a:gridCol w="3332376">
                   <a:extLst>
                     <a:ext uri="{9D8B030D-6E8A-4147-A177-3AD203B41FA5}">
-                      <a16:colId xmlns:a16="http://schemas.microsoft.com/office/drawing/2014/main" val="2762836795"/>
+                      <a16:colId xmlns:a16="http://schemas.microsoft.com/office/drawing/2014/main" val="2436056302"/>
+                    </a:ext>
+                  </a:extLst>
+                </a:gridCol>
+                <a:gridCol w="3332376">
+                  <a:extLst>
+                    <a:ext uri="{9D8B030D-6E8A-4147-A177-3AD203B41FA5}">
+                      <a16:colId xmlns:a16="http://schemas.microsoft.com/office/drawing/2014/main" val="4076454765"/>
                     </a:ext>
                   </a:extLst>
                 </a:gridCol>
@@ -26226,68 +29952,54 @@
                     <a:bodyPr/>
                     <a:lstStyle/>
                     <a:p>
-                      <a:pPr marL="0" marR="0" lvl="0" indent="0" algn="ctr" defTabSz="914400" rtl="0" eaLnBrk="1" fontAlgn="auto" latinLnBrk="0" hangingPunct="1">
-                        <a:lnSpc>
-                          <a:spcPct val="100000"/>
-                        </a:lnSpc>
-                        <a:spcBef>
-                          <a:spcPts val="0"/>
-                        </a:spcBef>
-                        <a:spcAft>
-                          <a:spcPts val="0"/>
-                        </a:spcAft>
-                        <a:buClrTx/>
-                        <a:buSzTx/>
-                        <a:buFontTx/>
-                        <a:buNone/>
-                        <a:tabLst/>
-                        <a:defRPr/>
-                      </a:pPr>
+                      <a:pPr algn="ctr" fontAlgn="b"/>
                       <a:r>
-                        <a:rPr lang="en-US" sz="2400" dirty="0" err="1">
+                        <a:rPr lang="en-IN" sz="2800" b="1" i="0" u="none" strike="noStrike" dirty="0" err="1">
                           <a:solidFill>
-                            <a:srgbClr val="202C8F"/>
+                            <a:srgbClr val="000000"/>
                           </a:solidFill>
+                          <a:effectLst/>
+                          <a:latin typeface="Calibri" panose="020F0502020204030204" pitchFamily="34" charset="0"/>
                         </a:rPr>
-                        <a:t>No_of_jobs_reviewed</a:t>
+                        <a:t>average_salary</a:t>
                       </a:r>
-                      <a:endParaRPr lang="en-US" sz="2400" dirty="0">
-                        <a:solidFill>
-                          <a:srgbClr val="202C8F"/>
-                        </a:solidFill>
-                      </a:endParaRPr>
-                    </a:p>
-                    <a:p>
-                      <a:endParaRPr lang="en-IN" sz="2400" dirty="0"/>
+                      <a:r>
+                        <a:rPr lang="en-IN" sz="2800" b="1" i="0" u="none" strike="noStrike" dirty="0">
+                          <a:solidFill>
+                            <a:srgbClr val="000000"/>
+                          </a:solidFill>
+                          <a:effectLst/>
+                          <a:latin typeface="Calibri" panose="020F0502020204030204" pitchFamily="34" charset="0"/>
+                        </a:rPr>
+                        <a:t> =</a:t>
+                      </a:r>
                     </a:p>
                   </a:txBody>
-                  <a:tcPr/>
+                  <a:tcPr marL="7620" marR="7620" marT="7620" marB="0" anchor="b"/>
                 </a:tc>
-                <a:extLst>
-                  <a:ext uri="{0D108BD9-81ED-4DB2-BD59-A6C34878D82A}">
-                    <a16:rowId xmlns:a16="http://schemas.microsoft.com/office/drawing/2014/main" val="2632110853"/>
-                  </a:ext>
-                </a:extLst>
-              </a:tr>
-              <a:tr h="370840">
                 <a:tc>
                   <a:txBody>
                     <a:bodyPr/>
                     <a:lstStyle/>
                     <a:p>
-                      <a:pPr algn="ctr"/>
+                      <a:pPr algn="ctr" fontAlgn="b"/>
                       <a:r>
-                        <a:rPr lang="en-US" sz="2400" dirty="0"/>
-                        <a:t>0.0111</a:t>
+                        <a:rPr lang="en-IN" sz="2800" b="1" i="0" u="none" strike="noStrike" dirty="0">
+                          <a:solidFill>
+                            <a:srgbClr val="000000"/>
+                          </a:solidFill>
+                          <a:effectLst/>
+                          <a:latin typeface="Calibri" panose="020F0502020204030204" pitchFamily="34" charset="0"/>
+                        </a:rPr>
+                        <a:t>49885.28117</a:t>
                       </a:r>
-                      <a:endParaRPr lang="en-IN" sz="2400" dirty="0"/>
                     </a:p>
                   </a:txBody>
-                  <a:tcPr/>
+                  <a:tcPr marL="7620" marR="7620" marT="7620" marB="0" anchor="b"/>
                 </a:tc>
                 <a:extLst>
                   <a:ext uri="{0D108BD9-81ED-4DB2-BD59-A6C34878D82A}">
-                    <a16:rowId xmlns:a16="http://schemas.microsoft.com/office/drawing/2014/main" val="630753553"/>
+                    <a16:rowId xmlns:a16="http://schemas.microsoft.com/office/drawing/2014/main" val="3178897701"/>
                   </a:ext>
                 </a:extLst>
               </a:tr>
@@ -26298,7 +30010,7 @@
     </p:spTree>
     <p:extLst>
       <p:ext uri="{BB962C8B-B14F-4D97-AF65-F5344CB8AC3E}">
-        <p14:creationId xmlns:p14="http://schemas.microsoft.com/office/powerpoint/2010/main" val="3180329487"/>
+        <p14:creationId xmlns:p14="http://schemas.microsoft.com/office/powerpoint/2010/main" val="1878665675"/>
       </p:ext>
     </p:extLst>
   </p:cSld>
@@ -26308,7 +30020,7 @@
 </p:sld>
 </file>
 
-<file path=ppt/slides/slide11.xml><?xml version="1.0" encoding="utf-8"?>
+<file path=ppt/slides/slide16.xml><?xml version="1.0" encoding="utf-8"?>
 <p:sld xmlns:a="http://schemas.openxmlformats.org/drawingml/2006/main" xmlns:r="http://schemas.openxmlformats.org/officeDocument/2006/relationships" xmlns:p="http://schemas.openxmlformats.org/presentationml/2006/main">
   <p:cSld>
     <p:spTree>
@@ -26479,151 +30191,6 @@
       </p:sp>
       <p:sp>
         <p:nvSpPr>
-          <p:cNvPr id="3" name="Content Placeholder 2">
-            <a:extLst>
-              <a:ext uri="{FF2B5EF4-FFF2-40B4-BE49-F238E27FC236}">
-                <a16:creationId xmlns:a16="http://schemas.microsoft.com/office/drawing/2014/main" id="{14040B9D-6C90-E727-B66B-09BC523F9813}"/>
-              </a:ext>
-            </a:extLst>
-          </p:cNvPr>
-          <p:cNvSpPr>
-            <a:spLocks noGrp="1"/>
-          </p:cNvSpPr>
-          <p:nvPr>
-            <p:ph sz="half" idx="1"/>
-          </p:nvPr>
-        </p:nvSpPr>
-        <p:spPr>
-          <a:xfrm>
-            <a:off x="766853" y="2117108"/>
-            <a:ext cx="10427889" cy="1933347"/>
-          </a:xfrm>
-        </p:spPr>
-        <p:txBody>
-          <a:bodyPr/>
-          <a:lstStyle/>
-          <a:p>
-            <a:r>
-              <a:rPr lang="en-US" dirty="0"/>
-              <a:t>Steps for finding the 7-day rolling average of throughput : </a:t>
-            </a:r>
-          </a:p>
-          <a:p>
-            <a:pPr marL="0" indent="0">
-              <a:buNone/>
-            </a:pPr>
-            <a:r>
-              <a:rPr lang="en-US" dirty="0"/>
-              <a:t>	Step 1) I have selected `operation &amp; metric analytics` database for accessing data.</a:t>
-            </a:r>
-          </a:p>
-          <a:p>
-            <a:pPr marL="0" indent="0">
-              <a:buNone/>
-            </a:pPr>
-            <a:r>
-              <a:rPr lang="en-US" dirty="0"/>
-              <a:t>	Step 2) Then I created a temporary table (i.e. Common Table Expression) named </a:t>
-            </a:r>
-            <a:r>
-              <a:rPr lang="en-US" dirty="0" err="1"/>
-              <a:t>jobs_by_date</a:t>
-            </a:r>
-            <a:r>
-              <a:rPr lang="en-US" dirty="0"/>
-              <a:t>.</a:t>
-            </a:r>
-          </a:p>
-          <a:p>
-            <a:pPr marL="0" indent="0">
-              <a:buNone/>
-            </a:pPr>
-            <a:r>
-              <a:rPr lang="en-US" dirty="0"/>
-              <a:t>	             In that table, I have counted total number of jobs as </a:t>
-            </a:r>
-            <a:r>
-              <a:rPr lang="en-US" dirty="0" err="1"/>
-              <a:t>jobs_reviewed</a:t>
-            </a:r>
-            <a:r>
-              <a:rPr lang="en-US" dirty="0"/>
-              <a:t> from the “</a:t>
-            </a:r>
-            <a:r>
-              <a:rPr lang="en-US" dirty="0" err="1"/>
-              <a:t>job_data</a:t>
-            </a:r>
-            <a:r>
-              <a:rPr lang="en-US" dirty="0"/>
-              <a:t>” 	   	             table and grouped them using the dates of  “ds” column.</a:t>
-            </a:r>
-          </a:p>
-          <a:p>
-            <a:pPr marL="0" indent="0">
-              <a:buNone/>
-            </a:pPr>
-            <a:r>
-              <a:rPr lang="en-US" dirty="0"/>
-              <a:t>	Step 3) Then I have used that temporary table in the following command along with window  	  	              function to make a third column named “</a:t>
-            </a:r>
-            <a:r>
-              <a:rPr lang="en-US" dirty="0">
-                <a:solidFill>
-                  <a:srgbClr val="202C8F"/>
-                </a:solidFill>
-              </a:rPr>
-              <a:t>rolling_average_throughput_7days”.</a:t>
-            </a:r>
-          </a:p>
-          <a:p>
-            <a:pPr marL="0" indent="0">
-              <a:buNone/>
-            </a:pPr>
-            <a:r>
-              <a:rPr lang="en-US" dirty="0"/>
-              <a:t>	Step 4) In window function I have used AVG aggregate function to find the rolling average of the 	             7 days.</a:t>
-            </a:r>
-          </a:p>
-          <a:p>
-            <a:pPr marL="0" indent="0">
-              <a:buNone/>
-            </a:pPr>
-            <a:r>
-              <a:rPr lang="en-US" dirty="0"/>
-              <a:t>	Step 5) Then inside the OVER command I used ORDER BY </a:t>
-            </a:r>
-            <a:r>
-              <a:rPr lang="en-US" dirty="0" err="1"/>
-              <a:t>review_date</a:t>
-            </a:r>
-            <a:r>
-              <a:rPr lang="en-US" dirty="0"/>
-              <a:t> to order the final result 	              in the ascending order of the date.</a:t>
-            </a:r>
-          </a:p>
-          <a:p>
-            <a:pPr marL="0" indent="0">
-              <a:buNone/>
-            </a:pPr>
-            <a:endParaRPr lang="en-US" dirty="0"/>
-          </a:p>
-          <a:p>
-            <a:pPr marL="0" indent="0">
-              <a:buNone/>
-            </a:pPr>
-            <a:endParaRPr lang="en-US" dirty="0"/>
-          </a:p>
-          <a:p>
-            <a:pPr marL="0" indent="0">
-              <a:buNone/>
-            </a:pPr>
-            <a:endParaRPr lang="en-US" dirty="0"/>
-          </a:p>
-        </p:txBody>
-      </p:sp>
-      <p:sp>
-        <p:nvSpPr>
           <p:cNvPr id="6" name="Rectangle 5">
             <a:extLst>
               <a:ext uri="{FF2B5EF4-FFF2-40B4-BE49-F238E27FC236}">
@@ -26701,1061 +30268,7 @@
           <a:p>
             <a:fld id="{48F63A3B-78C7-47BE-AE5E-E10140E04643}" type="slidenum">
               <a:rPr lang="en-US" smtClean="0"/>
-              <a:t>11</a:t>
-            </a:fld>
-            <a:endParaRPr lang="en-US" dirty="0"/>
-          </a:p>
-        </p:txBody>
-      </p:sp>
-      <p:sp>
-        <p:nvSpPr>
-          <p:cNvPr id="8" name="Footer Placeholder 3">
-            <a:extLst>
-              <a:ext uri="{FF2B5EF4-FFF2-40B4-BE49-F238E27FC236}">
-                <a16:creationId xmlns:a16="http://schemas.microsoft.com/office/drawing/2014/main" id="{9F0327CF-462F-CD26-04EC-539F0F589D1E}"/>
-              </a:ext>
-            </a:extLst>
-          </p:cNvPr>
-          <p:cNvSpPr>
-            <a:spLocks noGrp="1"/>
-          </p:cNvSpPr>
-          <p:nvPr>
-            <p:ph type="ftr" sz="quarter" idx="11"/>
-          </p:nvPr>
-        </p:nvSpPr>
-        <p:spPr>
-          <a:xfrm>
-            <a:off x="3896142" y="236679"/>
-            <a:ext cx="4565431" cy="220521"/>
-          </a:xfrm>
-        </p:spPr>
-        <p:txBody>
-          <a:bodyPr/>
-          <a:lstStyle/>
-          <a:p>
-            <a:r>
-              <a:rPr lang="en-US" sz="3200" b="1" dirty="0">
-                <a:latin typeface="+mj-lt"/>
-              </a:rPr>
-              <a:t>Job Data Analytics</a:t>
-            </a:r>
-          </a:p>
-        </p:txBody>
-      </p:sp>
-    </p:spTree>
-    <p:extLst>
-      <p:ext uri="{BB962C8B-B14F-4D97-AF65-F5344CB8AC3E}">
-        <p14:creationId xmlns:p14="http://schemas.microsoft.com/office/powerpoint/2010/main" val="2842444470"/>
-      </p:ext>
-    </p:extLst>
-  </p:cSld>
-  <p:clrMapOvr>
-    <a:masterClrMapping/>
-  </p:clrMapOvr>
-</p:sld>
-</file>
-
-<file path=ppt/slides/slide12.xml><?xml version="1.0" encoding="utf-8"?>
-<p:sld xmlns:a="http://schemas.openxmlformats.org/drawingml/2006/main" xmlns:r="http://schemas.openxmlformats.org/officeDocument/2006/relationships" xmlns:p="http://schemas.openxmlformats.org/presentationml/2006/main">
-  <p:cSld>
-    <p:spTree>
-      <p:nvGrpSpPr>
-        <p:cNvPr id="1" name=""/>
-        <p:cNvGrpSpPr/>
-        <p:nvPr/>
-      </p:nvGrpSpPr>
-      <p:grpSpPr>
-        <a:xfrm>
-          <a:off x="0" y="0"/>
-          <a:ext cx="0" cy="0"/>
-          <a:chOff x="0" y="0"/>
-          <a:chExt cx="0" cy="0"/>
-        </a:xfrm>
-      </p:grpSpPr>
-      <p:sp>
-        <p:nvSpPr>
-          <p:cNvPr id="14" name="Rectangle: Rounded Corners 13">
-            <a:extLst>
-              <a:ext uri="{FF2B5EF4-FFF2-40B4-BE49-F238E27FC236}">
-                <a16:creationId xmlns:a16="http://schemas.microsoft.com/office/drawing/2014/main" id="{F072C40C-A448-F6B3-21C4-863099A67B29}"/>
-              </a:ext>
-            </a:extLst>
-          </p:cNvPr>
-          <p:cNvSpPr/>
-          <p:nvPr/>
-        </p:nvSpPr>
-        <p:spPr>
-          <a:xfrm>
-            <a:off x="266331" y="1897389"/>
-            <a:ext cx="10324730" cy="4554001"/>
-          </a:xfrm>
-          <a:prstGeom prst="roundRect">
-            <a:avLst/>
-          </a:prstGeom>
-          <a:effectLst>
-            <a:outerShdw blurRad="152400" dist="317500" dir="5400000" sx="90000" sy="-19000" rotWithShape="0">
-              <a:prstClr val="black">
-                <a:alpha val="15000"/>
-              </a:prstClr>
-            </a:outerShdw>
-          </a:effectLst>
-        </p:spPr>
-        <p:style>
-          <a:lnRef idx="2">
-            <a:schemeClr val="accent1">
-              <a:shade val="15000"/>
-            </a:schemeClr>
-          </a:lnRef>
-          <a:fillRef idx="1">
-            <a:schemeClr val="accent1"/>
-          </a:fillRef>
-          <a:effectRef idx="0">
-            <a:schemeClr val="accent1"/>
-          </a:effectRef>
-          <a:fontRef idx="minor">
-            <a:schemeClr val="lt1"/>
-          </a:fontRef>
-        </p:style>
-        <p:txBody>
-          <a:bodyPr numCol="2" rtlCol="0" anchor="ctr"/>
-          <a:lstStyle/>
-          <a:p>
-            <a:endParaRPr lang="en-IN" dirty="0"/>
-          </a:p>
-        </p:txBody>
-      </p:sp>
-      <p:sp>
-        <p:nvSpPr>
-          <p:cNvPr id="4" name="TextBox 3">
-            <a:extLst>
-              <a:ext uri="{FF2B5EF4-FFF2-40B4-BE49-F238E27FC236}">
-                <a16:creationId xmlns:a16="http://schemas.microsoft.com/office/drawing/2014/main" id="{17CC1D0C-F330-311A-E19A-7FB232578B73}"/>
-              </a:ext>
-            </a:extLst>
-          </p:cNvPr>
-          <p:cNvSpPr txBox="1"/>
-          <p:nvPr/>
-        </p:nvSpPr>
-        <p:spPr>
-          <a:xfrm>
-            <a:off x="978851" y="2153483"/>
-            <a:ext cx="10680637" cy="4247317"/>
-          </a:xfrm>
-          <a:prstGeom prst="rect">
-            <a:avLst/>
-          </a:prstGeom>
-          <a:noFill/>
-        </p:spPr>
-        <p:txBody>
-          <a:bodyPr wrap="square" numCol="1" rtlCol="0">
-            <a:spAutoFit/>
-          </a:bodyPr>
-          <a:lstStyle/>
-          <a:p>
-            <a:r>
-              <a:rPr lang="en-US" dirty="0">
-                <a:solidFill>
-                  <a:srgbClr val="202C8F"/>
-                </a:solidFill>
-              </a:rPr>
-              <a:t>WITH </a:t>
-            </a:r>
-            <a:r>
-              <a:rPr lang="en-US" dirty="0" err="1">
-                <a:solidFill>
-                  <a:srgbClr val="202C8F"/>
-                </a:solidFill>
-              </a:rPr>
-              <a:t>jobs_by_date</a:t>
-            </a:r>
-            <a:r>
-              <a:rPr lang="en-US" dirty="0">
-                <a:solidFill>
-                  <a:srgbClr val="202C8F"/>
-                </a:solidFill>
-              </a:rPr>
-              <a:t> AS (</a:t>
-            </a:r>
-          </a:p>
-          <a:p>
-            <a:r>
-              <a:rPr lang="en-US" dirty="0">
-                <a:solidFill>
-                  <a:srgbClr val="202C8F"/>
-                </a:solidFill>
-              </a:rPr>
-              <a:t>    SELECT</a:t>
-            </a:r>
-          </a:p>
-          <a:p>
-            <a:r>
-              <a:rPr lang="en-US" dirty="0">
-                <a:solidFill>
-                  <a:srgbClr val="202C8F"/>
-                </a:solidFill>
-              </a:rPr>
-              <a:t>        ds as </a:t>
-            </a:r>
-            <a:r>
-              <a:rPr lang="en-US" dirty="0" err="1">
-                <a:solidFill>
-                  <a:srgbClr val="202C8F"/>
-                </a:solidFill>
-              </a:rPr>
-              <a:t>review_date</a:t>
-            </a:r>
-            <a:r>
-              <a:rPr lang="en-US" dirty="0">
-                <a:solidFill>
-                  <a:srgbClr val="202C8F"/>
-                </a:solidFill>
-              </a:rPr>
-              <a:t>,</a:t>
-            </a:r>
-          </a:p>
-          <a:p>
-            <a:r>
-              <a:rPr lang="en-US" dirty="0">
-                <a:solidFill>
-                  <a:srgbClr val="202C8F"/>
-                </a:solidFill>
-              </a:rPr>
-              <a:t>        COUNT(</a:t>
-            </a:r>
-            <a:r>
-              <a:rPr lang="en-US" dirty="0" err="1">
-                <a:solidFill>
-                  <a:srgbClr val="202C8F"/>
-                </a:solidFill>
-              </a:rPr>
-              <a:t>job_id</a:t>
-            </a:r>
-            <a:r>
-              <a:rPr lang="en-US" dirty="0">
-                <a:solidFill>
-                  <a:srgbClr val="202C8F"/>
-                </a:solidFill>
-              </a:rPr>
-              <a:t>) AS </a:t>
-            </a:r>
-            <a:r>
-              <a:rPr lang="en-US" dirty="0" err="1">
-                <a:solidFill>
-                  <a:srgbClr val="202C8F"/>
-                </a:solidFill>
-              </a:rPr>
-              <a:t>jobs_reviewed</a:t>
-            </a:r>
-            <a:endParaRPr lang="en-US" dirty="0">
-              <a:solidFill>
-                <a:srgbClr val="202C8F"/>
-              </a:solidFill>
-            </a:endParaRPr>
-          </a:p>
-          <a:p>
-            <a:r>
-              <a:rPr lang="en-US" dirty="0">
-                <a:solidFill>
-                  <a:srgbClr val="202C8F"/>
-                </a:solidFill>
-              </a:rPr>
-              <a:t>    FROM </a:t>
-            </a:r>
-            <a:r>
-              <a:rPr lang="en-US" dirty="0" err="1">
-                <a:solidFill>
-                  <a:srgbClr val="202C8F"/>
-                </a:solidFill>
-              </a:rPr>
-              <a:t>job_data</a:t>
-            </a:r>
-            <a:endParaRPr lang="en-US" dirty="0">
-              <a:solidFill>
-                <a:srgbClr val="202C8F"/>
-              </a:solidFill>
-            </a:endParaRPr>
-          </a:p>
-          <a:p>
-            <a:r>
-              <a:rPr lang="en-US" dirty="0">
-                <a:solidFill>
-                  <a:srgbClr val="202C8F"/>
-                </a:solidFill>
-              </a:rPr>
-              <a:t>    GROUP BY ds</a:t>
-            </a:r>
-          </a:p>
-          <a:p>
-            <a:r>
-              <a:rPr lang="en-US" dirty="0">
-                <a:solidFill>
-                  <a:srgbClr val="202C8F"/>
-                </a:solidFill>
-              </a:rPr>
-              <a:t>)</a:t>
-            </a:r>
-          </a:p>
-          <a:p>
-            <a:r>
-              <a:rPr lang="en-US" dirty="0">
-                <a:solidFill>
-                  <a:srgbClr val="202C8F"/>
-                </a:solidFill>
-              </a:rPr>
-              <a:t>SELECT</a:t>
-            </a:r>
-          </a:p>
-          <a:p>
-            <a:r>
-              <a:rPr lang="en-US" dirty="0">
-                <a:solidFill>
-                  <a:srgbClr val="202C8F"/>
-                </a:solidFill>
-              </a:rPr>
-              <a:t>    </a:t>
-            </a:r>
-            <a:r>
-              <a:rPr lang="en-US" dirty="0" err="1">
-                <a:solidFill>
-                  <a:srgbClr val="202C8F"/>
-                </a:solidFill>
-              </a:rPr>
-              <a:t>review_date</a:t>
-            </a:r>
-            <a:r>
-              <a:rPr lang="en-US" dirty="0">
-                <a:solidFill>
-                  <a:srgbClr val="202C8F"/>
-                </a:solidFill>
-              </a:rPr>
-              <a:t>,</a:t>
-            </a:r>
-          </a:p>
-          <a:p>
-            <a:r>
-              <a:rPr lang="en-US" dirty="0">
-                <a:solidFill>
-                  <a:srgbClr val="202C8F"/>
-                </a:solidFill>
-              </a:rPr>
-              <a:t>    </a:t>
-            </a:r>
-            <a:r>
-              <a:rPr lang="en-US" dirty="0" err="1">
-                <a:solidFill>
-                  <a:srgbClr val="202C8F"/>
-                </a:solidFill>
-              </a:rPr>
-              <a:t>jobs_reviewed</a:t>
-            </a:r>
-            <a:r>
-              <a:rPr lang="en-US" dirty="0">
-                <a:solidFill>
-                  <a:srgbClr val="202C8F"/>
-                </a:solidFill>
-              </a:rPr>
-              <a:t>,</a:t>
-            </a:r>
-          </a:p>
-          <a:p>
-            <a:r>
-              <a:rPr lang="en-US" dirty="0">
-                <a:solidFill>
-                  <a:srgbClr val="202C8F"/>
-                </a:solidFill>
-              </a:rPr>
-              <a:t>    AVG(</a:t>
-            </a:r>
-            <a:r>
-              <a:rPr lang="en-US" dirty="0" err="1">
-                <a:solidFill>
-                  <a:srgbClr val="202C8F"/>
-                </a:solidFill>
-              </a:rPr>
-              <a:t>jobs_reviewed</a:t>
-            </a:r>
-            <a:r>
-              <a:rPr lang="en-US" dirty="0">
-                <a:solidFill>
-                  <a:srgbClr val="202C8F"/>
-                </a:solidFill>
-              </a:rPr>
-              <a:t>) OVER (ORDER BY </a:t>
-            </a:r>
-            <a:r>
-              <a:rPr lang="en-US" dirty="0" err="1">
-                <a:solidFill>
-                  <a:srgbClr val="202C8F"/>
-                </a:solidFill>
-              </a:rPr>
-              <a:t>review_date</a:t>
-            </a:r>
-            <a:r>
-              <a:rPr lang="en-US" dirty="0">
-                <a:solidFill>
-                  <a:srgbClr val="202C8F"/>
-                </a:solidFill>
-              </a:rPr>
-              <a:t>) AS rolling_average_throughput_7days</a:t>
-            </a:r>
-          </a:p>
-          <a:p>
-            <a:r>
-              <a:rPr lang="en-US" dirty="0">
-                <a:solidFill>
-                  <a:srgbClr val="202C8F"/>
-                </a:solidFill>
-              </a:rPr>
-              <a:t>FROM</a:t>
-            </a:r>
-          </a:p>
-          <a:p>
-            <a:r>
-              <a:rPr lang="en-US" dirty="0">
-                <a:solidFill>
-                  <a:srgbClr val="202C8F"/>
-                </a:solidFill>
-              </a:rPr>
-              <a:t>    </a:t>
-            </a:r>
-            <a:r>
-              <a:rPr lang="en-US" dirty="0" err="1">
-                <a:solidFill>
-                  <a:srgbClr val="202C8F"/>
-                </a:solidFill>
-              </a:rPr>
-              <a:t>jobs_by_date</a:t>
-            </a:r>
-            <a:endParaRPr lang="en-US" dirty="0">
-              <a:solidFill>
-                <a:srgbClr val="202C8F"/>
-              </a:solidFill>
-            </a:endParaRPr>
-          </a:p>
-          <a:p>
-            <a:r>
-              <a:rPr lang="en-US" dirty="0">
-                <a:solidFill>
-                  <a:srgbClr val="202C8F"/>
-                </a:solidFill>
-              </a:rPr>
-              <a:t>ORDER BY</a:t>
-            </a:r>
-          </a:p>
-          <a:p>
-            <a:r>
-              <a:rPr lang="en-US" dirty="0">
-                <a:solidFill>
-                  <a:srgbClr val="202C8F"/>
-                </a:solidFill>
-              </a:rPr>
-              <a:t>    </a:t>
-            </a:r>
-            <a:r>
-              <a:rPr lang="en-US" dirty="0" err="1">
-                <a:solidFill>
-                  <a:srgbClr val="202C8F"/>
-                </a:solidFill>
-              </a:rPr>
-              <a:t>review_date</a:t>
-            </a:r>
-            <a:r>
-              <a:rPr lang="en-US" dirty="0">
-                <a:solidFill>
-                  <a:srgbClr val="202C8F"/>
-                </a:solidFill>
-              </a:rPr>
-              <a:t>;</a:t>
-            </a:r>
-            <a:endParaRPr lang="en-IN" dirty="0">
-              <a:solidFill>
-                <a:srgbClr val="202C8F"/>
-              </a:solidFill>
-            </a:endParaRPr>
-          </a:p>
-        </p:txBody>
-      </p:sp>
-      <p:sp>
-        <p:nvSpPr>
-          <p:cNvPr id="7" name="Rectangle 6">
-            <a:extLst>
-              <a:ext uri="{FF2B5EF4-FFF2-40B4-BE49-F238E27FC236}">
-                <a16:creationId xmlns:a16="http://schemas.microsoft.com/office/drawing/2014/main" id="{9188DFD6-2733-9425-D029-39399B4E550D}"/>
-              </a:ext>
-            </a:extLst>
-          </p:cNvPr>
-          <p:cNvSpPr/>
-          <p:nvPr/>
-        </p:nvSpPr>
-        <p:spPr>
-          <a:xfrm>
-            <a:off x="552723" y="728437"/>
-            <a:ext cx="11242113" cy="795564"/>
-          </a:xfrm>
-          <a:prstGeom prst="rect">
-            <a:avLst/>
-          </a:prstGeom>
-          <a:solidFill>
-            <a:srgbClr val="AAC4E9"/>
-          </a:solidFill>
-        </p:spPr>
-        <p:style>
-          <a:lnRef idx="2">
-            <a:schemeClr val="accent1">
-              <a:shade val="15000"/>
-            </a:schemeClr>
-          </a:lnRef>
-          <a:fillRef idx="1">
-            <a:schemeClr val="accent1"/>
-          </a:fillRef>
-          <a:effectRef idx="0">
-            <a:schemeClr val="accent1"/>
-          </a:effectRef>
-          <a:fontRef idx="minor">
-            <a:schemeClr val="lt1"/>
-          </a:fontRef>
-        </p:style>
-        <p:txBody>
-          <a:bodyPr rtlCol="0" anchor="ctr"/>
-          <a:lstStyle/>
-          <a:p>
-            <a:pPr algn="ctr"/>
-            <a:endParaRPr lang="en-IN" dirty="0"/>
-          </a:p>
-        </p:txBody>
-      </p:sp>
-      <p:sp>
-        <p:nvSpPr>
-          <p:cNvPr id="2" name="Title 1">
-            <a:extLst>
-              <a:ext uri="{FF2B5EF4-FFF2-40B4-BE49-F238E27FC236}">
-                <a16:creationId xmlns:a16="http://schemas.microsoft.com/office/drawing/2014/main" id="{B4B3367A-E398-B7CE-074D-4A6E1F9F17E6}"/>
-              </a:ext>
-            </a:extLst>
-          </p:cNvPr>
-          <p:cNvSpPr>
-            <a:spLocks noGrp="1"/>
-          </p:cNvSpPr>
-          <p:nvPr>
-            <p:ph type="title"/>
-          </p:nvPr>
-        </p:nvSpPr>
-        <p:spPr>
-          <a:xfrm>
-            <a:off x="552723" y="667779"/>
-            <a:ext cx="11380197" cy="922027"/>
-          </a:xfrm>
-        </p:spPr>
-        <p:txBody>
-          <a:bodyPr/>
-          <a:lstStyle/>
-          <a:p>
-            <a:pPr algn="l"/>
-            <a:r>
-              <a:rPr lang="en-US" sz="2000" u="sng" dirty="0">
-                <a:solidFill>
-                  <a:srgbClr val="DF8C8C"/>
-                </a:solidFill>
-              </a:rPr>
-              <a:t>Throughput Analysis </a:t>
-            </a:r>
-            <a:r>
-              <a:rPr kumimoji="0" lang="en-US" sz="2000" b="1" i="0" u="sng" strike="noStrike" kern="1200" cap="all" spc="0" normalizeH="0" baseline="0" noProof="0" dirty="0">
-                <a:ln>
-                  <a:noFill/>
-                </a:ln>
-                <a:solidFill>
-                  <a:srgbClr val="DF8C8C"/>
-                </a:solidFill>
-                <a:effectLst/>
-                <a:uLnTx/>
-                <a:uFillTx/>
-                <a:latin typeface="Arial Black"/>
-                <a:ea typeface="+mj-ea"/>
-                <a:cs typeface="+mj-cs"/>
-              </a:rPr>
-              <a:t>: </a:t>
-            </a:r>
-            <a:r>
-              <a:rPr lang="en-US" sz="1600" b="0" dirty="0">
-                <a:solidFill>
-                  <a:srgbClr val="000000">
-                    <a:lumMod val="85000"/>
-                    <a:lumOff val="15000"/>
-                  </a:srgbClr>
-                </a:solidFill>
-                <a:latin typeface="Arial Black"/>
-              </a:rPr>
-              <a:t>Create</a:t>
-            </a:r>
-            <a:r>
-              <a:rPr kumimoji="0" lang="en-US" sz="1600" b="0" i="0" u="none" strike="noStrike" kern="1200" cap="all" spc="0" normalizeH="0" baseline="0" noProof="0" dirty="0">
-                <a:ln>
-                  <a:noFill/>
-                </a:ln>
-                <a:solidFill>
-                  <a:srgbClr val="000000">
-                    <a:lumMod val="85000"/>
-                    <a:lumOff val="15000"/>
-                  </a:srgbClr>
-                </a:solidFill>
-                <a:effectLst/>
-                <a:uLnTx/>
-                <a:uFillTx/>
-                <a:latin typeface="Arial Black"/>
-                <a:ea typeface="+mj-ea"/>
-                <a:cs typeface="+mj-cs"/>
-              </a:rPr>
-              <a:t> </a:t>
-            </a:r>
-            <a:r>
-              <a:rPr lang="en-US" sz="1600" b="0" dirty="0">
-                <a:solidFill>
-                  <a:schemeClr val="tx1">
-                    <a:lumMod val="85000"/>
-                    <a:lumOff val="15000"/>
-                  </a:schemeClr>
-                </a:solidFill>
-              </a:rPr>
-              <a:t>an SQL query to calculate the 7-day rolling average of throughput. Also, explain why you prefer using the daily metric or the 7-day rolling average for throughput.</a:t>
-            </a:r>
-            <a:endParaRPr lang="en-IN" sz="2000" dirty="0">
-              <a:solidFill>
-                <a:srgbClr val="00B0F0"/>
-              </a:solidFill>
-            </a:endParaRPr>
-          </a:p>
-        </p:txBody>
-      </p:sp>
-      <p:sp>
-        <p:nvSpPr>
-          <p:cNvPr id="6" name="Rectangle 5">
-            <a:extLst>
-              <a:ext uri="{FF2B5EF4-FFF2-40B4-BE49-F238E27FC236}">
-                <a16:creationId xmlns:a16="http://schemas.microsoft.com/office/drawing/2014/main" id="{C1F076FB-8F7F-3119-0F15-4A9EFE7EE5F1}"/>
-              </a:ext>
-            </a:extLst>
-          </p:cNvPr>
-          <p:cNvSpPr/>
-          <p:nvPr/>
-        </p:nvSpPr>
-        <p:spPr>
-          <a:xfrm>
-            <a:off x="3806237" y="71720"/>
-            <a:ext cx="4655336" cy="550438"/>
-          </a:xfrm>
-          <a:prstGeom prst="rect">
-            <a:avLst/>
-          </a:prstGeom>
-          <a:solidFill>
-            <a:srgbClr val="F5CDCE"/>
-          </a:solidFill>
-          <a:scene3d>
-            <a:camera prst="orthographicFront"/>
-            <a:lightRig rig="threePt" dir="t"/>
-          </a:scene3d>
-          <a:sp3d>
-            <a:bevelT w="165100" prst="coolSlant"/>
-          </a:sp3d>
-        </p:spPr>
-        <p:style>
-          <a:lnRef idx="2">
-            <a:schemeClr val="accent1">
-              <a:shade val="15000"/>
-            </a:schemeClr>
-          </a:lnRef>
-          <a:fillRef idx="1">
-            <a:schemeClr val="accent1"/>
-          </a:fillRef>
-          <a:effectRef idx="0">
-            <a:schemeClr val="accent1"/>
-          </a:effectRef>
-          <a:fontRef idx="minor">
-            <a:schemeClr val="lt1"/>
-          </a:fontRef>
-        </p:style>
-        <p:txBody>
-          <a:bodyPr rtlCol="0" anchor="ctr"/>
-          <a:lstStyle/>
-          <a:p>
-            <a:pPr algn="ctr"/>
-            <a:endParaRPr lang="en-IN"/>
-          </a:p>
-        </p:txBody>
-      </p:sp>
-      <p:sp>
-        <p:nvSpPr>
-          <p:cNvPr id="5" name="Slide Number Placeholder 4">
-            <a:extLst>
-              <a:ext uri="{FF2B5EF4-FFF2-40B4-BE49-F238E27FC236}">
-                <a16:creationId xmlns:a16="http://schemas.microsoft.com/office/drawing/2014/main" id="{8F7B6822-5084-6171-ECBD-CA814C69D183}"/>
-              </a:ext>
-            </a:extLst>
-          </p:cNvPr>
-          <p:cNvSpPr>
-            <a:spLocks noGrp="1"/>
-          </p:cNvSpPr>
-          <p:nvPr>
-            <p:ph type="sldNum" sz="quarter" idx="12"/>
-          </p:nvPr>
-        </p:nvSpPr>
-        <p:spPr/>
-        <p:txBody>
-          <a:bodyPr/>
-          <a:lstStyle/>
-          <a:p>
-            <a:fld id="{48F63A3B-78C7-47BE-AE5E-E10140E04643}" type="slidenum">
-              <a:rPr lang="en-US" smtClean="0"/>
-              <a:t>12</a:t>
-            </a:fld>
-            <a:endParaRPr lang="en-US" dirty="0"/>
-          </a:p>
-        </p:txBody>
-      </p:sp>
-      <p:sp>
-        <p:nvSpPr>
-          <p:cNvPr id="10" name="TextBox 9">
-            <a:extLst>
-              <a:ext uri="{FF2B5EF4-FFF2-40B4-BE49-F238E27FC236}">
-                <a16:creationId xmlns:a16="http://schemas.microsoft.com/office/drawing/2014/main" id="{42E07593-0F8D-90BE-5E8E-3609076B7CCC}"/>
-              </a:ext>
-            </a:extLst>
-          </p:cNvPr>
-          <p:cNvSpPr txBox="1"/>
-          <p:nvPr/>
-        </p:nvSpPr>
-        <p:spPr>
-          <a:xfrm>
-            <a:off x="552723" y="1692213"/>
-            <a:ext cx="4492101" cy="369332"/>
-          </a:xfrm>
-          <a:prstGeom prst="rect">
-            <a:avLst/>
-          </a:prstGeom>
-          <a:noFill/>
-        </p:spPr>
-        <p:txBody>
-          <a:bodyPr wrap="square" rtlCol="0">
-            <a:spAutoFit/>
-          </a:bodyPr>
-          <a:lstStyle/>
-          <a:p>
-            <a:r>
-              <a:rPr lang="en-US" b="1" u="sng" dirty="0">
-                <a:highlight>
-                  <a:srgbClr val="AAC4E9"/>
-                </a:highlight>
-              </a:rPr>
-              <a:t>Query/Program</a:t>
-            </a:r>
-            <a:r>
-              <a:rPr lang="en-IN" b="1" u="sng" dirty="0">
-                <a:highlight>
-                  <a:srgbClr val="AAC4E9"/>
-                </a:highlight>
-              </a:rPr>
-              <a:t> :</a:t>
-            </a:r>
-          </a:p>
-        </p:txBody>
-      </p:sp>
-      <p:sp>
-        <p:nvSpPr>
-          <p:cNvPr id="8" name="Footer Placeholder 3">
-            <a:extLst>
-              <a:ext uri="{FF2B5EF4-FFF2-40B4-BE49-F238E27FC236}">
-                <a16:creationId xmlns:a16="http://schemas.microsoft.com/office/drawing/2014/main" id="{9F0327CF-462F-CD26-04EC-539F0F589D1E}"/>
-              </a:ext>
-            </a:extLst>
-          </p:cNvPr>
-          <p:cNvSpPr>
-            <a:spLocks noGrp="1"/>
-          </p:cNvSpPr>
-          <p:nvPr>
-            <p:ph type="ftr" sz="quarter" idx="11"/>
-          </p:nvPr>
-        </p:nvSpPr>
-        <p:spPr>
-          <a:xfrm>
-            <a:off x="3896142" y="236679"/>
-            <a:ext cx="4565431" cy="220521"/>
-          </a:xfrm>
-        </p:spPr>
-        <p:txBody>
-          <a:bodyPr/>
-          <a:lstStyle/>
-          <a:p>
-            <a:r>
-              <a:rPr lang="en-US" sz="3200" b="1" dirty="0">
-                <a:latin typeface="+mj-lt"/>
-              </a:rPr>
-              <a:t>Job Data Analytics</a:t>
-            </a:r>
-          </a:p>
-        </p:txBody>
-      </p:sp>
-    </p:spTree>
-    <p:extLst>
-      <p:ext uri="{BB962C8B-B14F-4D97-AF65-F5344CB8AC3E}">
-        <p14:creationId xmlns:p14="http://schemas.microsoft.com/office/powerpoint/2010/main" val="3558221578"/>
-      </p:ext>
-    </p:extLst>
-  </p:cSld>
-  <p:clrMapOvr>
-    <a:masterClrMapping/>
-  </p:clrMapOvr>
-</p:sld>
-</file>
-
-<file path=ppt/slides/slide13.xml><?xml version="1.0" encoding="utf-8"?>
-<p:sld xmlns:a="http://schemas.openxmlformats.org/drawingml/2006/main" xmlns:r="http://schemas.openxmlformats.org/officeDocument/2006/relationships" xmlns:p="http://schemas.openxmlformats.org/presentationml/2006/main">
-  <p:cSld>
-    <p:spTree>
-      <p:nvGrpSpPr>
-        <p:cNvPr id="1" name=""/>
-        <p:cNvGrpSpPr/>
-        <p:nvPr/>
-      </p:nvGrpSpPr>
-      <p:grpSpPr>
-        <a:xfrm>
-          <a:off x="0" y="0"/>
-          <a:ext cx="0" cy="0"/>
-          <a:chOff x="0" y="0"/>
-          <a:chExt cx="0" cy="0"/>
-        </a:xfrm>
-      </p:grpSpPr>
-      <p:sp>
-        <p:nvSpPr>
-          <p:cNvPr id="7" name="Rectangle 6">
-            <a:extLst>
-              <a:ext uri="{FF2B5EF4-FFF2-40B4-BE49-F238E27FC236}">
-                <a16:creationId xmlns:a16="http://schemas.microsoft.com/office/drawing/2014/main" id="{9188DFD6-2733-9425-D029-39399B4E550D}"/>
-              </a:ext>
-            </a:extLst>
-          </p:cNvPr>
-          <p:cNvSpPr/>
-          <p:nvPr/>
-        </p:nvSpPr>
-        <p:spPr>
-          <a:xfrm>
-            <a:off x="552723" y="728437"/>
-            <a:ext cx="11242113" cy="795564"/>
-          </a:xfrm>
-          <a:prstGeom prst="rect">
-            <a:avLst/>
-          </a:prstGeom>
-          <a:solidFill>
-            <a:srgbClr val="AAC4E9"/>
-          </a:solidFill>
-        </p:spPr>
-        <p:style>
-          <a:lnRef idx="2">
-            <a:schemeClr val="accent1">
-              <a:shade val="15000"/>
-            </a:schemeClr>
-          </a:lnRef>
-          <a:fillRef idx="1">
-            <a:schemeClr val="accent1"/>
-          </a:fillRef>
-          <a:effectRef idx="0">
-            <a:schemeClr val="accent1"/>
-          </a:effectRef>
-          <a:fontRef idx="minor">
-            <a:schemeClr val="lt1"/>
-          </a:fontRef>
-        </p:style>
-        <p:txBody>
-          <a:bodyPr rtlCol="0" anchor="ctr"/>
-          <a:lstStyle/>
-          <a:p>
-            <a:pPr algn="ctr"/>
-            <a:endParaRPr lang="en-IN" dirty="0"/>
-          </a:p>
-        </p:txBody>
-      </p:sp>
-      <p:sp>
-        <p:nvSpPr>
-          <p:cNvPr id="2" name="Title 1">
-            <a:extLst>
-              <a:ext uri="{FF2B5EF4-FFF2-40B4-BE49-F238E27FC236}">
-                <a16:creationId xmlns:a16="http://schemas.microsoft.com/office/drawing/2014/main" id="{B4B3367A-E398-B7CE-074D-4A6E1F9F17E6}"/>
-              </a:ext>
-            </a:extLst>
-          </p:cNvPr>
-          <p:cNvSpPr>
-            <a:spLocks noGrp="1"/>
-          </p:cNvSpPr>
-          <p:nvPr>
-            <p:ph type="title"/>
-          </p:nvPr>
-        </p:nvSpPr>
-        <p:spPr>
-          <a:xfrm>
-            <a:off x="552723" y="667779"/>
-            <a:ext cx="11380197" cy="922027"/>
-          </a:xfrm>
-        </p:spPr>
-        <p:txBody>
-          <a:bodyPr/>
-          <a:lstStyle/>
-          <a:p>
-            <a:pPr algn="l"/>
-            <a:r>
-              <a:rPr lang="en-US" sz="2000" u="sng" dirty="0">
-                <a:solidFill>
-                  <a:srgbClr val="DF8C8C"/>
-                </a:solidFill>
-              </a:rPr>
-              <a:t>Throughput Analysis </a:t>
-            </a:r>
-            <a:r>
-              <a:rPr kumimoji="0" lang="en-US" sz="2000" b="1" i="0" u="sng" strike="noStrike" kern="1200" cap="all" spc="0" normalizeH="0" baseline="0" noProof="0" dirty="0">
-                <a:ln>
-                  <a:noFill/>
-                </a:ln>
-                <a:solidFill>
-                  <a:srgbClr val="DF8C8C"/>
-                </a:solidFill>
-                <a:effectLst/>
-                <a:uLnTx/>
-                <a:uFillTx/>
-                <a:latin typeface="Arial Black"/>
-                <a:ea typeface="+mj-ea"/>
-                <a:cs typeface="+mj-cs"/>
-              </a:rPr>
-              <a:t>: </a:t>
-            </a:r>
-            <a:r>
-              <a:rPr lang="en-US" sz="1600" b="0" dirty="0">
-                <a:solidFill>
-                  <a:srgbClr val="000000">
-                    <a:lumMod val="85000"/>
-                    <a:lumOff val="15000"/>
-                  </a:srgbClr>
-                </a:solidFill>
-                <a:latin typeface="Arial Black"/>
-              </a:rPr>
-              <a:t>Create</a:t>
-            </a:r>
-            <a:r>
-              <a:rPr kumimoji="0" lang="en-US" sz="1600" b="0" i="0" u="none" strike="noStrike" kern="1200" cap="all" spc="0" normalizeH="0" baseline="0" noProof="0" dirty="0">
-                <a:ln>
-                  <a:noFill/>
-                </a:ln>
-                <a:solidFill>
-                  <a:srgbClr val="000000">
-                    <a:lumMod val="85000"/>
-                    <a:lumOff val="15000"/>
-                  </a:srgbClr>
-                </a:solidFill>
-                <a:effectLst/>
-                <a:uLnTx/>
-                <a:uFillTx/>
-                <a:latin typeface="Arial Black"/>
-                <a:ea typeface="+mj-ea"/>
-                <a:cs typeface="+mj-cs"/>
-              </a:rPr>
-              <a:t> </a:t>
-            </a:r>
-            <a:r>
-              <a:rPr lang="en-US" sz="1600" b="0" dirty="0">
-                <a:solidFill>
-                  <a:schemeClr val="tx1">
-                    <a:lumMod val="85000"/>
-                    <a:lumOff val="15000"/>
-                  </a:schemeClr>
-                </a:solidFill>
-              </a:rPr>
-              <a:t>an SQL query to calculate the 7-day rolling average of throughput. Also, explain why you prefer using the daily metric or the 7-day rolling average for throughput.</a:t>
-            </a:r>
-            <a:endParaRPr lang="en-IN" sz="2000" dirty="0">
-              <a:solidFill>
-                <a:srgbClr val="00B0F0"/>
-              </a:solidFill>
-            </a:endParaRPr>
-          </a:p>
-        </p:txBody>
-      </p:sp>
-      <p:sp>
-        <p:nvSpPr>
-          <p:cNvPr id="6" name="Rectangle 5">
-            <a:extLst>
-              <a:ext uri="{FF2B5EF4-FFF2-40B4-BE49-F238E27FC236}">
-                <a16:creationId xmlns:a16="http://schemas.microsoft.com/office/drawing/2014/main" id="{C1F076FB-8F7F-3119-0F15-4A9EFE7EE5F1}"/>
-              </a:ext>
-            </a:extLst>
-          </p:cNvPr>
-          <p:cNvSpPr/>
-          <p:nvPr/>
-        </p:nvSpPr>
-        <p:spPr>
-          <a:xfrm>
-            <a:off x="3806237" y="71720"/>
-            <a:ext cx="4655336" cy="550438"/>
-          </a:xfrm>
-          <a:prstGeom prst="rect">
-            <a:avLst/>
-          </a:prstGeom>
-          <a:solidFill>
-            <a:srgbClr val="F5CDCE"/>
-          </a:solidFill>
-          <a:scene3d>
-            <a:camera prst="orthographicFront"/>
-            <a:lightRig rig="threePt" dir="t"/>
-          </a:scene3d>
-          <a:sp3d>
-            <a:bevelT w="165100" prst="coolSlant"/>
-          </a:sp3d>
-        </p:spPr>
-        <p:style>
-          <a:lnRef idx="2">
-            <a:schemeClr val="accent1">
-              <a:shade val="15000"/>
-            </a:schemeClr>
-          </a:lnRef>
-          <a:fillRef idx="1">
-            <a:schemeClr val="accent1"/>
-          </a:fillRef>
-          <a:effectRef idx="0">
-            <a:schemeClr val="accent1"/>
-          </a:effectRef>
-          <a:fontRef idx="minor">
-            <a:schemeClr val="lt1"/>
-          </a:fontRef>
-        </p:style>
-        <p:txBody>
-          <a:bodyPr rtlCol="0" anchor="ctr"/>
-          <a:lstStyle/>
-          <a:p>
-            <a:pPr algn="ctr"/>
-            <a:endParaRPr lang="en-IN"/>
-          </a:p>
-        </p:txBody>
-      </p:sp>
-      <p:sp>
-        <p:nvSpPr>
-          <p:cNvPr id="5" name="Slide Number Placeholder 4">
-            <a:extLst>
-              <a:ext uri="{FF2B5EF4-FFF2-40B4-BE49-F238E27FC236}">
-                <a16:creationId xmlns:a16="http://schemas.microsoft.com/office/drawing/2014/main" id="{8F7B6822-5084-6171-ECBD-CA814C69D183}"/>
-              </a:ext>
-            </a:extLst>
-          </p:cNvPr>
-          <p:cNvSpPr>
-            <a:spLocks noGrp="1"/>
-          </p:cNvSpPr>
-          <p:nvPr>
-            <p:ph type="sldNum" sz="quarter" idx="12"/>
-          </p:nvPr>
-        </p:nvSpPr>
-        <p:spPr/>
-        <p:txBody>
-          <a:bodyPr/>
-          <a:lstStyle/>
-          <a:p>
-            <a:fld id="{48F63A3B-78C7-47BE-AE5E-E10140E04643}" type="slidenum">
-              <a:rPr lang="en-US" smtClean="0"/>
-              <a:t>13</a:t>
+              <a:t>16</a:t>
             </a:fld>
             <a:endParaRPr lang="en-US" dirty="0"/>
           </a:p>
@@ -28387,7 +30900,7 @@
 </p:sld>
 </file>
 
-<file path=ppt/slides/slide14.xml><?xml version="1.0" encoding="utf-8"?>
+<file path=ppt/slides/slide17.xml><?xml version="1.0" encoding="utf-8"?>
 <p:sld xmlns:a="http://schemas.openxmlformats.org/drawingml/2006/main" xmlns:r="http://schemas.openxmlformats.org/officeDocument/2006/relationships" xmlns:p="http://schemas.openxmlformats.org/presentationml/2006/main">
   <p:cSld>
     <p:spTree>
@@ -29012,7 +31525,7 @@
           <a:p>
             <a:fld id="{48F63A3B-78C7-47BE-AE5E-E10140E04643}" type="slidenum">
               <a:rPr lang="en-US" smtClean="0"/>
-              <a:t>14</a:t>
+              <a:t>17</a:t>
             </a:fld>
             <a:endParaRPr lang="en-US" dirty="0"/>
           </a:p>
@@ -29113,7 +31626,7 @@
 </p:sld>
 </file>
 
-<file path=ppt/slides/slide15.xml><?xml version="1.0" encoding="utf-8"?>
+<file path=ppt/slides/slide18.xml><?xml version="1.0" encoding="utf-8"?>
 <p:sld xmlns:a="http://schemas.openxmlformats.org/drawingml/2006/main" xmlns:r="http://schemas.openxmlformats.org/officeDocument/2006/relationships" xmlns:p="http://schemas.openxmlformats.org/presentationml/2006/main">
   <p:cSld>
     <p:spTree>
@@ -29328,7 +31841,7 @@
           <a:p>
             <a:fld id="{48F63A3B-78C7-47BE-AE5E-E10140E04643}" type="slidenum">
               <a:rPr lang="en-US" smtClean="0"/>
-              <a:t>15</a:t>
+              <a:t>18</a:t>
             </a:fld>
             <a:endParaRPr lang="en-US" dirty="0"/>
           </a:p>
@@ -30135,7 +32648,7 @@
 </p:sld>
 </file>
 
-<file path=ppt/slides/slide16.xml><?xml version="1.0" encoding="utf-8"?>
+<file path=ppt/slides/slide19.xml><?xml version="1.0" encoding="utf-8"?>
 <p:sld xmlns:a="http://schemas.openxmlformats.org/drawingml/2006/main" xmlns:r="http://schemas.openxmlformats.org/officeDocument/2006/relationships" xmlns:p="http://schemas.openxmlformats.org/presentationml/2006/main">
   <p:cSld>
     <p:spTree>
@@ -30816,7 +33329,7 @@
           <a:p>
             <a:fld id="{48F63A3B-78C7-47BE-AE5E-E10140E04643}" type="slidenum">
               <a:rPr lang="en-US" smtClean="0"/>
-              <a:t>16</a:t>
+              <a:t>19</a:t>
             </a:fld>
             <a:endParaRPr lang="en-US" dirty="0"/>
           </a:p>
@@ -30917,7 +33430,231 @@
 </p:sld>
 </file>
 
-<file path=ppt/slides/slide17.xml><?xml version="1.0" encoding="utf-8"?>
+<file path=ppt/slides/slide2.xml><?xml version="1.0" encoding="utf-8"?>
+<p:sld xmlns:a="http://schemas.openxmlformats.org/drawingml/2006/main" xmlns:r="http://schemas.openxmlformats.org/officeDocument/2006/relationships" xmlns:p="http://schemas.openxmlformats.org/presentationml/2006/main">
+  <p:cSld>
+    <p:spTree>
+      <p:nvGrpSpPr>
+        <p:cNvPr id="1" name=""/>
+        <p:cNvGrpSpPr/>
+        <p:nvPr/>
+      </p:nvGrpSpPr>
+      <p:grpSpPr>
+        <a:xfrm>
+          <a:off x="0" y="0"/>
+          <a:ext cx="0" cy="0"/>
+          <a:chOff x="0" y="0"/>
+          <a:chExt cx="0" cy="0"/>
+        </a:xfrm>
+      </p:grpSpPr>
+      <p:sp>
+        <p:nvSpPr>
+          <p:cNvPr id="2" name="Title 1">
+            <a:extLst>
+              <a:ext uri="{FF2B5EF4-FFF2-40B4-BE49-F238E27FC236}">
+                <a16:creationId xmlns:a16="http://schemas.microsoft.com/office/drawing/2014/main" id="{85C565E9-D88A-55D3-9D42-BD1C24B6DE9F}"/>
+              </a:ext>
+            </a:extLst>
+          </p:cNvPr>
+          <p:cNvSpPr>
+            <a:spLocks noGrp="1"/>
+          </p:cNvSpPr>
+          <p:nvPr>
+            <p:ph type="title"/>
+          </p:nvPr>
+        </p:nvSpPr>
+        <p:spPr>
+          <a:xfrm>
+            <a:off x="1499616" y="743702"/>
+            <a:ext cx="7085092" cy="768096"/>
+          </a:xfrm>
+        </p:spPr>
+        <p:txBody>
+          <a:bodyPr/>
+          <a:lstStyle/>
+          <a:p>
+            <a:r>
+              <a:rPr lang="en-US" sz="3600" b="1" dirty="0">
+                <a:solidFill>
+                  <a:schemeClr val="accent6"/>
+                </a:solidFill>
+                <a:latin typeface="Arial Black" panose="020B0604020202020204" pitchFamily="34" charset="0"/>
+                <a:ea typeface="Arial Regular" pitchFamily="34" charset="-122"/>
+                <a:cs typeface="Arial Black" panose="020B0604020202020204" pitchFamily="34" charset="0"/>
+              </a:rPr>
+              <a:t>TABLE OF CONTENT</a:t>
+            </a:r>
+            <a:endParaRPr lang="en-US" sz="3600" b="1" dirty="0">
+              <a:solidFill>
+                <a:schemeClr val="accent6"/>
+              </a:solidFill>
+              <a:latin typeface="Arial Black" panose="020B0604020202020204" pitchFamily="34" charset="0"/>
+              <a:cs typeface="Arial Black" panose="020B0604020202020204" pitchFamily="34" charset="0"/>
+            </a:endParaRPr>
+          </a:p>
+        </p:txBody>
+      </p:sp>
+      <p:sp>
+        <p:nvSpPr>
+          <p:cNvPr id="3" name="Content Placeholder 2">
+            <a:extLst>
+              <a:ext uri="{FF2B5EF4-FFF2-40B4-BE49-F238E27FC236}">
+                <a16:creationId xmlns:a16="http://schemas.microsoft.com/office/drawing/2014/main" id="{4D1F66E5-D2D7-172B-46BA-FEBFE092CC7F}"/>
+              </a:ext>
+            </a:extLst>
+          </p:cNvPr>
+          <p:cNvSpPr>
+            <a:spLocks noGrp="1"/>
+          </p:cNvSpPr>
+          <p:nvPr>
+            <p:ph idx="1"/>
+          </p:nvPr>
+        </p:nvSpPr>
+        <p:spPr>
+          <a:xfrm>
+            <a:off x="1499616" y="1325367"/>
+            <a:ext cx="5693664" cy="3122168"/>
+          </a:xfrm>
+        </p:spPr>
+        <p:txBody>
+          <a:bodyPr/>
+          <a:lstStyle/>
+          <a:p>
+            <a:pPr marL="342900" indent="-342900">
+              <a:buFont typeface="Wingdings" panose="05000000000000000000" pitchFamily="2" charset="2"/>
+              <a:buChar char="q"/>
+            </a:pPr>
+            <a:r>
+              <a:rPr lang="en-US" dirty="0"/>
+              <a:t>Project Description</a:t>
+            </a:r>
+          </a:p>
+          <a:p>
+            <a:pPr marL="342900" indent="-342900">
+              <a:buFont typeface="Wingdings" panose="05000000000000000000" pitchFamily="2" charset="2"/>
+              <a:buChar char="q"/>
+            </a:pPr>
+            <a:r>
+              <a:rPr lang="en-US" dirty="0"/>
+              <a:t>Approach</a:t>
+            </a:r>
+          </a:p>
+          <a:p>
+            <a:pPr marL="342900" indent="-342900">
+              <a:buFont typeface="Wingdings" panose="05000000000000000000" pitchFamily="2" charset="2"/>
+              <a:buChar char="q"/>
+            </a:pPr>
+            <a:r>
+              <a:rPr lang="en-US" dirty="0"/>
+              <a:t>Tech Stack Used</a:t>
+            </a:r>
+          </a:p>
+          <a:p>
+            <a:pPr marL="342900" indent="-342900">
+              <a:buFont typeface="Wingdings" panose="05000000000000000000" pitchFamily="2" charset="2"/>
+              <a:buChar char="q"/>
+            </a:pPr>
+            <a:r>
+              <a:rPr lang="en-US" dirty="0"/>
+              <a:t>Analysis</a:t>
+            </a:r>
+          </a:p>
+          <a:p>
+            <a:pPr marL="804672" lvl="1" indent="-457200">
+              <a:lnSpc>
+                <a:spcPct val="100000"/>
+              </a:lnSpc>
+              <a:buAutoNum type="alphaUcPeriod"/>
+            </a:pPr>
+            <a:r>
+              <a:rPr lang="en-US" dirty="0"/>
+              <a:t>Hiring Analysis</a:t>
+            </a:r>
+          </a:p>
+          <a:p>
+            <a:pPr marL="804672" lvl="1" indent="-457200">
+              <a:lnSpc>
+                <a:spcPct val="100000"/>
+              </a:lnSpc>
+              <a:buAutoNum type="alphaUcPeriod"/>
+            </a:pPr>
+            <a:r>
+              <a:rPr lang="en-US" dirty="0"/>
+              <a:t>Salary Analysis</a:t>
+            </a:r>
+          </a:p>
+          <a:p>
+            <a:pPr marL="804672" lvl="1" indent="-457200">
+              <a:lnSpc>
+                <a:spcPct val="100000"/>
+              </a:lnSpc>
+              <a:buAutoNum type="alphaUcPeriod"/>
+            </a:pPr>
+            <a:r>
+              <a:rPr lang="en-US" dirty="0"/>
+              <a:t>Salary Distribution</a:t>
+            </a:r>
+          </a:p>
+          <a:p>
+            <a:pPr marL="804672" lvl="1" indent="-457200">
+              <a:lnSpc>
+                <a:spcPct val="100000"/>
+              </a:lnSpc>
+              <a:buAutoNum type="alphaUcPeriod"/>
+            </a:pPr>
+            <a:r>
+              <a:rPr lang="en-US" dirty="0"/>
+              <a:t>Department Analysis</a:t>
+            </a:r>
+          </a:p>
+          <a:p>
+            <a:pPr marL="804672" lvl="1" indent="-457200">
+              <a:lnSpc>
+                <a:spcPct val="100000"/>
+              </a:lnSpc>
+              <a:buAutoNum type="alphaUcPeriod"/>
+            </a:pPr>
+            <a:r>
+              <a:rPr lang="en-US" dirty="0"/>
+              <a:t>Position Tier Analysis</a:t>
+            </a:r>
+          </a:p>
+          <a:p>
+            <a:pPr marL="342900" indent="-342900">
+              <a:buFont typeface="Wingdings" panose="05000000000000000000" pitchFamily="2" charset="2"/>
+              <a:buChar char="q"/>
+            </a:pPr>
+            <a:r>
+              <a:rPr lang="en-US" dirty="0"/>
+              <a:t>Insights</a:t>
+            </a:r>
+          </a:p>
+          <a:p>
+            <a:pPr marL="342900" indent="-342900">
+              <a:buFont typeface="Wingdings" panose="05000000000000000000" pitchFamily="2" charset="2"/>
+              <a:buChar char="q"/>
+            </a:pPr>
+            <a:r>
+              <a:rPr lang="en-US" dirty="0"/>
+              <a:t>Conclusion &amp; Result</a:t>
+            </a:r>
+          </a:p>
+        </p:txBody>
+      </p:sp>
+    </p:spTree>
+    <p:extLst>
+      <p:ext uri="{BB962C8B-B14F-4D97-AF65-F5344CB8AC3E}">
+        <p14:creationId xmlns:p14="http://schemas.microsoft.com/office/powerpoint/2010/main" val="3855531800"/>
+      </p:ext>
+    </p:extLst>
+  </p:cSld>
+  <p:clrMapOvr>
+    <a:masterClrMapping/>
+  </p:clrMapOvr>
+</p:sld>
+</file>
+
+<file path=ppt/slides/slide20.xml><?xml version="1.0" encoding="utf-8"?>
 <p:sld xmlns:a="http://schemas.openxmlformats.org/drawingml/2006/main" xmlns:r="http://schemas.openxmlformats.org/officeDocument/2006/relationships" xmlns:p="http://schemas.openxmlformats.org/presentationml/2006/main">
   <p:cSld>
     <p:spTree>
@@ -31157,7 +33894,7 @@
           <a:p>
             <a:fld id="{48F63A3B-78C7-47BE-AE5E-E10140E04643}" type="slidenum">
               <a:rPr lang="en-US" smtClean="0"/>
-              <a:t>17</a:t>
+              <a:t>20</a:t>
             </a:fld>
             <a:endParaRPr lang="en-US" dirty="0"/>
           </a:p>
@@ -31627,7 +34364,7 @@
 </p:sld>
 </file>
 
-<file path=ppt/slides/slide18.xml><?xml version="1.0" encoding="utf-8"?>
+<file path=ppt/slides/slide21.xml><?xml version="1.0" encoding="utf-8"?>
 <p:sld xmlns:a="http://schemas.openxmlformats.org/drawingml/2006/main" xmlns:r="http://schemas.openxmlformats.org/officeDocument/2006/relationships" xmlns:p="http://schemas.openxmlformats.org/presentationml/2006/main">
   <p:cSld>
     <p:spTree>
@@ -31863,7 +34600,7 @@
           <a:p>
             <a:fld id="{48F63A3B-78C7-47BE-AE5E-E10140E04643}" type="slidenum">
               <a:rPr lang="en-US" smtClean="0"/>
-              <a:t>18</a:t>
+              <a:t>21</a:t>
             </a:fld>
             <a:endParaRPr lang="en-US" dirty="0"/>
           </a:p>
@@ -32250,7 +34987,7 @@
 </p:sld>
 </file>
 
-<file path=ppt/slides/slide19.xml><?xml version="1.0" encoding="utf-8"?>
+<file path=ppt/slides/slide22.xml><?xml version="1.0" encoding="utf-8"?>
 <p:sld xmlns:a="http://schemas.openxmlformats.org/drawingml/2006/main" xmlns:r="http://schemas.openxmlformats.org/officeDocument/2006/relationships" xmlns:p="http://schemas.openxmlformats.org/presentationml/2006/main">
   <p:cSld>
     <p:spTree>
@@ -32834,7 +35571,7 @@
           <a:p>
             <a:fld id="{48F63A3B-78C7-47BE-AE5E-E10140E04643}" type="slidenum">
               <a:rPr lang="en-US" smtClean="0"/>
-              <a:t>19</a:t>
+              <a:t>22</a:t>
             </a:fld>
             <a:endParaRPr lang="en-US" dirty="0"/>
           </a:p>
@@ -33032,191 +35769,7 @@
 </p:sld>
 </file>
 
-<file path=ppt/slides/slide2.xml><?xml version="1.0" encoding="utf-8"?>
-<p:sld xmlns:a="http://schemas.openxmlformats.org/drawingml/2006/main" xmlns:r="http://schemas.openxmlformats.org/officeDocument/2006/relationships" xmlns:p="http://schemas.openxmlformats.org/presentationml/2006/main">
-  <p:cSld>
-    <p:spTree>
-      <p:nvGrpSpPr>
-        <p:cNvPr id="1" name=""/>
-        <p:cNvGrpSpPr/>
-        <p:nvPr/>
-      </p:nvGrpSpPr>
-      <p:grpSpPr>
-        <a:xfrm>
-          <a:off x="0" y="0"/>
-          <a:ext cx="0" cy="0"/>
-          <a:chOff x="0" y="0"/>
-          <a:chExt cx="0" cy="0"/>
-        </a:xfrm>
-      </p:grpSpPr>
-      <p:sp>
-        <p:nvSpPr>
-          <p:cNvPr id="2" name="Title 1">
-            <a:extLst>
-              <a:ext uri="{FF2B5EF4-FFF2-40B4-BE49-F238E27FC236}">
-                <a16:creationId xmlns:a16="http://schemas.microsoft.com/office/drawing/2014/main" id="{85C565E9-D88A-55D3-9D42-BD1C24B6DE9F}"/>
-              </a:ext>
-            </a:extLst>
-          </p:cNvPr>
-          <p:cNvSpPr>
-            <a:spLocks noGrp="1"/>
-          </p:cNvSpPr>
-          <p:nvPr>
-            <p:ph type="title"/>
-          </p:nvPr>
-        </p:nvSpPr>
-        <p:spPr>
-          <a:xfrm>
-            <a:off x="1499616" y="743702"/>
-            <a:ext cx="7085092" cy="768096"/>
-          </a:xfrm>
-        </p:spPr>
-        <p:txBody>
-          <a:bodyPr/>
-          <a:lstStyle/>
-          <a:p>
-            <a:r>
-              <a:rPr lang="en-US" sz="3600" b="1" dirty="0">
-                <a:solidFill>
-                  <a:schemeClr val="accent6"/>
-                </a:solidFill>
-                <a:latin typeface="Arial Black" panose="020B0604020202020204" pitchFamily="34" charset="0"/>
-                <a:ea typeface="Arial Regular" pitchFamily="34" charset="-122"/>
-                <a:cs typeface="Arial Black" panose="020B0604020202020204" pitchFamily="34" charset="0"/>
-              </a:rPr>
-              <a:t>TABLE OF CONTENT</a:t>
-            </a:r>
-            <a:endParaRPr lang="en-US" sz="3600" b="1" dirty="0">
-              <a:solidFill>
-                <a:schemeClr val="accent6"/>
-              </a:solidFill>
-              <a:latin typeface="Arial Black" panose="020B0604020202020204" pitchFamily="34" charset="0"/>
-              <a:cs typeface="Arial Black" panose="020B0604020202020204" pitchFamily="34" charset="0"/>
-            </a:endParaRPr>
-          </a:p>
-        </p:txBody>
-      </p:sp>
-      <p:sp>
-        <p:nvSpPr>
-          <p:cNvPr id="3" name="Content Placeholder 2">
-            <a:extLst>
-              <a:ext uri="{FF2B5EF4-FFF2-40B4-BE49-F238E27FC236}">
-                <a16:creationId xmlns:a16="http://schemas.microsoft.com/office/drawing/2014/main" id="{4D1F66E5-D2D7-172B-46BA-FEBFE092CC7F}"/>
-              </a:ext>
-            </a:extLst>
-          </p:cNvPr>
-          <p:cNvSpPr>
-            <a:spLocks noGrp="1"/>
-          </p:cNvSpPr>
-          <p:nvPr>
-            <p:ph idx="1"/>
-          </p:nvPr>
-        </p:nvSpPr>
-        <p:spPr>
-          <a:xfrm>
-            <a:off x="1499616" y="1325367"/>
-            <a:ext cx="5693664" cy="3122168"/>
-          </a:xfrm>
-        </p:spPr>
-        <p:txBody>
-          <a:bodyPr/>
-          <a:lstStyle/>
-          <a:p>
-            <a:pPr marL="342900" indent="-342900">
-              <a:buFont typeface="Wingdings" panose="05000000000000000000" pitchFamily="2" charset="2"/>
-              <a:buChar char="q"/>
-            </a:pPr>
-            <a:r>
-              <a:rPr lang="en-US" dirty="0"/>
-              <a:t>Project Description</a:t>
-            </a:r>
-          </a:p>
-          <a:p>
-            <a:pPr marL="342900" indent="-342900">
-              <a:buFont typeface="Wingdings" panose="05000000000000000000" pitchFamily="2" charset="2"/>
-              <a:buChar char="q"/>
-            </a:pPr>
-            <a:r>
-              <a:rPr lang="en-US" dirty="0"/>
-              <a:t>Approach</a:t>
-            </a:r>
-          </a:p>
-          <a:p>
-            <a:pPr marL="342900" indent="-342900">
-              <a:buFont typeface="Wingdings" panose="05000000000000000000" pitchFamily="2" charset="2"/>
-              <a:buChar char="q"/>
-            </a:pPr>
-            <a:r>
-              <a:rPr lang="en-US" dirty="0"/>
-              <a:t>Tech Stack Used</a:t>
-            </a:r>
-          </a:p>
-          <a:p>
-            <a:pPr marL="342900" indent="-342900">
-              <a:buFont typeface="Wingdings" panose="05000000000000000000" pitchFamily="2" charset="2"/>
-              <a:buChar char="q"/>
-            </a:pPr>
-            <a:r>
-              <a:rPr lang="en-US" dirty="0"/>
-              <a:t>Analysis</a:t>
-            </a:r>
-          </a:p>
-          <a:p>
-            <a:pPr marL="690372" lvl="1" indent="-342900">
-              <a:buFont typeface="Wingdings" panose="05000000000000000000" pitchFamily="2" charset="2"/>
-              <a:buChar char="q"/>
-            </a:pPr>
-            <a:r>
-              <a:rPr lang="en-US" sz="2200" dirty="0"/>
-              <a:t>Case Study 1: Job Data Analysis</a:t>
-            </a:r>
-          </a:p>
-          <a:p>
-            <a:pPr marL="690372" lvl="1" indent="-342900">
-              <a:buFont typeface="Wingdings" panose="05000000000000000000" pitchFamily="2" charset="2"/>
-              <a:buChar char="q"/>
-            </a:pPr>
-            <a:r>
-              <a:rPr lang="en-US" sz="2200" dirty="0"/>
-              <a:t>Case Study 2: Investigating Metric Spike</a:t>
-            </a:r>
-          </a:p>
-          <a:p>
-            <a:pPr marL="342900" indent="-342900">
-              <a:buFont typeface="Wingdings" panose="05000000000000000000" pitchFamily="2" charset="2"/>
-              <a:buChar char="q"/>
-            </a:pPr>
-            <a:r>
-              <a:rPr lang="en-US" dirty="0"/>
-              <a:t>Insights</a:t>
-            </a:r>
-          </a:p>
-          <a:p>
-            <a:pPr marL="342900" indent="-342900">
-              <a:buFont typeface="Wingdings" panose="05000000000000000000" pitchFamily="2" charset="2"/>
-              <a:buChar char="q"/>
-            </a:pPr>
-            <a:r>
-              <a:rPr lang="en-US" dirty="0"/>
-              <a:t>Conclusion &amp; Result</a:t>
-            </a:r>
-          </a:p>
-        </p:txBody>
-      </p:sp>
-    </p:spTree>
-    <p:extLst>
-      <p:ext uri="{BB962C8B-B14F-4D97-AF65-F5344CB8AC3E}">
-        <p14:creationId xmlns:p14="http://schemas.microsoft.com/office/powerpoint/2010/main" val="3855531800"/>
-      </p:ext>
-    </p:extLst>
-  </p:cSld>
-  <p:clrMapOvr>
-    <a:masterClrMapping/>
-  </p:clrMapOvr>
-</p:sld>
-</file>
-
-<file path=ppt/slides/slide20.xml><?xml version="1.0" encoding="utf-8"?>
+<file path=ppt/slides/slide23.xml><?xml version="1.0" encoding="utf-8"?>
 <p:sld xmlns:a="http://schemas.openxmlformats.org/drawingml/2006/main" xmlns:r="http://schemas.openxmlformats.org/officeDocument/2006/relationships" xmlns:p="http://schemas.openxmlformats.org/presentationml/2006/main">
   <p:cSld>
     <p:spTree>
@@ -33317,7 +35870,7 @@
           <a:p>
             <a:fld id="{48F63A3B-78C7-47BE-AE5E-E10140E04643}" type="slidenum">
               <a:rPr lang="en-US" smtClean="0"/>
-              <a:t>20</a:t>
+              <a:t>23</a:t>
             </a:fld>
             <a:endParaRPr lang="en-US" dirty="0"/>
           </a:p>
@@ -34445,7 +36998,7 @@
 </p:sld>
 </file>
 
-<file path=ppt/slides/slide21.xml><?xml version="1.0" encoding="utf-8"?>
+<file path=ppt/slides/slide24.xml><?xml version="1.0" encoding="utf-8"?>
 <p:sld xmlns:a="http://schemas.openxmlformats.org/drawingml/2006/main" xmlns:r="http://schemas.openxmlformats.org/officeDocument/2006/relationships" xmlns:p="http://schemas.openxmlformats.org/presentationml/2006/main">
   <p:cSld>
     <p:spTree>
@@ -34815,7 +37368,7 @@
           <a:p>
             <a:fld id="{48F63A3B-78C7-47BE-AE5E-E10140E04643}" type="slidenum">
               <a:rPr lang="en-US" smtClean="0"/>
-              <a:t>21</a:t>
+              <a:t>24</a:t>
             </a:fld>
             <a:endParaRPr lang="en-US" dirty="0"/>
           </a:p>
@@ -34966,7 +37519,7 @@
 </p:sld>
 </file>
 
-<file path=ppt/slides/slide22.xml><?xml version="1.0" encoding="utf-8"?>
+<file path=ppt/slides/slide25.xml><?xml version="1.0" encoding="utf-8"?>
 <p:sld xmlns:a="http://schemas.openxmlformats.org/drawingml/2006/main" xmlns:r="http://schemas.openxmlformats.org/officeDocument/2006/relationships" xmlns:p="http://schemas.openxmlformats.org/presentationml/2006/main">
   <p:cSld>
     <p:spTree>
@@ -35637,7 +38190,7 @@
           <a:p>
             <a:fld id="{48F63A3B-78C7-47BE-AE5E-E10140E04643}" type="slidenum">
               <a:rPr lang="en-US" smtClean="0"/>
-              <a:t>22</a:t>
+              <a:t>25</a:t>
             </a:fld>
             <a:endParaRPr lang="en-US" dirty="0"/>
           </a:p>
@@ -35738,7 +38291,7 @@
 </p:sld>
 </file>
 
-<file path=ppt/slides/slide23.xml><?xml version="1.0" encoding="utf-8"?>
+<file path=ppt/slides/slide26.xml><?xml version="1.0" encoding="utf-8"?>
 <p:sld xmlns:a="http://schemas.openxmlformats.org/drawingml/2006/main" xmlns:r="http://schemas.openxmlformats.org/officeDocument/2006/relationships" xmlns:p="http://schemas.openxmlformats.org/presentationml/2006/main">
   <p:cSld>
     <p:spTree>
@@ -35839,7 +38392,7 @@
           <a:p>
             <a:fld id="{48F63A3B-78C7-47BE-AE5E-E10140E04643}" type="slidenum">
               <a:rPr lang="en-US" smtClean="0"/>
-              <a:t>23</a:t>
+              <a:t>26</a:t>
             </a:fld>
             <a:endParaRPr lang="en-US" dirty="0"/>
           </a:p>
@@ -37484,7 +40037,7 @@
 </p:sld>
 </file>
 
-<file path=ppt/slides/slide24.xml><?xml version="1.0" encoding="utf-8"?>
+<file path=ppt/slides/slide27.xml><?xml version="1.0" encoding="utf-8"?>
 <p:sld xmlns:a="http://schemas.openxmlformats.org/drawingml/2006/main" xmlns:r="http://schemas.openxmlformats.org/officeDocument/2006/relationships" xmlns:p="http://schemas.openxmlformats.org/presentationml/2006/main">
   <p:cSld>
     <p:spTree>
@@ -37585,7 +40138,7 @@
           <a:p>
             <a:fld id="{48F63A3B-78C7-47BE-AE5E-E10140E04643}" type="slidenum">
               <a:rPr lang="en-US" smtClean="0"/>
-              <a:t>24</a:t>
+              <a:t>27</a:t>
             </a:fld>
             <a:endParaRPr lang="en-US" dirty="0"/>
           </a:p>
@@ -37744,7 +40297,7 @@
 </p:sld>
 </file>
 
-<file path=ppt/slides/slide25.xml><?xml version="1.0" encoding="utf-8"?>
+<file path=ppt/slides/slide28.xml><?xml version="1.0" encoding="utf-8"?>
 <p:sld xmlns:a="http://schemas.openxmlformats.org/drawingml/2006/main" xmlns:r="http://schemas.openxmlformats.org/officeDocument/2006/relationships" xmlns:p="http://schemas.openxmlformats.org/presentationml/2006/main">
   <p:cSld>
     <p:spTree>
@@ -38374,7 +40927,7 @@
           <a:p>
             <a:fld id="{48F63A3B-78C7-47BE-AE5E-E10140E04643}" type="slidenum">
               <a:rPr lang="en-US" smtClean="0"/>
-              <a:t>25</a:t>
+              <a:t>28</a:t>
             </a:fld>
             <a:endParaRPr lang="en-US" dirty="0"/>
           </a:p>
@@ -38572,7 +41125,7 @@
 </p:sld>
 </file>
 
-<file path=ppt/slides/slide26.xml><?xml version="1.0" encoding="utf-8"?>
+<file path=ppt/slides/slide29.xml><?xml version="1.0" encoding="utf-8"?>
 <p:sld xmlns:a="http://schemas.openxmlformats.org/drawingml/2006/main" xmlns:r="http://schemas.openxmlformats.org/officeDocument/2006/relationships" xmlns:p="http://schemas.openxmlformats.org/presentationml/2006/main">
   <p:cSld>
     <p:spTree>
@@ -38673,7 +41226,7 @@
           <a:p>
             <a:fld id="{48F63A3B-78C7-47BE-AE5E-E10140E04643}" type="slidenum">
               <a:rPr lang="en-US" smtClean="0"/>
-              <a:t>26</a:t>
+              <a:t>29</a:t>
             </a:fld>
             <a:endParaRPr lang="en-US" dirty="0"/>
           </a:p>
@@ -40254,7 +42807,77 @@
 </p:sld>
 </file>
 
-<file path=ppt/slides/slide27.xml><?xml version="1.0" encoding="utf-8"?>
+<file path=ppt/slides/slide3.xml><?xml version="1.0" encoding="utf-8"?>
+<p:sld xmlns:a="http://schemas.openxmlformats.org/drawingml/2006/main" xmlns:r="http://schemas.openxmlformats.org/officeDocument/2006/relationships" xmlns:p="http://schemas.openxmlformats.org/presentationml/2006/main">
+  <p:cSld>
+    <p:spTree>
+      <p:nvGrpSpPr>
+        <p:cNvPr id="1" name=""/>
+        <p:cNvGrpSpPr/>
+        <p:nvPr/>
+      </p:nvGrpSpPr>
+      <p:grpSpPr>
+        <a:xfrm>
+          <a:off x="0" y="0"/>
+          <a:ext cx="0" cy="0"/>
+          <a:chOff x="0" y="0"/>
+          <a:chExt cx="0" cy="0"/>
+        </a:xfrm>
+      </p:grpSpPr>
+      <p:sp>
+        <p:nvSpPr>
+          <p:cNvPr id="2" name="Title 1">
+            <a:extLst>
+              <a:ext uri="{FF2B5EF4-FFF2-40B4-BE49-F238E27FC236}">
+                <a16:creationId xmlns:a16="http://schemas.microsoft.com/office/drawing/2014/main" id="{D53B219B-7E3A-7E84-6386-37313F0CFB09}"/>
+              </a:ext>
+            </a:extLst>
+          </p:cNvPr>
+          <p:cNvSpPr>
+            <a:spLocks noGrp="1"/>
+          </p:cNvSpPr>
+          <p:nvPr>
+            <p:ph type="title"/>
+          </p:nvPr>
+        </p:nvSpPr>
+        <p:spPr>
+          <a:xfrm>
+            <a:off x="2691414" y="3008376"/>
+            <a:ext cx="6400800" cy="768096"/>
+          </a:xfrm>
+        </p:spPr>
+        <p:txBody>
+          <a:bodyPr/>
+          <a:lstStyle/>
+          <a:p>
+            <a:r>
+              <a:rPr lang="en-US" sz="4400" dirty="0"/>
+              <a:t>PROJECT DESCRIPTION</a:t>
+            </a:r>
+            <a:endParaRPr lang="en-US" sz="4400" b="1" dirty="0">
+              <a:solidFill>
+                <a:schemeClr val="accent6"/>
+              </a:solidFill>
+              <a:latin typeface="Arial Black" panose="020B0604020202020204" pitchFamily="34" charset="0"/>
+              <a:cs typeface="Arial Black" panose="020B0604020202020204" pitchFamily="34" charset="0"/>
+            </a:endParaRPr>
+          </a:p>
+        </p:txBody>
+      </p:sp>
+    </p:spTree>
+    <p:extLst>
+      <p:ext uri="{BB962C8B-B14F-4D97-AF65-F5344CB8AC3E}">
+        <p14:creationId xmlns:p14="http://schemas.microsoft.com/office/powerpoint/2010/main" val="1407203018"/>
+      </p:ext>
+    </p:extLst>
+  </p:cSld>
+  <p:clrMapOvr>
+    <a:masterClrMapping/>
+  </p:clrMapOvr>
+</p:sld>
+</file>
+
+<file path=ppt/slides/slide30.xml><?xml version="1.0" encoding="utf-8"?>
 <p:sld xmlns:a="http://schemas.openxmlformats.org/drawingml/2006/main" xmlns:r="http://schemas.openxmlformats.org/officeDocument/2006/relationships" xmlns:p="http://schemas.openxmlformats.org/presentationml/2006/main">
   <p:cSld>
     <p:spTree>
@@ -40870,7 +43493,7 @@
           <a:p>
             <a:fld id="{48F63A3B-78C7-47BE-AE5E-E10140E04643}" type="slidenum">
               <a:rPr lang="en-US" smtClean="0"/>
-              <a:t>27</a:t>
+              <a:t>30</a:t>
             </a:fld>
             <a:endParaRPr lang="en-US" dirty="0"/>
           </a:p>
@@ -41068,7 +43691,7 @@
 </p:sld>
 </file>
 
-<file path=ppt/slides/slide28.xml><?xml version="1.0" encoding="utf-8"?>
+<file path=ppt/slides/slide31.xml><?xml version="1.0" encoding="utf-8"?>
 <p:sld xmlns:a="http://schemas.openxmlformats.org/drawingml/2006/main" xmlns:r="http://schemas.openxmlformats.org/officeDocument/2006/relationships" xmlns:p="http://schemas.openxmlformats.org/presentationml/2006/main">
   <p:cSld>
     <p:spTree>
@@ -41286,7 +43909,7 @@
           <a:p>
             <a:fld id="{48F63A3B-78C7-47BE-AE5E-E10140E04643}" type="slidenum">
               <a:rPr lang="en-US" smtClean="0"/>
-              <a:t>28</a:t>
+              <a:t>31</a:t>
             </a:fld>
             <a:endParaRPr lang="en-US" dirty="0"/>
           </a:p>
@@ -41590,7 +44213,7 @@
 </p:sld>
 </file>
 
-<file path=ppt/slides/slide29.xml><?xml version="1.0" encoding="utf-8"?>
+<file path=ppt/slides/slide32.xml><?xml version="1.0" encoding="utf-8"?>
 <p:sld xmlns:a="http://schemas.openxmlformats.org/drawingml/2006/main" xmlns:r="http://schemas.openxmlformats.org/officeDocument/2006/relationships" xmlns:p="http://schemas.openxmlformats.org/presentationml/2006/main">
   <p:cSld>
     <p:spTree>
@@ -42001,7 +44624,7 @@
           <a:p>
             <a:fld id="{48F63A3B-78C7-47BE-AE5E-E10140E04643}" type="slidenum">
               <a:rPr lang="en-US" smtClean="0"/>
-              <a:t>29</a:t>
+              <a:t>32</a:t>
             </a:fld>
             <a:endParaRPr lang="en-US" dirty="0"/>
           </a:p>
@@ -42152,77 +44775,7 @@
 </p:sld>
 </file>
 
-<file path=ppt/slides/slide3.xml><?xml version="1.0" encoding="utf-8"?>
-<p:sld xmlns:a="http://schemas.openxmlformats.org/drawingml/2006/main" xmlns:r="http://schemas.openxmlformats.org/officeDocument/2006/relationships" xmlns:p="http://schemas.openxmlformats.org/presentationml/2006/main">
-  <p:cSld>
-    <p:spTree>
-      <p:nvGrpSpPr>
-        <p:cNvPr id="1" name=""/>
-        <p:cNvGrpSpPr/>
-        <p:nvPr/>
-      </p:nvGrpSpPr>
-      <p:grpSpPr>
-        <a:xfrm>
-          <a:off x="0" y="0"/>
-          <a:ext cx="0" cy="0"/>
-          <a:chOff x="0" y="0"/>
-          <a:chExt cx="0" cy="0"/>
-        </a:xfrm>
-      </p:grpSpPr>
-      <p:sp>
-        <p:nvSpPr>
-          <p:cNvPr id="2" name="Title 1">
-            <a:extLst>
-              <a:ext uri="{FF2B5EF4-FFF2-40B4-BE49-F238E27FC236}">
-                <a16:creationId xmlns:a16="http://schemas.microsoft.com/office/drawing/2014/main" id="{D53B219B-7E3A-7E84-6386-37313F0CFB09}"/>
-              </a:ext>
-            </a:extLst>
-          </p:cNvPr>
-          <p:cNvSpPr>
-            <a:spLocks noGrp="1"/>
-          </p:cNvSpPr>
-          <p:nvPr>
-            <p:ph type="title"/>
-          </p:nvPr>
-        </p:nvSpPr>
-        <p:spPr>
-          <a:xfrm>
-            <a:off x="2691414" y="3008376"/>
-            <a:ext cx="6400800" cy="768096"/>
-          </a:xfrm>
-        </p:spPr>
-        <p:txBody>
-          <a:bodyPr/>
-          <a:lstStyle/>
-          <a:p>
-            <a:r>
-              <a:rPr lang="en-US" sz="4400" dirty="0"/>
-              <a:t>PROJECT DESCRIPTION</a:t>
-            </a:r>
-            <a:endParaRPr lang="en-US" sz="4400" b="1" dirty="0">
-              <a:solidFill>
-                <a:schemeClr val="accent6"/>
-              </a:solidFill>
-              <a:latin typeface="Arial Black" panose="020B0604020202020204" pitchFamily="34" charset="0"/>
-              <a:cs typeface="Arial Black" panose="020B0604020202020204" pitchFamily="34" charset="0"/>
-            </a:endParaRPr>
-          </a:p>
-        </p:txBody>
-      </p:sp>
-    </p:spTree>
-    <p:extLst>
-      <p:ext uri="{BB962C8B-B14F-4D97-AF65-F5344CB8AC3E}">
-        <p14:creationId xmlns:p14="http://schemas.microsoft.com/office/powerpoint/2010/main" val="1407203018"/>
-      </p:ext>
-    </p:extLst>
-  </p:cSld>
-  <p:clrMapOvr>
-    <a:masterClrMapping/>
-  </p:clrMapOvr>
-</p:sld>
-</file>
-
-<file path=ppt/slides/slide30.xml><?xml version="1.0" encoding="utf-8"?>
+<file path=ppt/slides/slide33.xml><?xml version="1.0" encoding="utf-8"?>
 <p:sld xmlns:a="http://schemas.openxmlformats.org/drawingml/2006/main" xmlns:r="http://schemas.openxmlformats.org/officeDocument/2006/relationships" xmlns:p="http://schemas.openxmlformats.org/presentationml/2006/main">
   <p:cSld>
     <p:spTree>
@@ -42772,7 +45325,7 @@
           <a:p>
             <a:fld id="{48F63A3B-78C7-47BE-AE5E-E10140E04643}" type="slidenum">
               <a:rPr lang="en-US" smtClean="0"/>
-              <a:t>30</a:t>
+              <a:t>33</a:t>
             </a:fld>
             <a:endParaRPr lang="en-US" dirty="0"/>
           </a:p>
@@ -43170,7 +45723,7 @@
 </p:sld>
 </file>
 
-<file path=ppt/slides/slide31.xml><?xml version="1.0" encoding="utf-8"?>
+<file path=ppt/slides/slide34.xml><?xml version="1.0" encoding="utf-8"?>
 <p:sld xmlns:a="http://schemas.openxmlformats.org/drawingml/2006/main" xmlns:r="http://schemas.openxmlformats.org/officeDocument/2006/relationships" xmlns:p="http://schemas.openxmlformats.org/presentationml/2006/main">
   <p:cSld>
     <p:spTree>
@@ -43234,7 +45787,7 @@
 </p:sld>
 </file>
 
-<file path=ppt/slides/slide32.xml><?xml version="1.0" encoding="utf-8"?>
+<file path=ppt/slides/slide35.xml><?xml version="1.0" encoding="utf-8"?>
 <p:sld xmlns:a="http://schemas.openxmlformats.org/drawingml/2006/main" xmlns:r="http://schemas.openxmlformats.org/officeDocument/2006/relationships" xmlns:p="http://schemas.openxmlformats.org/presentationml/2006/main">
   <p:cSld>
     <p:spTree>
@@ -43409,7 +45962,7 @@
           <a:p>
             <a:fld id="{48F63A3B-78C7-47BE-AE5E-E10140E04643}" type="slidenum">
               <a:rPr lang="en-US" smtClean="0"/>
-              <a:t>32</a:t>
+              <a:t>35</a:t>
             </a:fld>
             <a:endParaRPr lang="en-US" dirty="0"/>
           </a:p>
@@ -43554,7 +46107,7 @@
 </p:sld>
 </file>
 
-<file path=ppt/slides/slide33.xml><?xml version="1.0" encoding="utf-8"?>
+<file path=ppt/slides/slide36.xml><?xml version="1.0" encoding="utf-8"?>
 <p:sld xmlns:a="http://schemas.openxmlformats.org/drawingml/2006/main" xmlns:r="http://schemas.openxmlformats.org/officeDocument/2006/relationships" xmlns:p="http://schemas.openxmlformats.org/presentationml/2006/main">
   <p:cSld>
     <p:spTree>
@@ -43686,7 +46239,7 @@
         </p:nvSpPr>
         <p:spPr>
           <a:xfrm>
-            <a:off x="4224528" y="934720"/>
+            <a:off x="4295549" y="845943"/>
             <a:ext cx="6766560" cy="768096"/>
           </a:xfrm>
         </p:spPr>
@@ -43719,7 +46272,7 @@
         </p:nvSpPr>
         <p:spPr>
           <a:xfrm>
-            <a:off x="4178808" y="1784569"/>
+            <a:off x="4107787" y="1491606"/>
             <a:ext cx="6766560" cy="2700528"/>
           </a:xfrm>
         </p:spPr>
@@ -43733,7 +46286,7 @@
             </a:pPr>
             <a:r>
               <a:rPr lang="en-US" sz="1800" dirty="0"/>
-              <a:t>This project involves taking on the role of a senior data analyst and completely involves me in various datasets and spreadsheets related to the company's operations. </a:t>
+              <a:t>This project involves Data Analysis for Hiring Process Optimization at a Multinational Company.</a:t>
             </a:r>
           </a:p>
           <a:p>
@@ -43743,7 +46296,7 @@
             </a:pPr>
             <a:r>
               <a:rPr lang="en-US" sz="1800" dirty="0"/>
-              <a:t>As a data analyst, I will have to work closely with various teams within the company, including operations, support and marketing, to gain valuable insights from the data they have collected.</a:t>
+              <a:t>The hiring process is a pivotal aspect of any successful organization, and a renowned multinational company like Google, recognizes the significance of optimizing this process. </a:t>
             </a:r>
           </a:p>
           <a:p>
@@ -43753,7 +46306,7 @@
             </a:pPr>
             <a:r>
               <a:rPr lang="en-US" sz="1800" dirty="0"/>
-              <a:t> The main focus of this project is to investigate spikes in metrics, understand sudden changes in key metrics such as daily user engagement or sales drops, and provide daily answers to related questions.</a:t>
+              <a:t>As a data analyst, I have been tasked with conducting a comprehensive data analysis of the company's hiring process.</a:t>
             </a:r>
           </a:p>
           <a:p>
@@ -43763,7 +46316,27 @@
             </a:pPr>
             <a:r>
               <a:rPr lang="en-US" sz="1800" dirty="0"/>
-              <a:t>Using my advanced SQL skills, I will analyze data and provide actionable insights to improve the company's operations and understand sudden metrics changes. By working on this project, I will play a key role in data-driven decision-making and help my organization optimize its overall performance and efficiency.</a:t>
+              <a:t> My primary objective is to extract meaningful insights and actionable recommendations that will facilitate the company in conducting recruitment procedures and making well-informed decisions for future hiring endeavors.</a:t>
+            </a:r>
+          </a:p>
+          <a:p>
+            <a:pPr marL="285750" indent="-285750">
+              <a:buFont typeface="Arial" panose="020B0604020202020204" pitchFamily="34" charset="0"/>
+              <a:buChar char="•"/>
+            </a:pPr>
+            <a:r>
+              <a:rPr lang="en-US" sz="1800" dirty="0"/>
+              <a:t>In this project, I will be provided with a dataset containing detailed records of previous hires at company. The dataset encompasses essential information, such as candidate demographics, interview details, job types and other relevant hiring metrics. </a:t>
+            </a:r>
+          </a:p>
+          <a:p>
+            <a:pPr marL="285750" indent="-285750">
+              <a:buFont typeface="Arial" panose="020B0604020202020204" pitchFamily="34" charset="0"/>
+              <a:buChar char="•"/>
+            </a:pPr>
+            <a:r>
+              <a:rPr lang="en-US" sz="1800" dirty="0"/>
+              <a:t>Leveraging my expertise in data analysis, I will perform A Data-Driven Analysis of Enhancing Hiring Process Efficiency.</a:t>
             </a:r>
           </a:p>
         </p:txBody>
@@ -44008,7 +46581,7 @@
         </p:nvSpPr>
         <p:spPr>
           <a:xfrm>
-            <a:off x="3863207" y="1067170"/>
+            <a:off x="3801063" y="1502176"/>
             <a:ext cx="8115433" cy="4262022"/>
           </a:xfrm>
         </p:spPr>
@@ -44021,8 +46594,8 @@
               <a:buChar char="•"/>
             </a:pPr>
             <a:r>
-              <a:rPr lang="en-US" sz="1800" dirty="0"/>
-              <a:t>My approach through this project would be first creating a database for a project</a:t>
+              <a:rPr lang="en-US" sz="2000" dirty="0"/>
+              <a:t>Firstly, go through the dataset to know more about the data, tables, columns and the rows.</a:t>
             </a:r>
           </a:p>
           <a:p>
@@ -44031,8 +46604,8 @@
               <a:buChar char="•"/>
             </a:pPr>
             <a:r>
-              <a:rPr lang="en-US" sz="1800" dirty="0"/>
-              <a:t>Then solve the questions through SQL queries using the MySQL Workbench.</a:t>
+              <a:rPr lang="en-US" sz="2000" dirty="0"/>
+              <a:t>Analyze the data given in the dataset to perform operations.</a:t>
             </a:r>
           </a:p>
           <a:p>
@@ -44041,8 +46614,8 @@
               <a:buChar char="•"/>
             </a:pPr>
             <a:r>
-              <a:rPr lang="en-US" sz="1800" dirty="0"/>
-              <a:t>I will provide a detailed explanation of the query along with the results of each query.</a:t>
+              <a:rPr lang="en-US" sz="2000" dirty="0"/>
+              <a:t>Then solve the questions using Excel formulas.</a:t>
             </a:r>
           </a:p>
           <a:p>
@@ -44051,97 +46624,101 @@
               <a:buChar char="•"/>
             </a:pPr>
             <a:r>
-              <a:rPr lang="en-US" sz="1800" dirty="0"/>
+              <a:rPr lang="en-US" sz="2000" dirty="0"/>
+              <a:t>I will provide a detailed explanation of output along with the formula and visual charts &amp; graphs.</a:t>
+            </a:r>
+          </a:p>
+          <a:p>
+            <a:pPr marL="285750" indent="-285750">
+              <a:buFont typeface="Arial" panose="020B0604020202020204" pitchFamily="34" charset="0"/>
+              <a:buChar char="•"/>
+            </a:pPr>
+            <a:r>
+              <a:rPr lang="en-US" sz="2000" dirty="0"/>
               <a:t>I will perform my analysis using the following list of points.</a:t>
             </a:r>
           </a:p>
           <a:p>
+            <a:endParaRPr lang="en-US" sz="2400" dirty="0"/>
+          </a:p>
+          <a:p>
+            <a:pPr marL="342900" indent="-342900">
+              <a:buFont typeface="Wingdings" panose="05000000000000000000" pitchFamily="2" charset="2"/>
+              <a:buChar char="q"/>
+            </a:pPr>
+            <a:r>
+              <a:rPr lang="en-US" sz="2000" dirty="0"/>
+              <a:t>Analysis</a:t>
+            </a:r>
+          </a:p>
+          <a:p>
+            <a:pPr marL="804672" lvl="1" indent="-457200">
+              <a:lnSpc>
+                <a:spcPct val="100000"/>
+              </a:lnSpc>
+              <a:buAutoNum type="alphaUcPeriod"/>
+            </a:pPr>
+            <a:r>
+              <a:rPr lang="en-US" sz="2000" dirty="0"/>
+              <a:t>Hiring Analysis</a:t>
+            </a:r>
+          </a:p>
+          <a:p>
+            <a:pPr marL="804672" lvl="1" indent="-457200">
+              <a:lnSpc>
+                <a:spcPct val="100000"/>
+              </a:lnSpc>
+              <a:buAutoNum type="alphaUcPeriod"/>
+            </a:pPr>
+            <a:r>
+              <a:rPr lang="en-US" sz="2000" dirty="0"/>
+              <a:t>Salary Analysis</a:t>
+            </a:r>
+          </a:p>
+          <a:p>
+            <a:pPr marL="804672" lvl="1" indent="-457200">
+              <a:lnSpc>
+                <a:spcPct val="100000"/>
+              </a:lnSpc>
+              <a:buAutoNum type="alphaUcPeriod"/>
+            </a:pPr>
+            <a:r>
+              <a:rPr lang="en-US" sz="2000" dirty="0"/>
+              <a:t>Salary Distribution</a:t>
+            </a:r>
+          </a:p>
+          <a:p>
+            <a:pPr marL="804672" lvl="1" indent="-457200">
+              <a:lnSpc>
+                <a:spcPct val="100000"/>
+              </a:lnSpc>
+              <a:buAutoNum type="alphaUcPeriod"/>
+            </a:pPr>
+            <a:r>
+              <a:rPr lang="en-US" sz="2000" dirty="0"/>
+              <a:t>Department Analysis</a:t>
+            </a:r>
+          </a:p>
+          <a:p>
+            <a:pPr marL="804672" lvl="1" indent="-457200">
+              <a:lnSpc>
+                <a:spcPct val="100000"/>
+              </a:lnSpc>
+              <a:buAutoNum type="alphaUcPeriod"/>
+            </a:pPr>
+            <a:r>
+              <a:rPr lang="en-US" sz="2000" dirty="0"/>
+              <a:t>Position Tier Analysis</a:t>
+            </a:r>
+          </a:p>
+          <a:p>
             <a:endParaRPr lang="en-US" sz="2000" dirty="0"/>
           </a:p>
           <a:p>
-            <a:r>
-              <a:rPr lang="en-US" sz="1800" dirty="0"/>
-              <a:t>Case Study 1: Job Data Analysis:- </a:t>
-            </a:r>
-          </a:p>
-          <a:p>
-            <a:r>
-              <a:rPr lang="en-US" sz="1800" dirty="0"/>
-              <a:t>	1. Jobs Reviewed Over Time</a:t>
-            </a:r>
-          </a:p>
-          <a:p>
-            <a:r>
-              <a:rPr lang="en-US" sz="1800" dirty="0"/>
-              <a:t>	2. Throughput Analysis</a:t>
-            </a:r>
-          </a:p>
-          <a:p>
-            <a:r>
-              <a:rPr lang="en-US" sz="1800" dirty="0"/>
-              <a:t>	3. Language Share Analysis </a:t>
-            </a:r>
-          </a:p>
-          <a:p>
-            <a:r>
-              <a:rPr lang="en-US" sz="1800" dirty="0"/>
-              <a:t>	4. Duplicate Rows Detection</a:t>
-            </a:r>
-          </a:p>
-          <a:p>
-            <a:r>
-              <a:rPr lang="en-US" sz="1800" dirty="0"/>
-              <a:t>Case Study 2: Investigating Metric Spike</a:t>
-            </a:r>
-          </a:p>
-          <a:p>
-            <a:r>
-              <a:rPr lang="en-US" sz="1800" dirty="0"/>
-              <a:t>	1. Weekly User Engagement</a:t>
-            </a:r>
-          </a:p>
-          <a:p>
-            <a:r>
-              <a:rPr lang="en-US" sz="1800" dirty="0"/>
-              <a:t>	2. User Growth Analysis</a:t>
-            </a:r>
-          </a:p>
-          <a:p>
-            <a:r>
-              <a:rPr lang="en-US" sz="1800" dirty="0"/>
-              <a:t>	3. Weekly Retention Analysis</a:t>
-            </a:r>
-          </a:p>
-          <a:p>
-            <a:r>
-              <a:rPr lang="en-US" sz="1800" dirty="0"/>
-              <a:t>	4. Weekly Engagement Per Device</a:t>
-            </a:r>
-          </a:p>
-          <a:p>
-            <a:r>
-              <a:rPr lang="en-US" sz="1800" dirty="0"/>
-              <a:t>	5. Email Engagement Analysis</a:t>
-            </a:r>
-            <a:br>
-              <a:rPr lang="en-IN" sz="2000" b="0" i="0" dirty="0">
-                <a:solidFill>
-                  <a:srgbClr val="8492A6"/>
-                </a:solidFill>
-                <a:effectLst/>
-                <a:latin typeface="Manrope"/>
-              </a:rPr>
-            </a:br>
-            <a:endParaRPr lang="en-US" sz="1800" dirty="0"/>
-          </a:p>
-          <a:p>
-            <a:endParaRPr lang="en-US" sz="1800" dirty="0"/>
-          </a:p>
-          <a:p>
-            <a:endParaRPr lang="en-US" sz="1800" dirty="0"/>
-          </a:p>
-          <a:p>
-            <a:endParaRPr lang="en-US" sz="1800" dirty="0"/>
+            <a:endParaRPr lang="en-US" sz="2000" dirty="0"/>
+          </a:p>
+          <a:p>
+            <a:endParaRPr lang="en-US" sz="2000" dirty="0"/>
           </a:p>
         </p:txBody>
       </p:sp>
@@ -44313,7 +46890,7 @@
             </a:pPr>
             <a:r>
               <a:rPr lang="en-IN" dirty="0"/>
-              <a:t>MySQL Workbench</a:t>
+              <a:t>Microsoft Excel</a:t>
             </a:r>
           </a:p>
           <a:p>
@@ -44425,25 +47002,61 @@
         </p:nvSpPr>
         <p:spPr>
           <a:xfrm>
-            <a:off x="2682537" y="3243989"/>
-            <a:ext cx="6400800" cy="512064"/>
+            <a:off x="4820574" y="3243989"/>
+            <a:ext cx="4555725" cy="512064"/>
           </a:xfrm>
         </p:spPr>
         <p:txBody>
           <a:bodyPr/>
           <a:lstStyle/>
           <a:p>
-            <a:pPr algn="ctr"/>
+            <a:pPr marL="457200" indent="-457200" algn="l">
+              <a:buFont typeface="+mj-lt"/>
+              <a:buAutoNum type="alphaUcPeriod"/>
+            </a:pPr>
             <a:r>
               <a:rPr lang="en-US" dirty="0"/>
-              <a:t>Case Study 1: Job Data Analysis</a:t>
-            </a:r>
-          </a:p>
-          <a:p>
-            <a:pPr algn="ctr"/>
+              <a:t>Hiring Analysis</a:t>
+            </a:r>
+          </a:p>
+          <a:p>
+            <a:pPr marL="457200" indent="-457200" algn="l">
+              <a:buFont typeface="+mj-lt"/>
+              <a:buAutoNum type="alphaUcPeriod"/>
+            </a:pPr>
             <a:r>
               <a:rPr lang="en-US" dirty="0"/>
-              <a:t>Case Study 2: Investigating Metric Spike</a:t>
+              <a:t>Salary Analysis</a:t>
+            </a:r>
+          </a:p>
+          <a:p>
+            <a:pPr marL="457200" indent="-457200" algn="l">
+              <a:buFont typeface="+mj-lt"/>
+              <a:buAutoNum type="alphaUcPeriod"/>
+            </a:pPr>
+            <a:r>
+              <a:rPr lang="en-US" dirty="0"/>
+              <a:t>Salary Distribution</a:t>
+            </a:r>
+          </a:p>
+          <a:p>
+            <a:pPr marL="457200" indent="-457200" algn="l">
+              <a:buFont typeface="+mj-lt"/>
+              <a:buAutoNum type="alphaUcPeriod"/>
+            </a:pPr>
+            <a:r>
+              <a:rPr lang="en-US" dirty="0"/>
+              <a:t>Department Analysis</a:t>
+            </a:r>
+          </a:p>
+          <a:p>
+            <a:pPr marL="457200" indent="-457200" algn="l">
+              <a:buFont typeface="+mj-lt"/>
+              <a:buAutoNum type="alphaUcPeriod"/>
+            </a:pPr>
+            <a:r>
+              <a:rPr lang="en-US" dirty="0"/>
+              <a:t>Position Tier Analysis</a:t>
             </a:r>
           </a:p>
         </p:txBody>
@@ -44480,6 +47093,55 @@
       </p:grpSpPr>
       <p:sp>
         <p:nvSpPr>
+          <p:cNvPr id="7" name="Rectangle 6">
+            <a:extLst>
+              <a:ext uri="{FF2B5EF4-FFF2-40B4-BE49-F238E27FC236}">
+                <a16:creationId xmlns:a16="http://schemas.microsoft.com/office/drawing/2014/main" id="{9188DFD6-2733-9425-D029-39399B4E550D}"/>
+              </a:ext>
+            </a:extLst>
+          </p:cNvPr>
+          <p:cNvSpPr/>
+          <p:nvPr/>
+        </p:nvSpPr>
+        <p:spPr>
+          <a:xfrm>
+            <a:off x="552723" y="728437"/>
+            <a:ext cx="11380197" cy="1085538"/>
+          </a:xfrm>
+          <a:prstGeom prst="rect">
+            <a:avLst/>
+          </a:prstGeom>
+          <a:solidFill>
+            <a:srgbClr val="AAC4E9"/>
+          </a:solidFill>
+        </p:spPr>
+        <p:style>
+          <a:lnRef idx="2">
+            <a:schemeClr val="accent1">
+              <a:shade val="15000"/>
+            </a:schemeClr>
+          </a:lnRef>
+          <a:fillRef idx="1">
+            <a:schemeClr val="accent1"/>
+          </a:fillRef>
+          <a:effectRef idx="0">
+            <a:schemeClr val="accent1"/>
+          </a:effectRef>
+          <a:fontRef idx="minor">
+            <a:schemeClr val="lt1"/>
+          </a:fontRef>
+        </p:style>
+        <p:txBody>
+          <a:bodyPr rtlCol="0" anchor="ctr"/>
+          <a:lstStyle/>
+          <a:p>
+            <a:pPr algn="ctr"/>
+            <a:endParaRPr lang="en-IN" dirty="0"/>
+          </a:p>
+        </p:txBody>
+      </p:sp>
+      <p:sp>
+        <p:nvSpPr>
           <p:cNvPr id="2" name="Title 1">
             <a:extLst>
               <a:ext uri="{FF2B5EF4-FFF2-40B4-BE49-F238E27FC236}">
@@ -44496,8 +47158,8 @@
         </p:nvSpPr>
         <p:spPr>
           <a:xfrm>
-            <a:off x="608633" y="996158"/>
-            <a:ext cx="10336735" cy="1022589"/>
+            <a:off x="552723" y="667779"/>
+            <a:ext cx="11380197" cy="1257766"/>
           </a:xfrm>
         </p:spPr>
         <p:txBody>
@@ -44506,68 +47168,67 @@
           <a:p>
             <a:pPr algn="l"/>
             <a:r>
-              <a:rPr lang="en-US" sz="2000" u="sng" dirty="0">
+              <a:rPr kumimoji="0" lang="en-US" sz="2000" b="1" i="0" u="sng" strike="noStrike" kern="1200" cap="all" spc="0" normalizeH="0" baseline="0" noProof="0" dirty="0">
+                <a:ln>
+                  <a:noFill/>
+                </a:ln>
                 <a:solidFill>
                   <a:srgbClr val="DF8C8C"/>
                 </a:solidFill>
+                <a:effectLst/>
+                <a:uLnTx/>
+                <a:uFillTx/>
+                <a:latin typeface="Arial Black"/>
+                <a:ea typeface="+mj-ea"/>
+                <a:cs typeface="+mj-cs"/>
               </a:rPr>
-              <a:t>Jobs Reviewed Over Time: </a:t>
+              <a:t>A. hiring analysis: </a:t>
             </a:r>
             <a:br>
-              <a:rPr lang="en-US" sz="2000" u="sng" dirty="0">
+              <a:rPr kumimoji="0" lang="en-US" sz="2000" b="1" i="0" u="sng" strike="noStrike" kern="1200" cap="all" spc="0" normalizeH="0" baseline="0" noProof="0" dirty="0">
+                <a:ln>
+                  <a:noFill/>
+                </a:ln>
                 <a:solidFill>
                   <a:srgbClr val="DF8C8C"/>
                 </a:solidFill>
+                <a:effectLst/>
+                <a:uLnTx/>
+                <a:uFillTx/>
+                <a:latin typeface="Arial Black"/>
+                <a:ea typeface="+mj-ea"/>
+                <a:cs typeface="+mj-cs"/>
               </a:rPr>
             </a:br>
             <a:r>
-              <a:rPr lang="en-US" sz="1600" b="0" i="0" dirty="0">
+              <a:rPr lang="en-US" sz="1600" b="0" dirty="0">
                 <a:solidFill>
-                  <a:schemeClr val="tx1">
+                  <a:srgbClr val="000000">
                     <a:lumMod val="85000"/>
                     <a:lumOff val="15000"/>
-                  </a:schemeClr>
+                  </a:srgbClr>
+                </a:solidFill>
+                <a:latin typeface="Arial Black"/>
+              </a:rPr>
+              <a:t>The hiring process involves bringing new individuals into the organization for various roles. Let's Determine the gender distribution of hires. How many males and females have been hired by the company?</a:t>
+            </a:r>
+            <a:br>
+              <a:rPr kumimoji="0" lang="en-US" sz="1600" b="0" i="0" u="none" strike="noStrike" kern="1200" cap="all" spc="0" normalizeH="0" baseline="0" noProof="0" dirty="0">
+                <a:ln>
+                  <a:noFill/>
+                </a:ln>
+                <a:solidFill>
+                  <a:srgbClr val="000000">
+                    <a:lumMod val="85000"/>
+                    <a:lumOff val="15000"/>
+                  </a:srgbClr>
                 </a:solidFill>
                 <a:effectLst/>
-                <a:latin typeface="+mj-lt"/>
-              </a:rPr>
-              <a:t>Objective: Calculate the number of jobs reviewed per hour for each day in November 2020.</a:t>
-            </a:r>
-            <a:br>
-              <a:rPr lang="en-US" sz="1600" b="0" i="0" dirty="0">
-                <a:solidFill>
-                  <a:schemeClr val="tx1">
-                    <a:lumMod val="85000"/>
-                    <a:lumOff val="15000"/>
-                  </a:schemeClr>
-                </a:solidFill>
-                <a:effectLst/>
-                <a:latin typeface="+mj-lt"/>
-              </a:rPr>
-            </a:br>
-            <a:r>
-              <a:rPr lang="en-US" sz="1600" b="0" i="0" dirty="0">
-                <a:solidFill>
-                  <a:schemeClr val="tx1">
-                    <a:lumMod val="85000"/>
-                    <a:lumOff val="15000"/>
-                  </a:schemeClr>
-                </a:solidFill>
-                <a:effectLst/>
-                <a:latin typeface="+mj-lt"/>
-              </a:rPr>
-              <a:t>Task: Write an SQL query to calculate the number of jobs reviewed per hour for each day in November 2020.</a:t>
-            </a:r>
-            <a:br>
-              <a:rPr lang="en-US" sz="1600" b="0" i="0" dirty="0">
-                <a:solidFill>
-                  <a:schemeClr val="tx1">
-                    <a:lumMod val="85000"/>
-                    <a:lumOff val="15000"/>
-                  </a:schemeClr>
-                </a:solidFill>
-                <a:effectLst/>
-                <a:latin typeface="+mj-lt"/>
+                <a:uLnTx/>
+                <a:uFillTx/>
+                <a:latin typeface="Arial Black"/>
+                <a:ea typeface="+mj-ea"/>
+                <a:cs typeface="+mj-cs"/>
               </a:rPr>
             </a:br>
             <a:endParaRPr lang="en-IN" sz="2000" dirty="0">
@@ -44575,6 +47236,80 @@
                 <a:srgbClr val="00B0F0"/>
               </a:solidFill>
             </a:endParaRPr>
+          </a:p>
+        </p:txBody>
+      </p:sp>
+      <p:sp>
+        <p:nvSpPr>
+          <p:cNvPr id="3" name="Content Placeholder 2">
+            <a:extLst>
+              <a:ext uri="{FF2B5EF4-FFF2-40B4-BE49-F238E27FC236}">
+                <a16:creationId xmlns:a16="http://schemas.microsoft.com/office/drawing/2014/main" id="{14040B9D-6C90-E727-B66B-09BC523F9813}"/>
+              </a:ext>
+            </a:extLst>
+          </p:cNvPr>
+          <p:cNvSpPr>
+            <a:spLocks noGrp="1"/>
+          </p:cNvSpPr>
+          <p:nvPr>
+            <p:ph sz="half" idx="1"/>
+          </p:nvPr>
+        </p:nvSpPr>
+        <p:spPr>
+          <a:xfrm>
+            <a:off x="430304" y="2097435"/>
+            <a:ext cx="11119104" cy="1280161"/>
+          </a:xfrm>
+        </p:spPr>
+        <p:txBody>
+          <a:bodyPr/>
+          <a:lstStyle/>
+          <a:p>
+            <a:r>
+              <a:rPr lang="en-US" dirty="0"/>
+              <a:t>For finding total number of males and females have been hired by the company.</a:t>
+            </a:r>
+          </a:p>
+          <a:p>
+            <a:r>
+              <a:rPr lang="en-US" dirty="0"/>
+              <a:t>I first filtered the status column by selecting hired candidates.</a:t>
+            </a:r>
+          </a:p>
+          <a:p>
+            <a:r>
+              <a:rPr lang="en-US" dirty="0"/>
+              <a:t>Then filtered the “</a:t>
+            </a:r>
+            <a:r>
+              <a:rPr lang="en-US" dirty="0" err="1"/>
+              <a:t>event_name</a:t>
+            </a:r>
+            <a:r>
+              <a:rPr lang="en-US" dirty="0"/>
+              <a:t>” column by selecting Male and Female</a:t>
+            </a:r>
+          </a:p>
+          <a:p>
+            <a:r>
+              <a:rPr lang="en-US" dirty="0"/>
+              <a:t>Then created a bar chart on that to analyze the result.</a:t>
+            </a:r>
+          </a:p>
+          <a:p>
+            <a:endParaRPr lang="en-US" dirty="0"/>
+          </a:p>
+          <a:p>
+            <a:pPr marL="0" indent="0">
+              <a:buNone/>
+            </a:pPr>
+            <a:endParaRPr lang="en-US" dirty="0"/>
+          </a:p>
+          <a:p>
+            <a:pPr marL="0" indent="0">
+              <a:buNone/>
+            </a:pPr>
+            <a:endParaRPr lang="en-US" dirty="0"/>
           </a:p>
         </p:txBody>
       </p:sp>
@@ -44592,8 +47327,8 @@
         </p:nvSpPr>
         <p:spPr>
           <a:xfrm>
-            <a:off x="3813284" y="87012"/>
-            <a:ext cx="4565431" cy="550438"/>
+            <a:off x="4294606" y="108004"/>
+            <a:ext cx="3758345" cy="550438"/>
           </a:xfrm>
           <a:prstGeom prst="rect">
             <a:avLst/>
@@ -44630,42 +47365,7 @@
           <a:lstStyle/>
           <a:p>
             <a:pPr algn="ctr"/>
-            <a:endParaRPr lang="en-IN"/>
-          </a:p>
-        </p:txBody>
-      </p:sp>
-      <p:sp>
-        <p:nvSpPr>
-          <p:cNvPr id="4" name="Footer Placeholder 3">
-            <a:extLst>
-              <a:ext uri="{FF2B5EF4-FFF2-40B4-BE49-F238E27FC236}">
-                <a16:creationId xmlns:a16="http://schemas.microsoft.com/office/drawing/2014/main" id="{5CADA85B-C3A2-FC5A-1070-4AF5622A1D5A}"/>
-              </a:ext>
-            </a:extLst>
-          </p:cNvPr>
-          <p:cNvSpPr>
-            <a:spLocks noGrp="1"/>
-          </p:cNvSpPr>
-          <p:nvPr>
-            <p:ph type="ftr" sz="quarter" idx="11"/>
-          </p:nvPr>
-        </p:nvSpPr>
-        <p:spPr>
-          <a:xfrm>
-            <a:off x="3896142" y="236679"/>
-            <a:ext cx="4565431" cy="220521"/>
-          </a:xfrm>
-        </p:spPr>
-        <p:txBody>
-          <a:bodyPr/>
-          <a:lstStyle/>
-          <a:p>
-            <a:r>
-              <a:rPr lang="en-US" sz="3200" b="1" dirty="0">
-                <a:latin typeface="+mj-lt"/>
-              </a:rPr>
-              <a:t>Job Data Analytics</a:t>
-            </a:r>
+            <a:endParaRPr lang="en-IN" dirty="0"/>
           </a:p>
         </p:txBody>
       </p:sp>
@@ -44685,7 +47385,12 @@
             <p:ph type="sldNum" sz="quarter" idx="12"/>
           </p:nvPr>
         </p:nvSpPr>
-        <p:spPr/>
+        <p:spPr>
+          <a:xfrm>
+            <a:off x="10945368" y="138084"/>
+            <a:ext cx="987552" cy="501636"/>
+          </a:xfrm>
+        </p:spPr>
         <p:txBody>
           <a:bodyPr/>
           <a:lstStyle/>
@@ -44700,306 +47405,241 @@
       </p:sp>
       <p:sp>
         <p:nvSpPr>
-          <p:cNvPr id="12" name="Title 1">
+          <p:cNvPr id="8" name="Footer Placeholder 3">
             <a:extLst>
               <a:ext uri="{FF2B5EF4-FFF2-40B4-BE49-F238E27FC236}">
-                <a16:creationId xmlns:a16="http://schemas.microsoft.com/office/drawing/2014/main" id="{1888EE10-B30C-01CB-8EBF-C3376B0FC265}"/>
+                <a16:creationId xmlns:a16="http://schemas.microsoft.com/office/drawing/2014/main" id="{9F0327CF-462F-CD26-04EC-539F0F589D1E}"/>
               </a:ext>
             </a:extLst>
           </p:cNvPr>
-          <p:cNvSpPr txBox="1">
-            <a:spLocks/>
+          <p:cNvSpPr>
+            <a:spLocks noGrp="1"/>
           </p:cNvSpPr>
-          <p:nvPr/>
+          <p:nvPr>
+            <p:ph type="ftr" sz="quarter" idx="11"/>
+          </p:nvPr>
         </p:nvSpPr>
         <p:spPr>
           <a:xfrm>
-            <a:off x="608632" y="2508268"/>
-            <a:ext cx="11380197" cy="669360"/>
+            <a:off x="4468797" y="275368"/>
+            <a:ext cx="4565431" cy="220521"/>
           </a:xfrm>
-          <a:prstGeom prst="rect">
-            <a:avLst/>
-          </a:prstGeom>
         </p:spPr>
         <p:txBody>
-          <a:bodyPr vert="horz" lIns="91440" tIns="45720" rIns="91440" bIns="45720" rtlCol="0" anchor="t">
-            <a:noAutofit/>
-          </a:bodyPr>
-          <a:lstStyle>
-            <a:lvl1pPr algn="ctr" defTabSz="914400" rtl="0" eaLnBrk="1" latinLnBrk="0" hangingPunct="1">
-              <a:lnSpc>
-                <a:spcPct val="100000"/>
-              </a:lnSpc>
-              <a:spcBef>
-                <a:spcPct val="0"/>
-              </a:spcBef>
-              <a:buNone/>
-              <a:defRPr sz="4400" b="1" kern="1200" cap="all" baseline="0">
-                <a:solidFill>
-                  <a:schemeClr val="accent6"/>
-                </a:solidFill>
+          <a:bodyPr/>
+          <a:lstStyle/>
+          <a:p>
+            <a:r>
+              <a:rPr lang="en-US" sz="3200" b="1" dirty="0">
                 <a:latin typeface="+mj-lt"/>
-                <a:ea typeface="+mj-ea"/>
-                <a:cs typeface="+mj-cs"/>
-              </a:defRPr>
-            </a:lvl1pPr>
-          </a:lstStyle>
-          <a:p>
-            <a:pPr algn="l"/>
-            <a:r>
-              <a:rPr lang="en-US" sz="2000" u="sng" dirty="0">
-                <a:solidFill>
-                  <a:srgbClr val="DF8C8C"/>
-                </a:solidFill>
               </a:rPr>
-              <a:t>Throughput Analysis: </a:t>
-            </a:r>
-          </a:p>
-          <a:p>
-            <a:pPr algn="l"/>
-            <a:r>
-              <a:rPr lang="en-US" sz="1600" b="0" dirty="0">
-                <a:solidFill>
-                  <a:schemeClr val="tx1">
-                    <a:lumMod val="85000"/>
-                    <a:lumOff val="15000"/>
-                  </a:schemeClr>
-                </a:solidFill>
-              </a:rPr>
-              <a:t>Objective: Calculate the 7-day rolling average of throughput.</a:t>
-            </a:r>
-          </a:p>
-          <a:p>
-            <a:pPr algn="l"/>
-            <a:r>
-              <a:rPr lang="en-US" sz="1600" b="0" dirty="0">
-                <a:solidFill>
-                  <a:schemeClr val="tx1">
-                    <a:lumMod val="85000"/>
-                    <a:lumOff val="15000"/>
-                  </a:schemeClr>
-                </a:solidFill>
-              </a:rPr>
-              <a:t> Task: Write an SQL query to calculate the 7-day rolling average of throughput. Also, explain why you prefer using the daily metric or the 7-day rolling average for throughput.</a:t>
-            </a:r>
-            <a:endParaRPr lang="en-IN" sz="2000" dirty="0">
-              <a:solidFill>
-                <a:srgbClr val="00B0F0"/>
-              </a:solidFill>
-            </a:endParaRPr>
+              <a:t>Hiring Analysis</a:t>
+            </a:r>
           </a:p>
         </p:txBody>
       </p:sp>
-      <p:sp>
-        <p:nvSpPr>
-          <p:cNvPr id="13" name="Title 1">
+      <p:graphicFrame>
+        <p:nvGraphicFramePr>
+          <p:cNvPr id="4" name="Table 13">
             <a:extLst>
               <a:ext uri="{FF2B5EF4-FFF2-40B4-BE49-F238E27FC236}">
-                <a16:creationId xmlns:a16="http://schemas.microsoft.com/office/drawing/2014/main" id="{D52250F2-7DF5-BFC4-4741-202D9B0B31F5}"/>
+                <a16:creationId xmlns:a16="http://schemas.microsoft.com/office/drawing/2014/main" id="{BCB09F01-D115-783E-AAA6-87174F7A3559}"/>
               </a:ext>
             </a:extLst>
           </p:cNvPr>
-          <p:cNvSpPr txBox="1">
-            <a:spLocks/>
-          </p:cNvSpPr>
-          <p:nvPr/>
-        </p:nvSpPr>
-        <p:spPr>
-          <a:xfrm>
-            <a:off x="608633" y="4078608"/>
-            <a:ext cx="11380197" cy="669360"/>
-          </a:xfrm>
-          <a:prstGeom prst="rect">
-            <a:avLst/>
-          </a:prstGeom>
-        </p:spPr>
-        <p:txBody>
-          <a:bodyPr vert="horz" lIns="91440" tIns="45720" rIns="91440" bIns="45720" rtlCol="0" anchor="t">
-            <a:noAutofit/>
-          </a:bodyPr>
-          <a:lstStyle>
-            <a:lvl1pPr algn="ctr" defTabSz="914400" rtl="0" eaLnBrk="1" latinLnBrk="0" hangingPunct="1">
-              <a:lnSpc>
-                <a:spcPct val="100000"/>
-              </a:lnSpc>
-              <a:spcBef>
-                <a:spcPct val="0"/>
-              </a:spcBef>
-              <a:buNone/>
-              <a:defRPr sz="4400" b="1" kern="1200" cap="all" baseline="0">
-                <a:solidFill>
-                  <a:schemeClr val="accent6"/>
-                </a:solidFill>
-                <a:latin typeface="+mj-lt"/>
-                <a:ea typeface="+mj-ea"/>
-                <a:cs typeface="+mj-cs"/>
-              </a:defRPr>
-            </a:lvl1pPr>
-          </a:lstStyle>
-          <a:p>
-            <a:pPr algn="l"/>
-            <a:r>
-              <a:rPr lang="en-US" sz="2000" u="sng" dirty="0">
-                <a:solidFill>
-                  <a:srgbClr val="DF8C8C"/>
-                </a:solidFill>
-              </a:rPr>
-              <a:t>Language Share Analysis: </a:t>
-            </a:r>
-          </a:p>
-          <a:p>
-            <a:pPr algn="l"/>
-            <a:r>
-              <a:rPr lang="en-US" sz="1600" b="0" dirty="0">
-                <a:solidFill>
-                  <a:schemeClr val="tx1">
-                    <a:lumMod val="85000"/>
-                    <a:lumOff val="15000"/>
-                  </a:schemeClr>
-                </a:solidFill>
-              </a:rPr>
-              <a:t>Objective: Calculate the percentage share of each language in the last 30 days.</a:t>
-            </a:r>
-          </a:p>
-          <a:p>
-            <a:pPr algn="l"/>
-            <a:r>
-              <a:rPr lang="en-US" sz="1600" b="0" dirty="0">
-                <a:solidFill>
-                  <a:schemeClr val="tx1">
-                    <a:lumMod val="85000"/>
-                    <a:lumOff val="15000"/>
-                  </a:schemeClr>
-                </a:solidFill>
-              </a:rPr>
-              <a:t>Task: Write an SQL query to calculate the percentage share of each language over the last 30 days.</a:t>
-            </a:r>
-            <a:endParaRPr lang="en-IN" sz="2000" dirty="0">
-              <a:solidFill>
-                <a:srgbClr val="00B0F0"/>
-              </a:solidFill>
-            </a:endParaRPr>
-          </a:p>
-        </p:txBody>
-      </p:sp>
-      <p:sp>
-        <p:nvSpPr>
-          <p:cNvPr id="14" name="Title 1">
-            <a:extLst>
-              <a:ext uri="{FF2B5EF4-FFF2-40B4-BE49-F238E27FC236}">
-                <a16:creationId xmlns:a16="http://schemas.microsoft.com/office/drawing/2014/main" id="{EE8EE10D-B3B4-FD70-677F-28FAB3058158}"/>
-              </a:ext>
-            </a:extLst>
-          </p:cNvPr>
-          <p:cNvSpPr txBox="1">
-            <a:spLocks/>
-          </p:cNvSpPr>
-          <p:nvPr/>
-        </p:nvSpPr>
-        <p:spPr>
-          <a:xfrm>
-            <a:off x="552722" y="5314268"/>
-            <a:ext cx="11380197" cy="669360"/>
-          </a:xfrm>
-          <a:prstGeom prst="rect">
-            <a:avLst/>
-          </a:prstGeom>
-        </p:spPr>
-        <p:txBody>
-          <a:bodyPr vert="horz" lIns="91440" tIns="45720" rIns="91440" bIns="45720" rtlCol="0" anchor="t">
-            <a:noAutofit/>
-          </a:bodyPr>
-          <a:lstStyle>
-            <a:lvl1pPr algn="ctr" defTabSz="914400" rtl="0" eaLnBrk="1" latinLnBrk="0" hangingPunct="1">
-              <a:lnSpc>
-                <a:spcPct val="100000"/>
-              </a:lnSpc>
-              <a:spcBef>
-                <a:spcPct val="0"/>
-              </a:spcBef>
-              <a:buNone/>
-              <a:defRPr sz="4400" b="1" kern="1200" cap="all" baseline="0">
-                <a:solidFill>
-                  <a:schemeClr val="accent6"/>
-                </a:solidFill>
-                <a:latin typeface="+mj-lt"/>
-                <a:ea typeface="+mj-ea"/>
-                <a:cs typeface="+mj-cs"/>
-              </a:defRPr>
-            </a:lvl1pPr>
-          </a:lstStyle>
-          <a:p>
-            <a:pPr algn="l"/>
-            <a:r>
-              <a:rPr lang="en-US" sz="2000" u="sng" dirty="0">
-                <a:solidFill>
-                  <a:srgbClr val="DF8C8C"/>
-                </a:solidFill>
-              </a:rPr>
-              <a:t>Duplicate Rows Detection: </a:t>
-            </a:r>
-          </a:p>
-          <a:p>
-            <a:pPr algn="l"/>
-            <a:r>
-              <a:rPr lang="en-US" sz="1600" b="0" dirty="0">
-                <a:solidFill>
-                  <a:schemeClr val="tx1">
-                    <a:lumMod val="85000"/>
-                    <a:lumOff val="15000"/>
-                  </a:schemeClr>
-                </a:solidFill>
-              </a:rPr>
-              <a:t>Objective: Identify duplicate rows in the data.</a:t>
-            </a:r>
-          </a:p>
-          <a:p>
-            <a:pPr algn="l"/>
-            <a:r>
-              <a:rPr lang="en-US" sz="1600" b="0" dirty="0">
-                <a:solidFill>
-                  <a:schemeClr val="tx1">
-                    <a:lumMod val="85000"/>
-                    <a:lumOff val="15000"/>
-                  </a:schemeClr>
-                </a:solidFill>
-              </a:rPr>
-              <a:t>Task: Write an SQL query to display duplicate rows from the </a:t>
-            </a:r>
-            <a:r>
-              <a:rPr lang="en-US" sz="1600" b="0" dirty="0" err="1">
-                <a:solidFill>
-                  <a:schemeClr val="tx1">
-                    <a:lumMod val="85000"/>
-                    <a:lumOff val="15000"/>
-                  </a:schemeClr>
-                </a:solidFill>
-              </a:rPr>
-              <a:t>job_data</a:t>
-            </a:r>
-            <a:r>
-              <a:rPr lang="en-US" sz="1600" b="0" dirty="0">
-                <a:solidFill>
-                  <a:schemeClr val="tx1">
-                    <a:lumMod val="85000"/>
-                    <a:lumOff val="15000"/>
-                  </a:schemeClr>
-                </a:solidFill>
-              </a:rPr>
-              <a:t> table.</a:t>
-            </a:r>
-            <a:endParaRPr lang="en-IN" sz="2000" dirty="0">
-              <a:solidFill>
-                <a:srgbClr val="00B0F0"/>
-              </a:solidFill>
-            </a:endParaRPr>
-          </a:p>
-        </p:txBody>
-      </p:sp>
+          <p:cNvGraphicFramePr>
+            <a:graphicFrameLocks noGrp="1"/>
+          </p:cNvGraphicFramePr>
+          <p:nvPr>
+            <p:extLst>
+              <p:ext uri="{D42A27DB-BD31-4B8C-83A1-F6EECF244321}">
+                <p14:modId xmlns:p14="http://schemas.microsoft.com/office/powerpoint/2010/main" val="1527635221"/>
+              </p:ext>
+            </p:extLst>
+          </p:nvPr>
+        </p:nvGraphicFramePr>
+        <p:xfrm>
+          <a:off x="1392807" y="4067176"/>
+          <a:ext cx="8128000" cy="1165860"/>
+        </p:xfrm>
+        <a:graphic>
+          <a:graphicData uri="http://schemas.openxmlformats.org/drawingml/2006/table">
+            <a:tbl>
+              <a:tblPr firstRow="1" bandRow="1">
+                <a:tableStyleId>{5C22544A-7EE6-4342-B048-85BDC9FD1C3A}</a:tableStyleId>
+              </a:tblPr>
+              <a:tblGrid>
+                <a:gridCol w="4064000">
+                  <a:extLst>
+                    <a:ext uri="{9D8B030D-6E8A-4147-A177-3AD203B41FA5}">
+                      <a16:colId xmlns:a16="http://schemas.microsoft.com/office/drawing/2014/main" val="2835513100"/>
+                    </a:ext>
+                  </a:extLst>
+                </a:gridCol>
+                <a:gridCol w="4064000">
+                  <a:extLst>
+                    <a:ext uri="{9D8B030D-6E8A-4147-A177-3AD203B41FA5}">
+                      <a16:colId xmlns:a16="http://schemas.microsoft.com/office/drawing/2014/main" val="2189947745"/>
+                    </a:ext>
+                  </a:extLst>
+                </a:gridCol>
+              </a:tblGrid>
+              <a:tr h="370840">
+                <a:tc>
+                  <a:txBody>
+                    <a:bodyPr/>
+                    <a:lstStyle/>
+                    <a:p>
+                      <a:pPr algn="ctr" fontAlgn="b"/>
+                      <a:r>
+                        <a:rPr lang="en-IN" sz="2500" b="1" i="0" u="none" strike="noStrike" dirty="0" err="1">
+                          <a:solidFill>
+                            <a:srgbClr val="000000"/>
+                          </a:solidFill>
+                          <a:effectLst/>
+                          <a:latin typeface="Calibri" panose="020F0502020204030204" pitchFamily="34" charset="0"/>
+                        </a:rPr>
+                        <a:t>event_name</a:t>
+                      </a:r>
+                      <a:endParaRPr lang="en-IN" sz="2500" b="1" i="0" u="none" strike="noStrike" dirty="0">
+                        <a:solidFill>
+                          <a:srgbClr val="000000"/>
+                        </a:solidFill>
+                        <a:effectLst/>
+                        <a:latin typeface="Calibri" panose="020F0502020204030204" pitchFamily="34" charset="0"/>
+                      </a:endParaRPr>
+                    </a:p>
+                  </a:txBody>
+                  <a:tcPr marL="7620" marR="7620" marT="7620" marB="0" anchor="ctr"/>
+                </a:tc>
+                <a:tc>
+                  <a:txBody>
+                    <a:bodyPr/>
+                    <a:lstStyle/>
+                    <a:p>
+                      <a:pPr algn="ctr" fontAlgn="b"/>
+                      <a:r>
+                        <a:rPr lang="en-IN" sz="2500" b="1" i="0" u="none" strike="noStrike">
+                          <a:solidFill>
+                            <a:srgbClr val="000000"/>
+                          </a:solidFill>
+                          <a:effectLst/>
+                          <a:latin typeface="Calibri" panose="020F0502020204030204" pitchFamily="34" charset="0"/>
+                        </a:rPr>
+                        <a:t>Count of event_name</a:t>
+                      </a:r>
+                    </a:p>
+                  </a:txBody>
+                  <a:tcPr marL="7620" marR="7620" marT="7620" marB="0" anchor="ctr"/>
+                </a:tc>
+                <a:extLst>
+                  <a:ext uri="{0D108BD9-81ED-4DB2-BD59-A6C34878D82A}">
+                    <a16:rowId xmlns:a16="http://schemas.microsoft.com/office/drawing/2014/main" val="3227687589"/>
+                  </a:ext>
+                </a:extLst>
+              </a:tr>
+              <a:tr h="370840">
+                <a:tc>
+                  <a:txBody>
+                    <a:bodyPr/>
+                    <a:lstStyle/>
+                    <a:p>
+                      <a:pPr algn="ctr" fontAlgn="b"/>
+                      <a:r>
+                        <a:rPr lang="en-IN" sz="2500" b="0" i="0" u="none" strike="noStrike">
+                          <a:solidFill>
+                            <a:srgbClr val="000000"/>
+                          </a:solidFill>
+                          <a:effectLst/>
+                          <a:latin typeface="Calibri" panose="020F0502020204030204" pitchFamily="34" charset="0"/>
+                        </a:rPr>
+                        <a:t>Female</a:t>
+                      </a:r>
+                    </a:p>
+                  </a:txBody>
+                  <a:tcPr marL="7620" marR="7620" marT="7620" marB="0" anchor="ctr"/>
+                </a:tc>
+                <a:tc>
+                  <a:txBody>
+                    <a:bodyPr/>
+                    <a:lstStyle/>
+                    <a:p>
+                      <a:pPr algn="ctr" fontAlgn="b"/>
+                      <a:r>
+                        <a:rPr lang="en-IN" sz="2500" b="0" i="0" u="none" strike="noStrike">
+                          <a:solidFill>
+                            <a:srgbClr val="000000"/>
+                          </a:solidFill>
+                          <a:effectLst/>
+                          <a:latin typeface="Calibri" panose="020F0502020204030204" pitchFamily="34" charset="0"/>
+                        </a:rPr>
+                        <a:t>1856</a:t>
+                      </a:r>
+                    </a:p>
+                  </a:txBody>
+                  <a:tcPr marL="7620" marR="7620" marT="7620" marB="0" anchor="ctr"/>
+                </a:tc>
+                <a:extLst>
+                  <a:ext uri="{0D108BD9-81ED-4DB2-BD59-A6C34878D82A}">
+                    <a16:rowId xmlns:a16="http://schemas.microsoft.com/office/drawing/2014/main" val="3062906981"/>
+                  </a:ext>
+                </a:extLst>
+              </a:tr>
+              <a:tr h="370840">
+                <a:tc>
+                  <a:txBody>
+                    <a:bodyPr/>
+                    <a:lstStyle/>
+                    <a:p>
+                      <a:pPr algn="ctr" fontAlgn="b"/>
+                      <a:r>
+                        <a:rPr lang="en-IN" sz="2500" b="0" i="0" u="none" strike="noStrike">
+                          <a:solidFill>
+                            <a:srgbClr val="000000"/>
+                          </a:solidFill>
+                          <a:effectLst/>
+                          <a:latin typeface="Calibri" panose="020F0502020204030204" pitchFamily="34" charset="0"/>
+                        </a:rPr>
+                        <a:t>Male</a:t>
+                      </a:r>
+                    </a:p>
+                  </a:txBody>
+                  <a:tcPr marL="7620" marR="7620" marT="7620" marB="0" anchor="ctr"/>
+                </a:tc>
+                <a:tc>
+                  <a:txBody>
+                    <a:bodyPr/>
+                    <a:lstStyle/>
+                    <a:p>
+                      <a:pPr algn="ctr" fontAlgn="b"/>
+                      <a:r>
+                        <a:rPr lang="en-IN" sz="2500" b="0" i="0" u="none" strike="noStrike" dirty="0">
+                          <a:solidFill>
+                            <a:srgbClr val="000000"/>
+                          </a:solidFill>
+                          <a:effectLst/>
+                          <a:latin typeface="Calibri" panose="020F0502020204030204" pitchFamily="34" charset="0"/>
+                        </a:rPr>
+                        <a:t>2563</a:t>
+                      </a:r>
+                    </a:p>
+                  </a:txBody>
+                  <a:tcPr marL="7620" marR="7620" marT="7620" marB="0" anchor="ctr"/>
+                </a:tc>
+                <a:extLst>
+                  <a:ext uri="{0D108BD9-81ED-4DB2-BD59-A6C34878D82A}">
+                    <a16:rowId xmlns:a16="http://schemas.microsoft.com/office/drawing/2014/main" val="587856644"/>
+                  </a:ext>
+                </a:extLst>
+              </a:tr>
+            </a:tbl>
+          </a:graphicData>
+        </a:graphic>
+      </p:graphicFrame>
     </p:spTree>
     <p:extLst>
       <p:ext uri="{BB962C8B-B14F-4D97-AF65-F5344CB8AC3E}">
-        <p14:creationId xmlns:p14="http://schemas.microsoft.com/office/powerpoint/2010/main" val="2844643061"/>
+        <p14:creationId xmlns:p14="http://schemas.microsoft.com/office/powerpoint/2010/main" val="3180329487"/>
       </p:ext>
     </p:extLst>
   </p:cSld>
